--- a/Reitti/Pictures/Pictures.pptx
+++ b/Reitti/Pictures/Pictures.pptx
@@ -123,7 +123,7 @@
   </p:defaultTextStyle>
   <p:extLst>
     <p:ext uri="{EFAFB233-063F-42B5-8137-9DF3F51BA10A}">
-      <p15:sldGuideLst xmlns:p15="http://schemas.microsoft.com/office/powerpoint/2012/main" xmlns="">
+      <p15:sldGuideLst xmlns="" xmlns:p15="http://schemas.microsoft.com/office/powerpoint/2012/main">
         <p15:guide id="1" orient="horz" pos="2160" userDrawn="1">
           <p15:clr>
             <a:srgbClr val="A4A3A4"/>
@@ -271,7 +271,7 @@
           <a:p>
             <a:fld id="{447593BF-50A8-4560-8C02-A22D325087EC}" type="datetimeFigureOut">
               <a:rPr lang="en-GB" smtClean="0"/>
-              <a:t>5/10/14</a:t>
+              <a:t>29/3/15</a:t>
             </a:fld>
             <a:endParaRPr lang="en-GB"/>
           </a:p>
@@ -441,7 +441,7 @@
           <a:p>
             <a:fld id="{447593BF-50A8-4560-8C02-A22D325087EC}" type="datetimeFigureOut">
               <a:rPr lang="en-GB" smtClean="0"/>
-              <a:t>5/10/14</a:t>
+              <a:t>29/3/15</a:t>
             </a:fld>
             <a:endParaRPr lang="en-GB"/>
           </a:p>
@@ -621,7 +621,7 @@
           <a:p>
             <a:fld id="{447593BF-50A8-4560-8C02-A22D325087EC}" type="datetimeFigureOut">
               <a:rPr lang="en-GB" smtClean="0"/>
-              <a:t>5/10/14</a:t>
+              <a:t>29/3/15</a:t>
             </a:fld>
             <a:endParaRPr lang="en-GB"/>
           </a:p>
@@ -791,7 +791,7 @@
           <a:p>
             <a:fld id="{447593BF-50A8-4560-8C02-A22D325087EC}" type="datetimeFigureOut">
               <a:rPr lang="en-GB" smtClean="0"/>
-              <a:t>5/10/14</a:t>
+              <a:t>29/3/15</a:t>
             </a:fld>
             <a:endParaRPr lang="en-GB"/>
           </a:p>
@@ -1037,7 +1037,7 @@
           <a:p>
             <a:fld id="{447593BF-50A8-4560-8C02-A22D325087EC}" type="datetimeFigureOut">
               <a:rPr lang="en-GB" smtClean="0"/>
-              <a:t>5/10/14</a:t>
+              <a:t>29/3/15</a:t>
             </a:fld>
             <a:endParaRPr lang="en-GB"/>
           </a:p>
@@ -1269,7 +1269,7 @@
           <a:p>
             <a:fld id="{447593BF-50A8-4560-8C02-A22D325087EC}" type="datetimeFigureOut">
               <a:rPr lang="en-GB" smtClean="0"/>
-              <a:t>5/10/14</a:t>
+              <a:t>29/3/15</a:t>
             </a:fld>
             <a:endParaRPr lang="en-GB"/>
           </a:p>
@@ -1636,7 +1636,7 @@
           <a:p>
             <a:fld id="{447593BF-50A8-4560-8C02-A22D325087EC}" type="datetimeFigureOut">
               <a:rPr lang="en-GB" smtClean="0"/>
-              <a:t>5/10/14</a:t>
+              <a:t>29/3/15</a:t>
             </a:fld>
             <a:endParaRPr lang="en-GB"/>
           </a:p>
@@ -1754,7 +1754,7 @@
           <a:p>
             <a:fld id="{447593BF-50A8-4560-8C02-A22D325087EC}" type="datetimeFigureOut">
               <a:rPr lang="en-GB" smtClean="0"/>
-              <a:t>5/10/14</a:t>
+              <a:t>29/3/15</a:t>
             </a:fld>
             <a:endParaRPr lang="en-GB"/>
           </a:p>
@@ -1849,7 +1849,7 @@
           <a:p>
             <a:fld id="{447593BF-50A8-4560-8C02-A22D325087EC}" type="datetimeFigureOut">
               <a:rPr lang="en-GB" smtClean="0"/>
-              <a:t>5/10/14</a:t>
+              <a:t>29/3/15</a:t>
             </a:fld>
             <a:endParaRPr lang="en-GB"/>
           </a:p>
@@ -2126,7 +2126,7 @@
           <a:p>
             <a:fld id="{447593BF-50A8-4560-8C02-A22D325087EC}" type="datetimeFigureOut">
               <a:rPr lang="en-GB" smtClean="0"/>
-              <a:t>5/10/14</a:t>
+              <a:t>29/3/15</a:t>
             </a:fld>
             <a:endParaRPr lang="en-GB"/>
           </a:p>
@@ -2379,7 +2379,7 @@
           <a:p>
             <a:fld id="{447593BF-50A8-4560-8C02-A22D325087EC}" type="datetimeFigureOut">
               <a:rPr lang="en-GB" smtClean="0"/>
-              <a:t>5/10/14</a:t>
+              <a:t>29/3/15</a:t>
             </a:fld>
             <a:endParaRPr lang="en-GB"/>
           </a:p>
@@ -2592,7 +2592,7 @@
           <a:p>
             <a:fld id="{447593BF-50A8-4560-8C02-A22D325087EC}" type="datetimeFigureOut">
               <a:rPr lang="en-GB" smtClean="0"/>
-              <a:t>5/10/14</a:t>
+              <a:t>29/3/15</a:t>
             </a:fld>
             <a:endParaRPr lang="en-GB"/>
           </a:p>
@@ -6907,6 +6907,16 @@
 <file path=ppt/slides/slide17.xml><?xml version="1.0" encoding="utf-8"?>
 <p:sld xmlns:a="http://schemas.openxmlformats.org/drawingml/2006/main" xmlns:r="http://schemas.openxmlformats.org/officeDocument/2006/relationships" xmlns:p="http://schemas.openxmlformats.org/presentationml/2006/main">
   <p:cSld>
+    <p:bg>
+      <p:bgPr>
+        <a:solidFill>
+          <a:schemeClr val="bg1">
+            <a:lumMod val="50000"/>
+          </a:schemeClr>
+        </a:solidFill>
+        <a:effectLst/>
+      </p:bgPr>
+    </p:bg>
     <p:spTree>
       <p:nvGrpSpPr>
         <p:cNvPr id="1" name=""/>
@@ -7020,6 +7030,118 @@
           </a:fontRef>
         </p:style>
       </p:cxnSp>
+      <p:pic>
+        <p:nvPicPr>
+          <p:cNvPr id="2" name="Picture 1" descr="Up Left-100.png"/>
+          <p:cNvPicPr>
+            <a:picLocks noChangeAspect="1"/>
+          </p:cNvPicPr>
+          <p:nvPr/>
+        </p:nvPicPr>
+        <p:blipFill>
+          <a:blip r:embed="rId4">
+            <a:extLst>
+              <a:ext uri="{28A0092B-C50C-407E-A947-70E740481C1C}">
+                <a14:useLocalDpi xmlns:a14="http://schemas.microsoft.com/office/drawing/2010/main" val="0"/>
+              </a:ext>
+            </a:extLst>
+          </a:blip>
+          <a:stretch>
+            <a:fillRect/>
+          </a:stretch>
+        </p:blipFill>
+        <p:spPr>
+          <a:xfrm>
+            <a:off x="4081291" y="1492568"/>
+            <a:ext cx="1270000" cy="1270000"/>
+          </a:xfrm>
+          <a:prstGeom prst="rect">
+            <a:avLst/>
+          </a:prstGeom>
+        </p:spPr>
+      </p:pic>
+      <p:pic>
+        <p:nvPicPr>
+          <p:cNvPr id="6" name="Picture 5" descr="Up Left-100.png"/>
+          <p:cNvPicPr>
+            <a:picLocks noChangeAspect="1"/>
+          </p:cNvPicPr>
+          <p:nvPr/>
+        </p:nvPicPr>
+        <p:blipFill rotWithShape="1">
+          <a:blip r:embed="rId4">
+            <a:extLst>
+              <a:ext uri="{28A0092B-C50C-407E-A947-70E740481C1C}">
+                <a14:useLocalDpi xmlns:a14="http://schemas.microsoft.com/office/drawing/2010/main" val="0"/>
+              </a:ext>
+            </a:extLst>
+          </a:blip>
+          <a:srcRect r="41935" b="47028"/>
+          <a:stretch/>
+        </p:blipFill>
+        <p:spPr>
+          <a:xfrm rot="5400000">
+            <a:off x="2837808" y="5237088"/>
+            <a:ext cx="737425" cy="672741"/>
+          </a:xfrm>
+          <a:prstGeom prst="rect">
+            <a:avLst/>
+          </a:prstGeom>
+        </p:spPr>
+      </p:pic>
+      <p:pic>
+        <p:nvPicPr>
+          <p:cNvPr id="8" name="Picture 7" descr="Up Left-100.png"/>
+          <p:cNvPicPr>
+            <a:picLocks noChangeAspect="1"/>
+          </p:cNvPicPr>
+          <p:nvPr/>
+        </p:nvPicPr>
+        <p:blipFill rotWithShape="1">
+          <a:blip r:embed="rId4">
+            <a:extLst>
+              <a:ext uri="{28A0092B-C50C-407E-A947-70E740481C1C}">
+                <a14:useLocalDpi xmlns:a14="http://schemas.microsoft.com/office/drawing/2010/main" val="0"/>
+              </a:ext>
+            </a:extLst>
+          </a:blip>
+          <a:srcRect r="41935" b="47028"/>
+          <a:stretch/>
+        </p:blipFill>
+        <p:spPr>
+          <a:xfrm rot="16200000">
+            <a:off x="2598243" y="4856371"/>
+            <a:ext cx="737425" cy="672741"/>
+          </a:xfrm>
+          <a:prstGeom prst="rect">
+            <a:avLst/>
+          </a:prstGeom>
+        </p:spPr>
+      </p:pic>
+      <p:pic>
+        <p:nvPicPr>
+          <p:cNvPr id="3" name="Picture 2"/>
+          <p:cNvPicPr>
+            <a:picLocks noChangeAspect="1"/>
+          </p:cNvPicPr>
+          <p:nvPr/>
+        </p:nvPicPr>
+        <p:blipFill>
+          <a:blip r:embed="rId5"/>
+          <a:stretch>
+            <a:fillRect/>
+          </a:stretch>
+        </p:blipFill>
+        <p:spPr>
+          <a:xfrm>
+            <a:off x="4711700" y="1854200"/>
+            <a:ext cx="2768600" cy="3149600"/>
+          </a:xfrm>
+          <a:prstGeom prst="rect">
+            <a:avLst/>
+          </a:prstGeom>
+        </p:spPr>
+      </p:pic>
     </p:spTree>
     <p:extLst>
       <p:ext uri="{BB962C8B-B14F-4D97-AF65-F5344CB8AC3E}">
@@ -9371,7 +9493,7 @@
   <a:extraClrSchemeLst/>
   <a:extLst>
     <a:ext uri="{05A4C25C-085E-4340-85A3-A5531E510DB2}">
-      <thm15:themeFamily xmlns:thm15="http://schemas.microsoft.com/office/thememl/2012/main" xmlns="" name="Office Theme" id="{62F939B6-93AF-4DB8-9C6B-D6C7DFDC589F}" vid="{4A3C46E8-61CC-4603-A589-7422A47A8E4A}"/>
+      <thm15:themeFamily xmlns="" xmlns:thm15="http://schemas.microsoft.com/office/thememl/2012/main" name="Office Theme" id="{62F939B6-93AF-4DB8-9C6B-D6C7DFDC589F}" vid="{4A3C46E8-61CC-4603-A589-7422A47A8E4A}"/>
     </a:ext>
   </a:extLst>
 </a:theme>

--- a/Reitti/Pictures/Pictures.pptx
+++ b/Reitti/Pictures/Pictures.pptx
@@ -14,15 +14,18 @@
     <p:sldId id="259" r:id="rId8"/>
     <p:sldId id="257" r:id="rId9"/>
     <p:sldId id="264" r:id="rId10"/>
-    <p:sldId id="265" r:id="rId11"/>
-    <p:sldId id="270" r:id="rId12"/>
-    <p:sldId id="272" r:id="rId13"/>
-    <p:sldId id="271" r:id="rId14"/>
-    <p:sldId id="266" r:id="rId15"/>
-    <p:sldId id="273" r:id="rId16"/>
-    <p:sldId id="268" r:id="rId17"/>
-    <p:sldId id="267" r:id="rId18"/>
-    <p:sldId id="269" r:id="rId19"/>
+    <p:sldId id="275" r:id="rId11"/>
+    <p:sldId id="276" r:id="rId12"/>
+    <p:sldId id="265" r:id="rId13"/>
+    <p:sldId id="270" r:id="rId14"/>
+    <p:sldId id="274" r:id="rId15"/>
+    <p:sldId id="272" r:id="rId16"/>
+    <p:sldId id="271" r:id="rId17"/>
+    <p:sldId id="266" r:id="rId18"/>
+    <p:sldId id="273" r:id="rId19"/>
+    <p:sldId id="268" r:id="rId20"/>
+    <p:sldId id="267" r:id="rId21"/>
+    <p:sldId id="269" r:id="rId22"/>
   </p:sldIdLst>
   <p:sldSz cx="12192000" cy="6858000"/>
   <p:notesSz cx="6858000" cy="9144000"/>
@@ -271,7 +274,7 @@
           <a:p>
             <a:fld id="{447593BF-50A8-4560-8C02-A22D325087EC}" type="datetimeFigureOut">
               <a:rPr lang="en-GB" smtClean="0"/>
-              <a:t>29/3/15</a:t>
+              <a:t>17/4/15</a:t>
             </a:fld>
             <a:endParaRPr lang="en-GB"/>
           </a:p>
@@ -441,7 +444,7 @@
           <a:p>
             <a:fld id="{447593BF-50A8-4560-8C02-A22D325087EC}" type="datetimeFigureOut">
               <a:rPr lang="en-GB" smtClean="0"/>
-              <a:t>29/3/15</a:t>
+              <a:t>17/4/15</a:t>
             </a:fld>
             <a:endParaRPr lang="en-GB"/>
           </a:p>
@@ -621,7 +624,7 @@
           <a:p>
             <a:fld id="{447593BF-50A8-4560-8C02-A22D325087EC}" type="datetimeFigureOut">
               <a:rPr lang="en-GB" smtClean="0"/>
-              <a:t>29/3/15</a:t>
+              <a:t>17/4/15</a:t>
             </a:fld>
             <a:endParaRPr lang="en-GB"/>
           </a:p>
@@ -791,7 +794,7 @@
           <a:p>
             <a:fld id="{447593BF-50A8-4560-8C02-A22D325087EC}" type="datetimeFigureOut">
               <a:rPr lang="en-GB" smtClean="0"/>
-              <a:t>29/3/15</a:t>
+              <a:t>17/4/15</a:t>
             </a:fld>
             <a:endParaRPr lang="en-GB"/>
           </a:p>
@@ -1037,7 +1040,7 @@
           <a:p>
             <a:fld id="{447593BF-50A8-4560-8C02-A22D325087EC}" type="datetimeFigureOut">
               <a:rPr lang="en-GB" smtClean="0"/>
-              <a:t>29/3/15</a:t>
+              <a:t>17/4/15</a:t>
             </a:fld>
             <a:endParaRPr lang="en-GB"/>
           </a:p>
@@ -1269,7 +1272,7 @@
           <a:p>
             <a:fld id="{447593BF-50A8-4560-8C02-A22D325087EC}" type="datetimeFigureOut">
               <a:rPr lang="en-GB" smtClean="0"/>
-              <a:t>29/3/15</a:t>
+              <a:t>17/4/15</a:t>
             </a:fld>
             <a:endParaRPr lang="en-GB"/>
           </a:p>
@@ -1636,7 +1639,7 @@
           <a:p>
             <a:fld id="{447593BF-50A8-4560-8C02-A22D325087EC}" type="datetimeFigureOut">
               <a:rPr lang="en-GB" smtClean="0"/>
-              <a:t>29/3/15</a:t>
+              <a:t>17/4/15</a:t>
             </a:fld>
             <a:endParaRPr lang="en-GB"/>
           </a:p>
@@ -1754,7 +1757,7 @@
           <a:p>
             <a:fld id="{447593BF-50A8-4560-8C02-A22D325087EC}" type="datetimeFigureOut">
               <a:rPr lang="en-GB" smtClean="0"/>
-              <a:t>29/3/15</a:t>
+              <a:t>17/4/15</a:t>
             </a:fld>
             <a:endParaRPr lang="en-GB"/>
           </a:p>
@@ -1849,7 +1852,7 @@
           <a:p>
             <a:fld id="{447593BF-50A8-4560-8C02-A22D325087EC}" type="datetimeFigureOut">
               <a:rPr lang="en-GB" smtClean="0"/>
-              <a:t>29/3/15</a:t>
+              <a:t>17/4/15</a:t>
             </a:fld>
             <a:endParaRPr lang="en-GB"/>
           </a:p>
@@ -2126,7 +2129,7 @@
           <a:p>
             <a:fld id="{447593BF-50A8-4560-8C02-A22D325087EC}" type="datetimeFigureOut">
               <a:rPr lang="en-GB" smtClean="0"/>
-              <a:t>29/3/15</a:t>
+              <a:t>17/4/15</a:t>
             </a:fld>
             <a:endParaRPr lang="en-GB"/>
           </a:p>
@@ -2379,7 +2382,7 @@
           <a:p>
             <a:fld id="{447593BF-50A8-4560-8C02-A22D325087EC}" type="datetimeFigureOut">
               <a:rPr lang="en-GB" smtClean="0"/>
-              <a:t>29/3/15</a:t>
+              <a:t>17/4/15</a:t>
             </a:fld>
             <a:endParaRPr lang="en-GB"/>
           </a:p>
@@ -2592,7 +2595,7 @@
           <a:p>
             <a:fld id="{447593BF-50A8-4560-8C02-A22D325087EC}" type="datetimeFigureOut">
               <a:rPr lang="en-GB" smtClean="0"/>
-              <a:t>29/3/15</a:t>
+              <a:t>17/4/15</a:t>
             </a:fld>
             <a:endParaRPr lang="en-GB"/>
           </a:p>
@@ -3844,44 +3847,69 @@
           <a:chExt cx="0" cy="0"/>
         </a:xfrm>
       </p:grpSpPr>
-      <p:sp>
-        <p:nvSpPr>
-          <p:cNvPr id="4" name="Rectangle 3"/>
+      <p:pic>
+        <p:nvPicPr>
+          <p:cNvPr id="13" name="Picture 12" descr="geoCodeAnnotation-large.png"/>
+          <p:cNvPicPr>
+            <a:picLocks noChangeAspect="1"/>
+          </p:cNvPicPr>
+          <p:nvPr/>
+        </p:nvPicPr>
+        <p:blipFill>
+          <a:blip r:embed="rId2">
+            <a:extLst>
+              <a:ext uri="{28A0092B-C50C-407E-A947-70E740481C1C}">
+                <a14:useLocalDpi xmlns:a14="http://schemas.microsoft.com/office/drawing/2010/main" val="0"/>
+              </a:ext>
+            </a:extLst>
+          </a:blip>
+          <a:stretch>
+            <a:fillRect/>
+          </a:stretch>
+        </p:blipFill>
+        <p:spPr>
+          <a:xfrm>
+            <a:off x="6327198" y="1368938"/>
+            <a:ext cx="4194048" cy="4498848"/>
+          </a:xfrm>
+          <a:prstGeom prst="rect">
+            <a:avLst/>
+          </a:prstGeom>
+        </p:spPr>
+      </p:pic>
+      <p:sp>
+        <p:nvSpPr>
+          <p:cNvPr id="12" name="Oval 11"/>
           <p:cNvSpPr/>
           <p:nvPr/>
         </p:nvSpPr>
         <p:spPr>
           <a:xfrm>
-            <a:off x="937126" y="1220569"/>
-            <a:ext cx="2133215" cy="2132915"/>
-          </a:xfrm>
-          <a:prstGeom prst="rect">
-            <a:avLst/>
-          </a:prstGeom>
-          <a:gradFill flip="none" rotWithShape="1">
-            <a:gsLst>
-              <a:gs pos="0">
-                <a:srgbClr val="009100"/>
-              </a:gs>
-              <a:gs pos="100000">
-                <a:srgbClr val="00C203"/>
-              </a:gs>
-            </a:gsLst>
-            <a:lin ang="16200000" scaled="0"/>
-            <a:tileRect/>
-          </a:gradFill>
+            <a:off x="6986548" y="1516363"/>
+            <a:ext cx="2939170" cy="2979042"/>
+          </a:xfrm>
+          <a:prstGeom prst="ellipse">
+            <a:avLst/>
+          </a:prstGeom>
+          <a:solidFill>
+            <a:schemeClr val="bg1">
+              <a:lumMod val="95000"/>
+            </a:schemeClr>
+          </a:solidFill>
           <a:ln>
             <a:noFill/>
           </a:ln>
         </p:spPr>
         <p:style>
-          <a:lnRef idx="1">
-            <a:schemeClr val="accent1"/>
+          <a:lnRef idx="2">
+            <a:schemeClr val="accent1">
+              <a:shade val="50000"/>
+            </a:schemeClr>
           </a:lnRef>
-          <a:fillRef idx="3">
+          <a:fillRef idx="1">
             <a:schemeClr val="accent1"/>
           </a:fillRef>
-          <a:effectRef idx="2">
+          <a:effectRef idx="0">
             <a:schemeClr val="accent1"/>
           </a:effectRef>
           <a:fontRef idx="minor">
@@ -3893,476 +3921,13 @@
           <a:lstStyle/>
           <a:p>
             <a:pPr algn="ctr"/>
-            <a:endParaRPr lang="en-US"/>
+            <a:endParaRPr lang="en-GB"/>
           </a:p>
         </p:txBody>
       </p:sp>
       <p:pic>
         <p:nvPicPr>
-          <p:cNvPr id="6" name="Picture 5"/>
-          <p:cNvPicPr>
-            <a:picLocks noChangeAspect="1"/>
-          </p:cNvPicPr>
-          <p:nvPr/>
-        </p:nvPicPr>
-        <p:blipFill>
-          <a:blip r:embed="rId2">
-            <a:biLevel thresh="50000"/>
-          </a:blip>
-          <a:stretch>
-            <a:fillRect/>
-          </a:stretch>
-        </p:blipFill>
-        <p:spPr>
-          <a:xfrm>
-            <a:off x="1201722" y="1494262"/>
-            <a:ext cx="1625600" cy="1625600"/>
-          </a:xfrm>
-          <a:prstGeom prst="rect">
-            <a:avLst/>
-          </a:prstGeom>
-        </p:spPr>
-      </p:pic>
-      <p:sp>
-        <p:nvSpPr>
-          <p:cNvPr id="7" name="Rectangle 6"/>
-          <p:cNvSpPr/>
-          <p:nvPr/>
-        </p:nvSpPr>
-        <p:spPr>
-          <a:xfrm>
-            <a:off x="3617324" y="1225021"/>
-            <a:ext cx="2133215" cy="2132915"/>
-          </a:xfrm>
-          <a:prstGeom prst="rect">
-            <a:avLst/>
-          </a:prstGeom>
-          <a:gradFill flip="none" rotWithShape="1">
-            <a:gsLst>
-              <a:gs pos="0">
-                <a:srgbClr val="009100"/>
-              </a:gs>
-              <a:gs pos="100000">
-                <a:srgbClr val="00D803"/>
-              </a:gs>
-            </a:gsLst>
-            <a:lin ang="16200000" scaled="0"/>
-            <a:tileRect/>
-          </a:gradFill>
-          <a:ln>
-            <a:noFill/>
-          </a:ln>
-          <a:effectLst/>
-        </p:spPr>
-        <p:style>
-          <a:lnRef idx="1">
-            <a:schemeClr val="accent1"/>
-          </a:lnRef>
-          <a:fillRef idx="3">
-            <a:schemeClr val="accent1"/>
-          </a:fillRef>
-          <a:effectRef idx="2">
-            <a:schemeClr val="accent1"/>
-          </a:effectRef>
-          <a:fontRef idx="minor">
-            <a:schemeClr val="lt1"/>
-          </a:fontRef>
-        </p:style>
-        <p:txBody>
-          <a:bodyPr rtlCol="0" anchor="ctr"/>
-          <a:lstStyle/>
-          <a:p>
-            <a:pPr algn="ctr"/>
-            <a:endParaRPr lang="en-US"/>
-          </a:p>
-        </p:txBody>
-      </p:sp>
-      <p:sp>
-        <p:nvSpPr>
-          <p:cNvPr id="9" name="Rectangle 8"/>
-          <p:cNvSpPr/>
-          <p:nvPr/>
-        </p:nvSpPr>
-        <p:spPr>
-          <a:xfrm>
-            <a:off x="4040999" y="1562356"/>
-            <a:ext cx="1331999" cy="1404000"/>
-          </a:xfrm>
-          <a:prstGeom prst="rect">
-            <a:avLst/>
-          </a:prstGeom>
-          <a:solidFill>
-            <a:srgbClr val="00C203"/>
-          </a:solidFill>
-          <a:ln>
-            <a:noFill/>
-          </a:ln>
-        </p:spPr>
-        <p:style>
-          <a:lnRef idx="1">
-            <a:schemeClr val="accent1"/>
-          </a:lnRef>
-          <a:fillRef idx="3">
-            <a:schemeClr val="accent1"/>
-          </a:fillRef>
-          <a:effectRef idx="2">
-            <a:schemeClr val="accent1"/>
-          </a:effectRef>
-          <a:fontRef idx="minor">
-            <a:schemeClr val="lt1"/>
-          </a:fontRef>
-        </p:style>
-        <p:txBody>
-          <a:bodyPr rtlCol="0" anchor="ctr"/>
-          <a:lstStyle/>
-          <a:p>
-            <a:pPr algn="ctr"/>
-            <a:endParaRPr lang="en-US"/>
-          </a:p>
-        </p:txBody>
-      </p:sp>
-      <p:pic>
-        <p:nvPicPr>
-          <p:cNvPr id="8" name="Picture 7"/>
-          <p:cNvPicPr>
-            <a:picLocks noChangeAspect="1"/>
-          </p:cNvPicPr>
-          <p:nvPr/>
-        </p:nvPicPr>
-        <p:blipFill>
-          <a:blip r:embed="rId2">
-            <a:biLevel thresh="50000"/>
-          </a:blip>
-          <a:stretch>
-            <a:fillRect/>
-          </a:stretch>
-        </p:blipFill>
-        <p:spPr>
-          <a:xfrm>
-            <a:off x="3881920" y="1498714"/>
-            <a:ext cx="1625600" cy="1625600"/>
-          </a:xfrm>
-          <a:prstGeom prst="rect">
-            <a:avLst/>
-          </a:prstGeom>
-        </p:spPr>
-      </p:pic>
-      <p:sp>
-        <p:nvSpPr>
-          <p:cNvPr id="10" name="Rectangle 9"/>
-          <p:cNvSpPr/>
-          <p:nvPr/>
-        </p:nvSpPr>
-        <p:spPr>
-          <a:xfrm>
-            <a:off x="6322183" y="1217144"/>
-            <a:ext cx="2133215" cy="2132915"/>
-          </a:xfrm>
-          <a:prstGeom prst="rect">
-            <a:avLst/>
-          </a:prstGeom>
-          <a:gradFill flip="none" rotWithShape="1">
-            <a:gsLst>
-              <a:gs pos="0">
-                <a:srgbClr val="25A24D"/>
-              </a:gs>
-              <a:gs pos="100000">
-                <a:srgbClr val="32DC57"/>
-              </a:gs>
-            </a:gsLst>
-            <a:lin ang="16200000" scaled="0"/>
-            <a:tileRect/>
-          </a:gradFill>
-          <a:ln>
-            <a:noFill/>
-          </a:ln>
-          <a:effectLst/>
-        </p:spPr>
-        <p:style>
-          <a:lnRef idx="1">
-            <a:schemeClr val="accent1"/>
-          </a:lnRef>
-          <a:fillRef idx="3">
-            <a:schemeClr val="accent1"/>
-          </a:fillRef>
-          <a:effectRef idx="2">
-            <a:schemeClr val="accent1"/>
-          </a:effectRef>
-          <a:fontRef idx="minor">
-            <a:schemeClr val="lt1"/>
-          </a:fontRef>
-        </p:style>
-        <p:txBody>
-          <a:bodyPr rtlCol="0" anchor="ctr"/>
-          <a:lstStyle/>
-          <a:p>
-            <a:pPr algn="ctr"/>
-            <a:endParaRPr lang="en-US"/>
-          </a:p>
-        </p:txBody>
-      </p:sp>
-      <p:sp>
-        <p:nvSpPr>
-          <p:cNvPr id="11" name="Rectangle 10"/>
-          <p:cNvSpPr/>
-          <p:nvPr/>
-        </p:nvSpPr>
-        <p:spPr>
-          <a:xfrm>
-            <a:off x="6745858" y="1554479"/>
-            <a:ext cx="1331999" cy="1404000"/>
-          </a:xfrm>
-          <a:prstGeom prst="rect">
-            <a:avLst/>
-          </a:prstGeom>
-          <a:solidFill>
-            <a:srgbClr val="2DC14D"/>
-          </a:solidFill>
-          <a:ln>
-            <a:noFill/>
-          </a:ln>
-        </p:spPr>
-        <p:style>
-          <a:lnRef idx="1">
-            <a:schemeClr val="accent1"/>
-          </a:lnRef>
-          <a:fillRef idx="3">
-            <a:schemeClr val="accent1"/>
-          </a:fillRef>
-          <a:effectRef idx="2">
-            <a:schemeClr val="accent1"/>
-          </a:effectRef>
-          <a:fontRef idx="minor">
-            <a:schemeClr val="lt1"/>
-          </a:fontRef>
-        </p:style>
-        <p:txBody>
-          <a:bodyPr rtlCol="0" anchor="ctr"/>
-          <a:lstStyle/>
-          <a:p>
-            <a:pPr algn="ctr"/>
-            <a:endParaRPr lang="en-US"/>
-          </a:p>
-        </p:txBody>
-      </p:sp>
-      <p:pic>
-        <p:nvPicPr>
-          <p:cNvPr id="12" name="Picture 11"/>
-          <p:cNvPicPr>
-            <a:picLocks noChangeAspect="1"/>
-          </p:cNvPicPr>
-          <p:nvPr/>
-        </p:nvPicPr>
-        <p:blipFill>
-          <a:blip r:embed="rId2">
-            <a:biLevel thresh="50000"/>
-          </a:blip>
-          <a:stretch>
-            <a:fillRect/>
-          </a:stretch>
-        </p:blipFill>
-        <p:spPr>
-          <a:xfrm>
-            <a:off x="6586779" y="1490837"/>
-            <a:ext cx="1625600" cy="1625600"/>
-          </a:xfrm>
-          <a:prstGeom prst="rect">
-            <a:avLst/>
-          </a:prstGeom>
-        </p:spPr>
-      </p:pic>
-      <p:sp>
-        <p:nvSpPr>
-          <p:cNvPr id="13" name="Rectangle 12"/>
-          <p:cNvSpPr/>
-          <p:nvPr/>
-        </p:nvSpPr>
-        <p:spPr>
-          <a:xfrm>
-            <a:off x="9039377" y="1221596"/>
-            <a:ext cx="2133215" cy="2132915"/>
-          </a:xfrm>
-          <a:prstGeom prst="rect">
-            <a:avLst/>
-          </a:prstGeom>
-          <a:gradFill flip="none" rotWithShape="1">
-            <a:gsLst>
-              <a:gs pos="0">
-                <a:srgbClr val="25A24D"/>
-              </a:gs>
-              <a:gs pos="100000">
-                <a:srgbClr val="35EF5C"/>
-              </a:gs>
-            </a:gsLst>
-            <a:lin ang="16200000" scaled="0"/>
-            <a:tileRect/>
-          </a:gradFill>
-          <a:ln>
-            <a:noFill/>
-          </a:ln>
-          <a:effectLst/>
-        </p:spPr>
-        <p:style>
-          <a:lnRef idx="1">
-            <a:schemeClr val="accent1"/>
-          </a:lnRef>
-          <a:fillRef idx="3">
-            <a:schemeClr val="accent1"/>
-          </a:fillRef>
-          <a:effectRef idx="2">
-            <a:schemeClr val="accent1"/>
-          </a:effectRef>
-          <a:fontRef idx="minor">
-            <a:schemeClr val="lt1"/>
-          </a:fontRef>
-        </p:style>
-        <p:txBody>
-          <a:bodyPr rtlCol="0" anchor="ctr"/>
-          <a:lstStyle/>
-          <a:p>
-            <a:pPr algn="ctr"/>
-            <a:endParaRPr lang="en-US" dirty="0"/>
-          </a:p>
-        </p:txBody>
-      </p:sp>
-      <p:sp>
-        <p:nvSpPr>
-          <p:cNvPr id="14" name="Rectangle 13"/>
-          <p:cNvSpPr/>
-          <p:nvPr/>
-        </p:nvSpPr>
-        <p:spPr>
-          <a:xfrm>
-            <a:off x="9463052" y="1558931"/>
-            <a:ext cx="1331999" cy="1404000"/>
-          </a:xfrm>
-          <a:prstGeom prst="rect">
-            <a:avLst/>
-          </a:prstGeom>
-          <a:gradFill flip="none" rotWithShape="1">
-            <a:gsLst>
-              <a:gs pos="0">
-                <a:srgbClr val="2DC14D"/>
-              </a:gs>
-              <a:gs pos="100000">
-                <a:srgbClr val="24AB44"/>
-              </a:gs>
-            </a:gsLst>
-            <a:lin ang="16500000" scaled="0"/>
-            <a:tileRect/>
-          </a:gradFill>
-          <a:ln>
-            <a:noFill/>
-          </a:ln>
-        </p:spPr>
-        <p:style>
-          <a:lnRef idx="1">
-            <a:schemeClr val="accent1"/>
-          </a:lnRef>
-          <a:fillRef idx="3">
-            <a:schemeClr val="accent1"/>
-          </a:fillRef>
-          <a:effectRef idx="2">
-            <a:schemeClr val="accent1"/>
-          </a:effectRef>
-          <a:fontRef idx="minor">
-            <a:schemeClr val="lt1"/>
-          </a:fontRef>
-        </p:style>
-        <p:txBody>
-          <a:bodyPr rtlCol="0" anchor="ctr"/>
-          <a:lstStyle/>
-          <a:p>
-            <a:pPr algn="ctr"/>
-            <a:endParaRPr lang="en-US"/>
-          </a:p>
-        </p:txBody>
-      </p:sp>
-      <p:pic>
-        <p:nvPicPr>
-          <p:cNvPr id="15" name="Picture 14"/>
-          <p:cNvPicPr>
-            <a:picLocks noChangeAspect="1"/>
-          </p:cNvPicPr>
-          <p:nvPr/>
-        </p:nvPicPr>
-        <p:blipFill>
-          <a:blip r:embed="rId2">
-            <a:biLevel thresh="50000"/>
-          </a:blip>
-          <a:stretch>
-            <a:fillRect/>
-          </a:stretch>
-        </p:blipFill>
-        <p:spPr>
-          <a:xfrm>
-            <a:off x="9303973" y="1495289"/>
-            <a:ext cx="1625600" cy="1625600"/>
-          </a:xfrm>
-          <a:prstGeom prst="rect">
-            <a:avLst/>
-          </a:prstGeom>
-        </p:spPr>
-      </p:pic>
-      <p:sp>
-        <p:nvSpPr>
-          <p:cNvPr id="16" name="Rectangle 15"/>
-          <p:cNvSpPr/>
-          <p:nvPr/>
-        </p:nvSpPr>
-        <p:spPr>
-          <a:xfrm>
-            <a:off x="1195739" y="5393889"/>
-            <a:ext cx="1140360" cy="1139244"/>
-          </a:xfrm>
-          <a:prstGeom prst="rect">
-            <a:avLst/>
-          </a:prstGeom>
-          <a:gradFill flip="none" rotWithShape="1">
-            <a:gsLst>
-              <a:gs pos="0">
-                <a:schemeClr val="accent2">
-                  <a:lumMod val="75000"/>
-                </a:schemeClr>
-              </a:gs>
-              <a:gs pos="100000">
-                <a:schemeClr val="accent2"/>
-              </a:gs>
-            </a:gsLst>
-            <a:lin ang="16200000" scaled="0"/>
-            <a:tileRect/>
-          </a:gradFill>
-          <a:ln>
-            <a:noFill/>
-          </a:ln>
-          <a:effectLst/>
-        </p:spPr>
-        <p:style>
-          <a:lnRef idx="1">
-            <a:schemeClr val="accent1"/>
-          </a:lnRef>
-          <a:fillRef idx="3">
-            <a:schemeClr val="accent1"/>
-          </a:fillRef>
-          <a:effectRef idx="2">
-            <a:schemeClr val="accent1"/>
-          </a:effectRef>
-          <a:fontRef idx="minor">
-            <a:schemeClr val="lt1"/>
-          </a:fontRef>
-        </p:style>
-        <p:txBody>
-          <a:bodyPr rtlCol="0" anchor="ctr"/>
-          <a:lstStyle/>
-          <a:p>
-            <a:pPr algn="ctr"/>
-            <a:endParaRPr lang="en-US" dirty="0"/>
-          </a:p>
-        </p:txBody>
-      </p:sp>
-      <p:pic>
-        <p:nvPicPr>
-          <p:cNvPr id="3" name="Picture 2" descr="electricity-50.png"/>
+          <p:cNvPr id="2" name="Picture 1" descr="pin-100.png"/>
           <p:cNvPicPr>
             <a:picLocks noChangeAspect="1"/>
           </p:cNvPicPr>
@@ -4382,8 +3947,8 @@
         </p:blipFill>
         <p:spPr>
           <a:xfrm>
-            <a:off x="1326588" y="5519328"/>
-            <a:ext cx="909435" cy="909435"/>
+            <a:off x="7352291" y="1841442"/>
+            <a:ext cx="2219463" cy="2219463"/>
           </a:xfrm>
           <a:prstGeom prst="rect">
             <a:avLst/>
@@ -4392,7 +3957,85 @@
       </p:pic>
       <p:pic>
         <p:nvPicPr>
-          <p:cNvPr id="5" name="Picture 4" descr="Untitled.png"/>
+          <p:cNvPr id="14" name="Picture 13" descr="geoCodeAnnotation-large.png"/>
+          <p:cNvPicPr>
+            <a:picLocks noChangeAspect="1"/>
+          </p:cNvPicPr>
+          <p:nvPr/>
+        </p:nvPicPr>
+        <p:blipFill>
+          <a:blip r:embed="rId2">
+            <a:extLst>
+              <a:ext uri="{28A0092B-C50C-407E-A947-70E740481C1C}">
+                <a14:useLocalDpi xmlns:a14="http://schemas.microsoft.com/office/drawing/2010/main" val="0"/>
+              </a:ext>
+            </a:extLst>
+          </a:blip>
+          <a:stretch>
+            <a:fillRect/>
+          </a:stretch>
+        </p:blipFill>
+        <p:spPr>
+          <a:xfrm>
+            <a:off x="848344" y="1538049"/>
+            <a:ext cx="4194048" cy="4498848"/>
+          </a:xfrm>
+          <a:prstGeom prst="rect">
+            <a:avLst/>
+          </a:prstGeom>
+        </p:spPr>
+      </p:pic>
+      <p:sp>
+        <p:nvSpPr>
+          <p:cNvPr id="15" name="Oval 14"/>
+          <p:cNvSpPr/>
+          <p:nvPr/>
+        </p:nvSpPr>
+        <p:spPr>
+          <a:xfrm>
+            <a:off x="1507694" y="1702186"/>
+            <a:ext cx="2939170" cy="2979042"/>
+          </a:xfrm>
+          <a:prstGeom prst="ellipse">
+            <a:avLst/>
+          </a:prstGeom>
+          <a:solidFill>
+            <a:schemeClr val="bg1">
+              <a:lumMod val="95000"/>
+            </a:schemeClr>
+          </a:solidFill>
+          <a:ln>
+            <a:noFill/>
+          </a:ln>
+        </p:spPr>
+        <p:style>
+          <a:lnRef idx="2">
+            <a:schemeClr val="accent1">
+              <a:shade val="50000"/>
+            </a:schemeClr>
+          </a:lnRef>
+          <a:fillRef idx="1">
+            <a:schemeClr val="accent1"/>
+          </a:fillRef>
+          <a:effectRef idx="0">
+            <a:schemeClr val="accent1"/>
+          </a:effectRef>
+          <a:fontRef idx="minor">
+            <a:schemeClr val="lt1"/>
+          </a:fontRef>
+        </p:style>
+        <p:txBody>
+          <a:bodyPr rtlCol="0" anchor="ctr"/>
+          <a:lstStyle/>
+          <a:p>
+            <a:pPr algn="ctr"/>
+            <a:endParaRPr lang="en-GB"/>
+          </a:p>
+        </p:txBody>
+      </p:sp>
+      <p:pic>
+        <p:nvPicPr>
+          <p:cNvPr id="10" name="Picture 9" descr="Bus2-100 (1).png"/>
           <p:cNvPicPr>
             <a:picLocks noChangeAspect="1"/>
           </p:cNvPicPr>
@@ -4412,10 +4055,40 @@
         </p:blipFill>
         <p:spPr>
           <a:xfrm>
-            <a:off x="4790589" y="4569590"/>
-            <a:ext cx="1146048" cy="1146048"/>
-          </a:xfrm>
-          <a:prstGeom prst="roundRect">
+            <a:off x="10039528" y="-347771"/>
+            <a:ext cx="1791120" cy="1791120"/>
+          </a:xfrm>
+          <a:prstGeom prst="rect">
+            <a:avLst/>
+          </a:prstGeom>
+        </p:spPr>
+      </p:pic>
+      <p:pic>
+        <p:nvPicPr>
+          <p:cNvPr id="18" name="Picture 17" descr="Bus2-100 (2).png"/>
+          <p:cNvPicPr>
+            <a:picLocks noChangeAspect="1"/>
+          </p:cNvPicPr>
+          <p:nvPr/>
+        </p:nvPicPr>
+        <p:blipFill>
+          <a:blip r:embed="rId5">
+            <a:extLst>
+              <a:ext uri="{28A0092B-C50C-407E-A947-70E740481C1C}">
+                <a14:useLocalDpi xmlns:a14="http://schemas.microsoft.com/office/drawing/2010/main" val="0"/>
+              </a:ext>
+            </a:extLst>
+          </a:blip>
+          <a:stretch>
+            <a:fillRect/>
+          </a:stretch>
+        </p:blipFill>
+        <p:spPr>
+          <a:xfrm>
+            <a:off x="2021904" y="2058683"/>
+            <a:ext cx="1888223" cy="1888223"/>
+          </a:xfrm>
+          <a:prstGeom prst="rect">
             <a:avLst/>
           </a:prstGeom>
         </p:spPr>
@@ -4423,7 +4096,7 @@
     </p:spTree>
     <p:extLst>
       <p:ext uri="{BB962C8B-B14F-4D97-AF65-F5344CB8AC3E}">
-        <p14:creationId xmlns:p14="http://schemas.microsoft.com/office/powerpoint/2010/main" val="1952662791"/>
+        <p14:creationId xmlns:p14="http://schemas.microsoft.com/office/powerpoint/2010/main" val="3745628639"/>
       </p:ext>
     </p:extLst>
   </p:cSld>
@@ -4450,123 +4123,16 @@
           <a:chExt cx="0" cy="0"/>
         </a:xfrm>
       </p:grpSpPr>
-      <p:sp>
-        <p:nvSpPr>
-          <p:cNvPr id="13" name="Rectangle 12"/>
-          <p:cNvSpPr/>
-          <p:nvPr/>
-        </p:nvSpPr>
-        <p:spPr>
-          <a:xfrm>
-            <a:off x="3379434" y="202402"/>
-            <a:ext cx="6247169" cy="6273400"/>
-          </a:xfrm>
-          <a:prstGeom prst="rect">
-            <a:avLst/>
-          </a:prstGeom>
-          <a:gradFill flip="none" rotWithShape="1">
-            <a:gsLst>
-              <a:gs pos="0">
-                <a:srgbClr val="25A24D"/>
-              </a:gs>
-              <a:gs pos="100000">
-                <a:srgbClr val="35EF5C"/>
-              </a:gs>
-            </a:gsLst>
-            <a:lin ang="16200000" scaled="0"/>
-            <a:tileRect/>
-          </a:gradFill>
-          <a:ln>
-            <a:noFill/>
-          </a:ln>
-          <a:effectLst/>
-        </p:spPr>
-        <p:style>
-          <a:lnRef idx="1">
-            <a:schemeClr val="accent1"/>
-          </a:lnRef>
-          <a:fillRef idx="3">
-            <a:schemeClr val="accent1"/>
-          </a:fillRef>
-          <a:effectRef idx="2">
-            <a:schemeClr val="accent1"/>
-          </a:effectRef>
-          <a:fontRef idx="minor">
-            <a:schemeClr val="lt1"/>
-          </a:fontRef>
-        </p:style>
-        <p:txBody>
-          <a:bodyPr rtlCol="0" anchor="ctr"/>
-          <a:lstStyle/>
-          <a:p>
-            <a:pPr algn="ctr"/>
-            <a:endParaRPr lang="en-US" dirty="0"/>
-          </a:p>
-        </p:txBody>
-      </p:sp>
-      <p:sp>
-        <p:nvSpPr>
-          <p:cNvPr id="14" name="Rectangle 13"/>
-          <p:cNvSpPr/>
-          <p:nvPr/>
-        </p:nvSpPr>
-        <p:spPr>
-          <a:xfrm>
-            <a:off x="4508642" y="1213972"/>
-            <a:ext cx="3900790" cy="4129491"/>
-          </a:xfrm>
-          <a:prstGeom prst="rect">
-            <a:avLst/>
-          </a:prstGeom>
-          <a:gradFill flip="none" rotWithShape="1">
-            <a:gsLst>
-              <a:gs pos="0">
-                <a:srgbClr val="2DC14D"/>
-              </a:gs>
-              <a:gs pos="100000">
-                <a:srgbClr val="24AB44"/>
-              </a:gs>
-            </a:gsLst>
-            <a:lin ang="16500000" scaled="0"/>
-            <a:tileRect/>
-          </a:gradFill>
-          <a:ln>
-            <a:noFill/>
-          </a:ln>
-        </p:spPr>
-        <p:style>
-          <a:lnRef idx="1">
-            <a:schemeClr val="accent1"/>
-          </a:lnRef>
-          <a:fillRef idx="3">
-            <a:schemeClr val="accent1"/>
-          </a:fillRef>
-          <a:effectRef idx="2">
-            <a:schemeClr val="accent1"/>
-          </a:effectRef>
-          <a:fontRef idx="minor">
-            <a:schemeClr val="lt1"/>
-          </a:fontRef>
-        </p:style>
-        <p:txBody>
-          <a:bodyPr rtlCol="0" anchor="ctr"/>
-          <a:lstStyle/>
-          <a:p>
-            <a:pPr algn="ctr"/>
-            <a:endParaRPr lang="en-US"/>
-          </a:p>
-        </p:txBody>
-      </p:sp>
       <p:pic>
         <p:nvPicPr>
-          <p:cNvPr id="18" name="Picture 17" descr="ios7-bus-icon-large.png"/>
+          <p:cNvPr id="13" name="Picture 12" descr="geoCodeAnnotation-large.png"/>
           <p:cNvPicPr>
             <a:picLocks noChangeAspect="1"/>
           </p:cNvPicPr>
           <p:nvPr/>
         </p:nvPicPr>
         <p:blipFill>
-          <a:blip r:embed="rId2" cstate="print">
+          <a:blip r:embed="rId2">
             <a:extLst>
               <a:ext uri="{28A0092B-C50C-407E-A947-70E740481C1C}">
                 <a14:useLocalDpi xmlns:a14="http://schemas.microsoft.com/office/drawing/2010/main" val="0"/>
@@ -4579,8 +4145,164 @@
         </p:blipFill>
         <p:spPr>
           <a:xfrm>
-            <a:off x="4060734" y="1017576"/>
-            <a:ext cx="4777867" cy="4777867"/>
+            <a:off x="6327198" y="1368938"/>
+            <a:ext cx="4194048" cy="4498848"/>
+          </a:xfrm>
+          <a:prstGeom prst="rect">
+            <a:avLst/>
+          </a:prstGeom>
+        </p:spPr>
+      </p:pic>
+      <p:sp>
+        <p:nvSpPr>
+          <p:cNvPr id="12" name="Oval 11"/>
+          <p:cNvSpPr/>
+          <p:nvPr/>
+        </p:nvSpPr>
+        <p:spPr>
+          <a:xfrm>
+            <a:off x="6986548" y="1516363"/>
+            <a:ext cx="2939170" cy="2979042"/>
+          </a:xfrm>
+          <a:prstGeom prst="ellipse">
+            <a:avLst/>
+          </a:prstGeom>
+          <a:solidFill>
+            <a:schemeClr val="bg1">
+              <a:lumMod val="95000"/>
+            </a:schemeClr>
+          </a:solidFill>
+          <a:ln>
+            <a:noFill/>
+          </a:ln>
+        </p:spPr>
+        <p:style>
+          <a:lnRef idx="2">
+            <a:schemeClr val="accent1">
+              <a:shade val="50000"/>
+            </a:schemeClr>
+          </a:lnRef>
+          <a:fillRef idx="1">
+            <a:schemeClr val="accent1"/>
+          </a:fillRef>
+          <a:effectRef idx="0">
+            <a:schemeClr val="accent1"/>
+          </a:effectRef>
+          <a:fontRef idx="minor">
+            <a:schemeClr val="lt1"/>
+          </a:fontRef>
+        </p:style>
+        <p:txBody>
+          <a:bodyPr rtlCol="0" anchor="ctr"/>
+          <a:lstStyle/>
+          <a:p>
+            <a:pPr algn="ctr"/>
+            <a:endParaRPr lang="en-GB"/>
+          </a:p>
+        </p:txBody>
+      </p:sp>
+      <p:pic>
+        <p:nvPicPr>
+          <p:cNvPr id="14" name="Picture 13" descr="geoCodeAnnotation-large.png"/>
+          <p:cNvPicPr>
+            <a:picLocks noChangeAspect="1"/>
+          </p:cNvPicPr>
+          <p:nvPr/>
+        </p:nvPicPr>
+        <p:blipFill>
+          <a:blip r:embed="rId2">
+            <a:extLst>
+              <a:ext uri="{28A0092B-C50C-407E-A947-70E740481C1C}">
+                <a14:useLocalDpi xmlns:a14="http://schemas.microsoft.com/office/drawing/2010/main" val="0"/>
+              </a:ext>
+            </a:extLst>
+          </a:blip>
+          <a:stretch>
+            <a:fillRect/>
+          </a:stretch>
+        </p:blipFill>
+        <p:spPr>
+          <a:xfrm>
+            <a:off x="848344" y="1538049"/>
+            <a:ext cx="4194048" cy="4498848"/>
+          </a:xfrm>
+          <a:prstGeom prst="rect">
+            <a:avLst/>
+          </a:prstGeom>
+        </p:spPr>
+      </p:pic>
+      <p:sp>
+        <p:nvSpPr>
+          <p:cNvPr id="15" name="Oval 14"/>
+          <p:cNvSpPr/>
+          <p:nvPr/>
+        </p:nvSpPr>
+        <p:spPr>
+          <a:xfrm>
+            <a:off x="1507694" y="1702186"/>
+            <a:ext cx="2939170" cy="2979042"/>
+          </a:xfrm>
+          <a:prstGeom prst="ellipse">
+            <a:avLst/>
+          </a:prstGeom>
+          <a:solidFill>
+            <a:schemeClr val="bg1">
+              <a:lumMod val="95000"/>
+            </a:schemeClr>
+          </a:solidFill>
+          <a:ln>
+            <a:noFill/>
+          </a:ln>
+        </p:spPr>
+        <p:style>
+          <a:lnRef idx="2">
+            <a:schemeClr val="accent1">
+              <a:shade val="50000"/>
+            </a:schemeClr>
+          </a:lnRef>
+          <a:fillRef idx="1">
+            <a:schemeClr val="accent1"/>
+          </a:fillRef>
+          <a:effectRef idx="0">
+            <a:schemeClr val="accent1"/>
+          </a:effectRef>
+          <a:fontRef idx="minor">
+            <a:schemeClr val="lt1"/>
+          </a:fontRef>
+        </p:style>
+        <p:txBody>
+          <a:bodyPr rtlCol="0" anchor="ctr"/>
+          <a:lstStyle/>
+          <a:p>
+            <a:pPr algn="ctr"/>
+            <a:endParaRPr lang="en-GB"/>
+          </a:p>
+        </p:txBody>
+      </p:sp>
+      <p:pic>
+        <p:nvPicPr>
+          <p:cNvPr id="10" name="Picture 9" descr="Bus2-100 (1).png"/>
+          <p:cNvPicPr>
+            <a:picLocks noChangeAspect="1"/>
+          </p:cNvPicPr>
+          <p:nvPr/>
+        </p:nvPicPr>
+        <p:blipFill>
+          <a:blip r:embed="rId3">
+            <a:extLst>
+              <a:ext uri="{28A0092B-C50C-407E-A947-70E740481C1C}">
+                <a14:useLocalDpi xmlns:a14="http://schemas.microsoft.com/office/drawing/2010/main" val="0"/>
+              </a:ext>
+            </a:extLst>
+          </a:blip>
+          <a:stretch>
+            <a:fillRect/>
+          </a:stretch>
+        </p:blipFill>
+        <p:spPr>
+          <a:xfrm>
+            <a:off x="10039528" y="-347771"/>
+            <a:ext cx="1791120" cy="1791120"/>
           </a:xfrm>
           <a:prstGeom prst="rect">
             <a:avLst/>
@@ -4590,7 +4312,7 @@
     </p:spTree>
     <p:extLst>
       <p:ext uri="{BB962C8B-B14F-4D97-AF65-F5344CB8AC3E}">
-        <p14:creationId xmlns:p14="http://schemas.microsoft.com/office/powerpoint/2010/main" val="296159481"/>
+        <p14:creationId xmlns:p14="http://schemas.microsoft.com/office/powerpoint/2010/main" val="1562987221"/>
       </p:ext>
     </p:extLst>
   </p:cSld>
@@ -4617,9 +4339,62 @@
           <a:chExt cx="0" cy="0"/>
         </a:xfrm>
       </p:grpSpPr>
+      <p:sp>
+        <p:nvSpPr>
+          <p:cNvPr id="4" name="Rectangle 3"/>
+          <p:cNvSpPr/>
+          <p:nvPr/>
+        </p:nvSpPr>
+        <p:spPr>
+          <a:xfrm>
+            <a:off x="937126" y="1220569"/>
+            <a:ext cx="2133215" cy="2132915"/>
+          </a:xfrm>
+          <a:prstGeom prst="rect">
+            <a:avLst/>
+          </a:prstGeom>
+          <a:gradFill flip="none" rotWithShape="1">
+            <a:gsLst>
+              <a:gs pos="0">
+                <a:srgbClr val="009100"/>
+              </a:gs>
+              <a:gs pos="100000">
+                <a:srgbClr val="00C203"/>
+              </a:gs>
+            </a:gsLst>
+            <a:lin ang="16200000" scaled="0"/>
+            <a:tileRect/>
+          </a:gradFill>
+          <a:ln>
+            <a:noFill/>
+          </a:ln>
+        </p:spPr>
+        <p:style>
+          <a:lnRef idx="1">
+            <a:schemeClr val="accent1"/>
+          </a:lnRef>
+          <a:fillRef idx="3">
+            <a:schemeClr val="accent1"/>
+          </a:fillRef>
+          <a:effectRef idx="2">
+            <a:schemeClr val="accent1"/>
+          </a:effectRef>
+          <a:fontRef idx="minor">
+            <a:schemeClr val="lt1"/>
+          </a:fontRef>
+        </p:style>
+        <p:txBody>
+          <a:bodyPr rtlCol="0" anchor="ctr"/>
+          <a:lstStyle/>
+          <a:p>
+            <a:pPr algn="ctr"/>
+            <a:endParaRPr lang="en-US"/>
+          </a:p>
+        </p:txBody>
+      </p:sp>
       <p:pic>
         <p:nvPicPr>
-          <p:cNvPr id="2" name="Picture 1" descr="large-app-icon.png"/>
+          <p:cNvPr id="6" name="Picture 5"/>
           <p:cNvPicPr>
             <a:picLocks noChangeAspect="1"/>
           </p:cNvPicPr>
@@ -4627,6 +4402,469 @@
         </p:nvPicPr>
         <p:blipFill>
           <a:blip r:embed="rId2">
+            <a:biLevel thresh="50000"/>
+          </a:blip>
+          <a:stretch>
+            <a:fillRect/>
+          </a:stretch>
+        </p:blipFill>
+        <p:spPr>
+          <a:xfrm>
+            <a:off x="1201722" y="1494262"/>
+            <a:ext cx="1625600" cy="1625600"/>
+          </a:xfrm>
+          <a:prstGeom prst="rect">
+            <a:avLst/>
+          </a:prstGeom>
+        </p:spPr>
+      </p:pic>
+      <p:sp>
+        <p:nvSpPr>
+          <p:cNvPr id="7" name="Rectangle 6"/>
+          <p:cNvSpPr/>
+          <p:nvPr/>
+        </p:nvSpPr>
+        <p:spPr>
+          <a:xfrm>
+            <a:off x="3617324" y="1225021"/>
+            <a:ext cx="2133215" cy="2132915"/>
+          </a:xfrm>
+          <a:prstGeom prst="rect">
+            <a:avLst/>
+          </a:prstGeom>
+          <a:gradFill flip="none" rotWithShape="1">
+            <a:gsLst>
+              <a:gs pos="0">
+                <a:srgbClr val="009100"/>
+              </a:gs>
+              <a:gs pos="100000">
+                <a:srgbClr val="00D803"/>
+              </a:gs>
+            </a:gsLst>
+            <a:lin ang="16200000" scaled="0"/>
+            <a:tileRect/>
+          </a:gradFill>
+          <a:ln>
+            <a:noFill/>
+          </a:ln>
+          <a:effectLst/>
+        </p:spPr>
+        <p:style>
+          <a:lnRef idx="1">
+            <a:schemeClr val="accent1"/>
+          </a:lnRef>
+          <a:fillRef idx="3">
+            <a:schemeClr val="accent1"/>
+          </a:fillRef>
+          <a:effectRef idx="2">
+            <a:schemeClr val="accent1"/>
+          </a:effectRef>
+          <a:fontRef idx="minor">
+            <a:schemeClr val="lt1"/>
+          </a:fontRef>
+        </p:style>
+        <p:txBody>
+          <a:bodyPr rtlCol="0" anchor="ctr"/>
+          <a:lstStyle/>
+          <a:p>
+            <a:pPr algn="ctr"/>
+            <a:endParaRPr lang="en-US"/>
+          </a:p>
+        </p:txBody>
+      </p:sp>
+      <p:sp>
+        <p:nvSpPr>
+          <p:cNvPr id="9" name="Rectangle 8"/>
+          <p:cNvSpPr/>
+          <p:nvPr/>
+        </p:nvSpPr>
+        <p:spPr>
+          <a:xfrm>
+            <a:off x="4040999" y="1562356"/>
+            <a:ext cx="1331999" cy="1404000"/>
+          </a:xfrm>
+          <a:prstGeom prst="rect">
+            <a:avLst/>
+          </a:prstGeom>
+          <a:solidFill>
+            <a:srgbClr val="00C203"/>
+          </a:solidFill>
+          <a:ln>
+            <a:noFill/>
+          </a:ln>
+        </p:spPr>
+        <p:style>
+          <a:lnRef idx="1">
+            <a:schemeClr val="accent1"/>
+          </a:lnRef>
+          <a:fillRef idx="3">
+            <a:schemeClr val="accent1"/>
+          </a:fillRef>
+          <a:effectRef idx="2">
+            <a:schemeClr val="accent1"/>
+          </a:effectRef>
+          <a:fontRef idx="minor">
+            <a:schemeClr val="lt1"/>
+          </a:fontRef>
+        </p:style>
+        <p:txBody>
+          <a:bodyPr rtlCol="0" anchor="ctr"/>
+          <a:lstStyle/>
+          <a:p>
+            <a:pPr algn="ctr"/>
+            <a:endParaRPr lang="en-US"/>
+          </a:p>
+        </p:txBody>
+      </p:sp>
+      <p:pic>
+        <p:nvPicPr>
+          <p:cNvPr id="8" name="Picture 7"/>
+          <p:cNvPicPr>
+            <a:picLocks noChangeAspect="1"/>
+          </p:cNvPicPr>
+          <p:nvPr/>
+        </p:nvPicPr>
+        <p:blipFill>
+          <a:blip r:embed="rId2">
+            <a:biLevel thresh="50000"/>
+          </a:blip>
+          <a:stretch>
+            <a:fillRect/>
+          </a:stretch>
+        </p:blipFill>
+        <p:spPr>
+          <a:xfrm>
+            <a:off x="3881920" y="1498714"/>
+            <a:ext cx="1625600" cy="1625600"/>
+          </a:xfrm>
+          <a:prstGeom prst="rect">
+            <a:avLst/>
+          </a:prstGeom>
+        </p:spPr>
+      </p:pic>
+      <p:sp>
+        <p:nvSpPr>
+          <p:cNvPr id="10" name="Rectangle 9"/>
+          <p:cNvSpPr/>
+          <p:nvPr/>
+        </p:nvSpPr>
+        <p:spPr>
+          <a:xfrm>
+            <a:off x="6322183" y="1217144"/>
+            <a:ext cx="2133215" cy="2132915"/>
+          </a:xfrm>
+          <a:prstGeom prst="rect">
+            <a:avLst/>
+          </a:prstGeom>
+          <a:gradFill flip="none" rotWithShape="1">
+            <a:gsLst>
+              <a:gs pos="0">
+                <a:srgbClr val="25A24D"/>
+              </a:gs>
+              <a:gs pos="100000">
+                <a:srgbClr val="32DC57"/>
+              </a:gs>
+            </a:gsLst>
+            <a:lin ang="16200000" scaled="0"/>
+            <a:tileRect/>
+          </a:gradFill>
+          <a:ln>
+            <a:noFill/>
+          </a:ln>
+          <a:effectLst/>
+        </p:spPr>
+        <p:style>
+          <a:lnRef idx="1">
+            <a:schemeClr val="accent1"/>
+          </a:lnRef>
+          <a:fillRef idx="3">
+            <a:schemeClr val="accent1"/>
+          </a:fillRef>
+          <a:effectRef idx="2">
+            <a:schemeClr val="accent1"/>
+          </a:effectRef>
+          <a:fontRef idx="minor">
+            <a:schemeClr val="lt1"/>
+          </a:fontRef>
+        </p:style>
+        <p:txBody>
+          <a:bodyPr rtlCol="0" anchor="ctr"/>
+          <a:lstStyle/>
+          <a:p>
+            <a:pPr algn="ctr"/>
+            <a:endParaRPr lang="en-US"/>
+          </a:p>
+        </p:txBody>
+      </p:sp>
+      <p:sp>
+        <p:nvSpPr>
+          <p:cNvPr id="11" name="Rectangle 10"/>
+          <p:cNvSpPr/>
+          <p:nvPr/>
+        </p:nvSpPr>
+        <p:spPr>
+          <a:xfrm>
+            <a:off x="6745858" y="1554479"/>
+            <a:ext cx="1331999" cy="1404000"/>
+          </a:xfrm>
+          <a:prstGeom prst="rect">
+            <a:avLst/>
+          </a:prstGeom>
+          <a:solidFill>
+            <a:srgbClr val="2DC14D"/>
+          </a:solidFill>
+          <a:ln>
+            <a:noFill/>
+          </a:ln>
+        </p:spPr>
+        <p:style>
+          <a:lnRef idx="1">
+            <a:schemeClr val="accent1"/>
+          </a:lnRef>
+          <a:fillRef idx="3">
+            <a:schemeClr val="accent1"/>
+          </a:fillRef>
+          <a:effectRef idx="2">
+            <a:schemeClr val="accent1"/>
+          </a:effectRef>
+          <a:fontRef idx="minor">
+            <a:schemeClr val="lt1"/>
+          </a:fontRef>
+        </p:style>
+        <p:txBody>
+          <a:bodyPr rtlCol="0" anchor="ctr"/>
+          <a:lstStyle/>
+          <a:p>
+            <a:pPr algn="ctr"/>
+            <a:endParaRPr lang="en-US"/>
+          </a:p>
+        </p:txBody>
+      </p:sp>
+      <p:pic>
+        <p:nvPicPr>
+          <p:cNvPr id="12" name="Picture 11"/>
+          <p:cNvPicPr>
+            <a:picLocks noChangeAspect="1"/>
+          </p:cNvPicPr>
+          <p:nvPr/>
+        </p:nvPicPr>
+        <p:blipFill>
+          <a:blip r:embed="rId2">
+            <a:biLevel thresh="50000"/>
+          </a:blip>
+          <a:stretch>
+            <a:fillRect/>
+          </a:stretch>
+        </p:blipFill>
+        <p:spPr>
+          <a:xfrm>
+            <a:off x="6586779" y="1490837"/>
+            <a:ext cx="1625600" cy="1625600"/>
+          </a:xfrm>
+          <a:prstGeom prst="rect">
+            <a:avLst/>
+          </a:prstGeom>
+        </p:spPr>
+      </p:pic>
+      <p:sp>
+        <p:nvSpPr>
+          <p:cNvPr id="13" name="Rectangle 12"/>
+          <p:cNvSpPr/>
+          <p:nvPr/>
+        </p:nvSpPr>
+        <p:spPr>
+          <a:xfrm>
+            <a:off x="9039377" y="1221596"/>
+            <a:ext cx="2133215" cy="2132915"/>
+          </a:xfrm>
+          <a:prstGeom prst="rect">
+            <a:avLst/>
+          </a:prstGeom>
+          <a:gradFill flip="none" rotWithShape="1">
+            <a:gsLst>
+              <a:gs pos="0">
+                <a:srgbClr val="25A24D"/>
+              </a:gs>
+              <a:gs pos="100000">
+                <a:srgbClr val="35EF5C"/>
+              </a:gs>
+            </a:gsLst>
+            <a:lin ang="16200000" scaled="0"/>
+            <a:tileRect/>
+          </a:gradFill>
+          <a:ln>
+            <a:noFill/>
+          </a:ln>
+          <a:effectLst/>
+        </p:spPr>
+        <p:style>
+          <a:lnRef idx="1">
+            <a:schemeClr val="accent1"/>
+          </a:lnRef>
+          <a:fillRef idx="3">
+            <a:schemeClr val="accent1"/>
+          </a:fillRef>
+          <a:effectRef idx="2">
+            <a:schemeClr val="accent1"/>
+          </a:effectRef>
+          <a:fontRef idx="minor">
+            <a:schemeClr val="lt1"/>
+          </a:fontRef>
+        </p:style>
+        <p:txBody>
+          <a:bodyPr rtlCol="0" anchor="ctr"/>
+          <a:lstStyle/>
+          <a:p>
+            <a:pPr algn="ctr"/>
+            <a:endParaRPr lang="en-US" dirty="0"/>
+          </a:p>
+        </p:txBody>
+      </p:sp>
+      <p:sp>
+        <p:nvSpPr>
+          <p:cNvPr id="14" name="Rectangle 13"/>
+          <p:cNvSpPr/>
+          <p:nvPr/>
+        </p:nvSpPr>
+        <p:spPr>
+          <a:xfrm>
+            <a:off x="9463052" y="1558931"/>
+            <a:ext cx="1331999" cy="1404000"/>
+          </a:xfrm>
+          <a:prstGeom prst="rect">
+            <a:avLst/>
+          </a:prstGeom>
+          <a:gradFill flip="none" rotWithShape="1">
+            <a:gsLst>
+              <a:gs pos="0">
+                <a:srgbClr val="2DC14D"/>
+              </a:gs>
+              <a:gs pos="100000">
+                <a:srgbClr val="24AB44"/>
+              </a:gs>
+            </a:gsLst>
+            <a:lin ang="16500000" scaled="0"/>
+            <a:tileRect/>
+          </a:gradFill>
+          <a:ln>
+            <a:noFill/>
+          </a:ln>
+        </p:spPr>
+        <p:style>
+          <a:lnRef idx="1">
+            <a:schemeClr val="accent1"/>
+          </a:lnRef>
+          <a:fillRef idx="3">
+            <a:schemeClr val="accent1"/>
+          </a:fillRef>
+          <a:effectRef idx="2">
+            <a:schemeClr val="accent1"/>
+          </a:effectRef>
+          <a:fontRef idx="minor">
+            <a:schemeClr val="lt1"/>
+          </a:fontRef>
+        </p:style>
+        <p:txBody>
+          <a:bodyPr rtlCol="0" anchor="ctr"/>
+          <a:lstStyle/>
+          <a:p>
+            <a:pPr algn="ctr"/>
+            <a:endParaRPr lang="en-US"/>
+          </a:p>
+        </p:txBody>
+      </p:sp>
+      <p:pic>
+        <p:nvPicPr>
+          <p:cNvPr id="15" name="Picture 14"/>
+          <p:cNvPicPr>
+            <a:picLocks noChangeAspect="1"/>
+          </p:cNvPicPr>
+          <p:nvPr/>
+        </p:nvPicPr>
+        <p:blipFill>
+          <a:blip r:embed="rId2">
+            <a:biLevel thresh="50000"/>
+          </a:blip>
+          <a:stretch>
+            <a:fillRect/>
+          </a:stretch>
+        </p:blipFill>
+        <p:spPr>
+          <a:xfrm>
+            <a:off x="9303973" y="1495289"/>
+            <a:ext cx="1625600" cy="1625600"/>
+          </a:xfrm>
+          <a:prstGeom prst="rect">
+            <a:avLst/>
+          </a:prstGeom>
+        </p:spPr>
+      </p:pic>
+      <p:sp>
+        <p:nvSpPr>
+          <p:cNvPr id="16" name="Rectangle 15"/>
+          <p:cNvSpPr/>
+          <p:nvPr/>
+        </p:nvSpPr>
+        <p:spPr>
+          <a:xfrm>
+            <a:off x="1195739" y="5393889"/>
+            <a:ext cx="1140360" cy="1139244"/>
+          </a:xfrm>
+          <a:prstGeom prst="rect">
+            <a:avLst/>
+          </a:prstGeom>
+          <a:gradFill flip="none" rotWithShape="1">
+            <a:gsLst>
+              <a:gs pos="0">
+                <a:schemeClr val="accent2">
+                  <a:lumMod val="75000"/>
+                </a:schemeClr>
+              </a:gs>
+              <a:gs pos="100000">
+                <a:schemeClr val="accent2"/>
+              </a:gs>
+            </a:gsLst>
+            <a:lin ang="16200000" scaled="0"/>
+            <a:tileRect/>
+          </a:gradFill>
+          <a:ln>
+            <a:noFill/>
+          </a:ln>
+          <a:effectLst/>
+        </p:spPr>
+        <p:style>
+          <a:lnRef idx="1">
+            <a:schemeClr val="accent1"/>
+          </a:lnRef>
+          <a:fillRef idx="3">
+            <a:schemeClr val="accent1"/>
+          </a:fillRef>
+          <a:effectRef idx="2">
+            <a:schemeClr val="accent1"/>
+          </a:effectRef>
+          <a:fontRef idx="minor">
+            <a:schemeClr val="lt1"/>
+          </a:fontRef>
+        </p:style>
+        <p:txBody>
+          <a:bodyPr rtlCol="0" anchor="ctr"/>
+          <a:lstStyle/>
+          <a:p>
+            <a:pPr algn="ctr"/>
+            <a:endParaRPr lang="en-US" dirty="0"/>
+          </a:p>
+        </p:txBody>
+      </p:sp>
+      <p:pic>
+        <p:nvPicPr>
+          <p:cNvPr id="3" name="Picture 2" descr="electricity-50.png"/>
+          <p:cNvPicPr>
+            <a:picLocks noChangeAspect="1"/>
+          </p:cNvPicPr>
+          <p:nvPr/>
+        </p:nvPicPr>
+        <p:blipFill>
+          <a:blip r:embed="rId3">
             <a:extLst>
               <a:ext uri="{28A0092B-C50C-407E-A947-70E740481C1C}">
                 <a14:useLocalDpi xmlns:a14="http://schemas.microsoft.com/office/drawing/2010/main" val="0"/>
@@ -4639,25 +4877,48 @@
         </p:blipFill>
         <p:spPr>
           <a:xfrm>
-            <a:off x="2971800" y="304800"/>
-            <a:ext cx="6242304" cy="6242304"/>
+            <a:off x="1326588" y="5519328"/>
+            <a:ext cx="909435" cy="909435"/>
+          </a:xfrm>
+          <a:prstGeom prst="rect">
+            <a:avLst/>
+          </a:prstGeom>
+        </p:spPr>
+      </p:pic>
+      <p:pic>
+        <p:nvPicPr>
+          <p:cNvPr id="5" name="Picture 4" descr="Untitled.png"/>
+          <p:cNvPicPr>
+            <a:picLocks noChangeAspect="1"/>
+          </p:cNvPicPr>
+          <p:nvPr/>
+        </p:nvPicPr>
+        <p:blipFill>
+          <a:blip r:embed="rId4">
+            <a:extLst>
+              <a:ext uri="{28A0092B-C50C-407E-A947-70E740481C1C}">
+                <a14:useLocalDpi xmlns:a14="http://schemas.microsoft.com/office/drawing/2010/main" val="0"/>
+              </a:ext>
+            </a:extLst>
+          </a:blip>
+          <a:stretch>
+            <a:fillRect/>
+          </a:stretch>
+        </p:blipFill>
+        <p:spPr>
+          <a:xfrm>
+            <a:off x="4790589" y="4569590"/>
+            <a:ext cx="1146048" cy="1146048"/>
           </a:xfrm>
           <a:prstGeom prst="roundRect">
             <a:avLst/>
           </a:prstGeom>
-          <a:effectLst>
-            <a:outerShdw blurRad="50800" dist="114300" dir="5400000" algn="t" rotWithShape="0">
-              <a:prstClr val="black">
-                <a:alpha val="40000"/>
-              </a:prstClr>
-            </a:outerShdw>
-          </a:effectLst>
         </p:spPr>
       </p:pic>
     </p:spTree>
     <p:extLst>
       <p:ext uri="{BB962C8B-B14F-4D97-AF65-F5344CB8AC3E}">
-        <p14:creationId xmlns:p14="http://schemas.microsoft.com/office/powerpoint/2010/main" val="2711746559"/>
+        <p14:creationId xmlns:p14="http://schemas.microsoft.com/office/powerpoint/2010/main" val="1952662791"/>
       </p:ext>
     </p:extLst>
   </p:cSld>
@@ -4684,9 +4945,116 @@
           <a:chExt cx="0" cy="0"/>
         </a:xfrm>
       </p:grpSpPr>
+      <p:sp>
+        <p:nvSpPr>
+          <p:cNvPr id="13" name="Rectangle 12"/>
+          <p:cNvSpPr/>
+          <p:nvPr/>
+        </p:nvSpPr>
+        <p:spPr>
+          <a:xfrm>
+            <a:off x="3379434" y="202402"/>
+            <a:ext cx="6247169" cy="6273400"/>
+          </a:xfrm>
+          <a:prstGeom prst="rect">
+            <a:avLst/>
+          </a:prstGeom>
+          <a:gradFill flip="none" rotWithShape="1">
+            <a:gsLst>
+              <a:gs pos="0">
+                <a:srgbClr val="25A24D"/>
+              </a:gs>
+              <a:gs pos="100000">
+                <a:srgbClr val="35EF5C"/>
+              </a:gs>
+            </a:gsLst>
+            <a:lin ang="16200000" scaled="0"/>
+            <a:tileRect/>
+          </a:gradFill>
+          <a:ln>
+            <a:noFill/>
+          </a:ln>
+          <a:effectLst/>
+        </p:spPr>
+        <p:style>
+          <a:lnRef idx="1">
+            <a:schemeClr val="accent1"/>
+          </a:lnRef>
+          <a:fillRef idx="3">
+            <a:schemeClr val="accent1"/>
+          </a:fillRef>
+          <a:effectRef idx="2">
+            <a:schemeClr val="accent1"/>
+          </a:effectRef>
+          <a:fontRef idx="minor">
+            <a:schemeClr val="lt1"/>
+          </a:fontRef>
+        </p:style>
+        <p:txBody>
+          <a:bodyPr rtlCol="0" anchor="ctr"/>
+          <a:lstStyle/>
+          <a:p>
+            <a:pPr algn="ctr"/>
+            <a:endParaRPr lang="en-US" dirty="0"/>
+          </a:p>
+        </p:txBody>
+      </p:sp>
+      <p:sp>
+        <p:nvSpPr>
+          <p:cNvPr id="14" name="Rectangle 13"/>
+          <p:cNvSpPr/>
+          <p:nvPr/>
+        </p:nvSpPr>
+        <p:spPr>
+          <a:xfrm>
+            <a:off x="4508642" y="1213972"/>
+            <a:ext cx="3900790" cy="4129491"/>
+          </a:xfrm>
+          <a:prstGeom prst="rect">
+            <a:avLst/>
+          </a:prstGeom>
+          <a:gradFill flip="none" rotWithShape="1">
+            <a:gsLst>
+              <a:gs pos="0">
+                <a:srgbClr val="2DC14D"/>
+              </a:gs>
+              <a:gs pos="100000">
+                <a:srgbClr val="24AB44"/>
+              </a:gs>
+            </a:gsLst>
+            <a:lin ang="16500000" scaled="0"/>
+            <a:tileRect/>
+          </a:gradFill>
+          <a:ln>
+            <a:noFill/>
+          </a:ln>
+        </p:spPr>
+        <p:style>
+          <a:lnRef idx="1">
+            <a:schemeClr val="accent1"/>
+          </a:lnRef>
+          <a:fillRef idx="3">
+            <a:schemeClr val="accent1"/>
+          </a:fillRef>
+          <a:effectRef idx="2">
+            <a:schemeClr val="accent1"/>
+          </a:effectRef>
+          <a:fontRef idx="minor">
+            <a:schemeClr val="lt1"/>
+          </a:fontRef>
+        </p:style>
+        <p:txBody>
+          <a:bodyPr rtlCol="0" anchor="ctr"/>
+          <a:lstStyle/>
+          <a:p>
+            <a:pPr algn="ctr"/>
+            <a:endParaRPr lang="en-US"/>
+          </a:p>
+        </p:txBody>
+      </p:sp>
       <p:pic>
         <p:nvPicPr>
-          <p:cNvPr id="4" name="Picture 3" descr="ios7-bus-icon-large.png"/>
+          <p:cNvPr id="18" name="Picture 17" descr="ios7-bus-icon-large.png"/>
           <p:cNvPicPr>
             <a:picLocks noChangeAspect="1"/>
           </p:cNvPicPr>
@@ -4706,7 +5074,7 @@
         </p:blipFill>
         <p:spPr>
           <a:xfrm>
-            <a:off x="3214094" y="2193569"/>
+            <a:off x="4060734" y="1017576"/>
             <a:ext cx="4777867" cy="4777867"/>
           </a:xfrm>
           <a:prstGeom prst="rect">
@@ -4717,7 +5085,7 @@
     </p:spTree>
     <p:extLst>
       <p:ext uri="{BB962C8B-B14F-4D97-AF65-F5344CB8AC3E}">
-        <p14:creationId xmlns:p14="http://schemas.microsoft.com/office/powerpoint/2010/main" val="1688909965"/>
+        <p14:creationId xmlns:p14="http://schemas.microsoft.com/office/powerpoint/2010/main" val="296159481"/>
       </p:ext>
     </p:extLst>
   </p:cSld>
@@ -4746,48 +5114,43 @@
       </p:grpSpPr>
       <p:sp>
         <p:nvSpPr>
-          <p:cNvPr id="14" name="Oval Callout 13"/>
+          <p:cNvPr id="13" name="Rectangle 12"/>
           <p:cNvSpPr/>
           <p:nvPr/>
         </p:nvSpPr>
         <p:spPr>
           <a:xfrm>
-            <a:off x="1868095" y="3113978"/>
-            <a:ext cx="836765" cy="835751"/>
-          </a:xfrm>
-          <a:prstGeom prst="wedgeEllipseCallout">
-            <a:avLst>
-              <a:gd name="adj1" fmla="val -689"/>
-              <a:gd name="adj2" fmla="val 61297"/>
-            </a:avLst>
-          </a:prstGeom>
-          <a:solidFill>
-            <a:schemeClr val="tx1">
-              <a:lumMod val="65000"/>
-              <a:lumOff val="35000"/>
-            </a:schemeClr>
-          </a:solidFill>
+            <a:off x="3379434" y="202402"/>
+            <a:ext cx="6247169" cy="6273400"/>
+          </a:xfrm>
+          <a:prstGeom prst="rect">
+            <a:avLst/>
+          </a:prstGeom>
+          <a:gradFill flip="none" rotWithShape="1">
+            <a:gsLst>
+              <a:gs pos="0">
+                <a:srgbClr val="22953C"/>
+              </a:gs>
+              <a:gs pos="100000">
+                <a:srgbClr val="27B246"/>
+              </a:gs>
+            </a:gsLst>
+            <a:lin ang="16200000" scaled="0"/>
+            <a:tileRect/>
+          </a:gradFill>
           <a:ln>
             <a:noFill/>
           </a:ln>
-          <a:effectLst>
-            <a:outerShdw blurRad="342900" dist="101600" dir="2700000" sx="83000" sy="83000" algn="tl" rotWithShape="0">
-              <a:prstClr val="black">
-                <a:alpha val="50000"/>
-              </a:prstClr>
-            </a:outerShdw>
-          </a:effectLst>
+          <a:effectLst/>
         </p:spPr>
         <p:style>
-          <a:lnRef idx="2">
-            <a:schemeClr val="accent1">
-              <a:shade val="50000"/>
-            </a:schemeClr>
+          <a:lnRef idx="1">
+            <a:schemeClr val="accent1"/>
           </a:lnRef>
-          <a:fillRef idx="1">
+          <a:fillRef idx="3">
             <a:schemeClr val="accent1"/>
           </a:fillRef>
-          <a:effectRef idx="0">
+          <a:effectRef idx="2">
             <a:schemeClr val="accent1"/>
           </a:effectRef>
           <a:fontRef idx="minor">
@@ -4798,169 +5161,14 @@
           <a:bodyPr rtlCol="0" anchor="ctr"/>
           <a:lstStyle/>
           <a:p>
-            <a:pPr algn="r"/>
-            <a:endParaRPr lang="en-GB"/>
-          </a:p>
-        </p:txBody>
-      </p:sp>
-      <p:sp>
-        <p:nvSpPr>
-          <p:cNvPr id="15" name="Oval 14"/>
-          <p:cNvSpPr/>
-          <p:nvPr/>
-        </p:nvSpPr>
-        <p:spPr>
-          <a:xfrm>
-            <a:off x="1928023" y="3173001"/>
-            <a:ext cx="720000" cy="720000"/>
-          </a:xfrm>
-          <a:prstGeom prst="ellipse">
-            <a:avLst/>
-          </a:prstGeom>
-          <a:solidFill>
-            <a:schemeClr val="bg1">
-              <a:lumMod val="95000"/>
-            </a:schemeClr>
-          </a:solidFill>
-          <a:ln>
-            <a:noFill/>
-          </a:ln>
-        </p:spPr>
-        <p:style>
-          <a:lnRef idx="2">
-            <a:schemeClr val="accent1">
-              <a:shade val="50000"/>
-            </a:schemeClr>
-          </a:lnRef>
-          <a:fillRef idx="1">
-            <a:schemeClr val="accent1"/>
-          </a:fillRef>
-          <a:effectRef idx="0">
-            <a:schemeClr val="accent1"/>
-          </a:effectRef>
-          <a:fontRef idx="minor">
-            <a:schemeClr val="lt1"/>
-          </a:fontRef>
-        </p:style>
-        <p:txBody>
-          <a:bodyPr rtlCol="0" anchor="ctr"/>
-          <a:lstStyle/>
-          <a:p>
-            <a:pPr algn="r"/>
-            <a:endParaRPr lang="en-GB"/>
-          </a:p>
-        </p:txBody>
-      </p:sp>
-      <p:sp>
-        <p:nvSpPr>
-          <p:cNvPr id="13" name="Oval Callout 12"/>
-          <p:cNvSpPr/>
-          <p:nvPr/>
-        </p:nvSpPr>
-        <p:spPr>
-          <a:xfrm>
-            <a:off x="1863663" y="1839640"/>
-            <a:ext cx="836765" cy="835751"/>
-          </a:xfrm>
-          <a:prstGeom prst="wedgeEllipseCallout">
-            <a:avLst>
-              <a:gd name="adj1" fmla="val -689"/>
-              <a:gd name="adj2" fmla="val 61297"/>
-            </a:avLst>
-          </a:prstGeom>
-          <a:solidFill>
-            <a:schemeClr val="tx1">
-              <a:lumMod val="65000"/>
-              <a:lumOff val="35000"/>
-            </a:schemeClr>
-          </a:solidFill>
-          <a:ln>
-            <a:noFill/>
-          </a:ln>
-          <a:effectLst>
-            <a:outerShdw blurRad="400050" dist="114300" dir="2700000" sx="88000" sy="88000" algn="tl" rotWithShape="0">
-              <a:prstClr val="black">
-                <a:alpha val="50000"/>
-              </a:prstClr>
-            </a:outerShdw>
-          </a:effectLst>
-        </p:spPr>
-        <p:style>
-          <a:lnRef idx="2">
-            <a:schemeClr val="accent1">
-              <a:shade val="50000"/>
-            </a:schemeClr>
-          </a:lnRef>
-          <a:fillRef idx="1">
-            <a:schemeClr val="accent1"/>
-          </a:fillRef>
-          <a:effectRef idx="0">
-            <a:schemeClr val="accent1"/>
-          </a:effectRef>
-          <a:fontRef idx="minor">
-            <a:schemeClr val="lt1"/>
-          </a:fontRef>
-        </p:style>
-        <p:txBody>
-          <a:bodyPr rtlCol="0" anchor="ctr"/>
-          <a:lstStyle/>
-          <a:p>
             <a:pPr algn="ctr"/>
-            <a:endParaRPr lang="en-GB"/>
-          </a:p>
-        </p:txBody>
-      </p:sp>
-      <p:sp>
-        <p:nvSpPr>
-          <p:cNvPr id="5" name="Oval 4"/>
-          <p:cNvSpPr/>
-          <p:nvPr/>
-        </p:nvSpPr>
-        <p:spPr>
-          <a:xfrm>
-            <a:off x="1948253" y="1923322"/>
-            <a:ext cx="665862" cy="653437"/>
-          </a:xfrm>
-          <a:prstGeom prst="ellipse">
-            <a:avLst/>
-          </a:prstGeom>
-          <a:solidFill>
-            <a:schemeClr val="bg1">
-              <a:lumMod val="95000"/>
-            </a:schemeClr>
-          </a:solidFill>
-          <a:ln>
-            <a:noFill/>
-          </a:ln>
-        </p:spPr>
-        <p:style>
-          <a:lnRef idx="2">
-            <a:schemeClr val="accent1">
-              <a:shade val="50000"/>
-            </a:schemeClr>
-          </a:lnRef>
-          <a:fillRef idx="1">
-            <a:schemeClr val="accent1"/>
-          </a:fillRef>
-          <a:effectRef idx="0">
-            <a:schemeClr val="accent1"/>
-          </a:effectRef>
-          <a:fontRef idx="minor">
-            <a:schemeClr val="lt1"/>
-          </a:fontRef>
-        </p:style>
-        <p:txBody>
-          <a:bodyPr rtlCol="0" anchor="ctr"/>
-          <a:lstStyle/>
-          <a:p>
-            <a:pPr algn="ctr"/>
-            <a:endParaRPr lang="en-GB"/>
+            <a:endParaRPr lang="en-US" dirty="0"/>
           </a:p>
         </p:txBody>
       </p:sp>
       <p:pic>
         <p:nvPicPr>
-          <p:cNvPr id="16" name="Picture 15" descr="bus-128.png"/>
+          <p:cNvPr id="3" name="Picture 2" descr="Bus Filled-100 (1).png"/>
           <p:cNvPicPr>
             <a:picLocks noChangeAspect="1"/>
           </p:cNvPicPr>
@@ -4980,246 +5188,39 @@
         </p:blipFill>
         <p:spPr>
           <a:xfrm>
-            <a:off x="2027885" y="1999749"/>
-            <a:ext cx="499913" cy="499913"/>
+            <a:off x="3940395" y="872173"/>
+            <a:ext cx="4665232" cy="4665232"/>
           </a:xfrm>
           <a:prstGeom prst="rect">
             <a:avLst/>
           </a:prstGeom>
         </p:spPr>
       </p:pic>
-      <p:sp>
-        <p:nvSpPr>
-          <p:cNvPr id="8" name="Oval Callout 7"/>
-          <p:cNvSpPr/>
-          <p:nvPr/>
-        </p:nvSpPr>
-        <p:spPr>
-          <a:xfrm>
-            <a:off x="5023795" y="1904710"/>
-            <a:ext cx="2650344" cy="2661468"/>
-          </a:xfrm>
-          <a:prstGeom prst="wedgeEllipseCallout">
-            <a:avLst>
-              <a:gd name="adj1" fmla="val -689"/>
-              <a:gd name="adj2" fmla="val 61297"/>
-            </a:avLst>
-          </a:prstGeom>
-          <a:solidFill>
-            <a:schemeClr val="tx1">
-              <a:lumMod val="65000"/>
-              <a:lumOff val="35000"/>
-            </a:schemeClr>
-          </a:solidFill>
-          <a:ln>
-            <a:noFill/>
-          </a:ln>
-          <a:effectLst>
-            <a:outerShdw blurRad="746125" dist="114300" dir="2700000" sx="101000" sy="101000" algn="tl" rotWithShape="0">
-              <a:prstClr val="black">
-                <a:alpha val="50000"/>
-              </a:prstClr>
-            </a:outerShdw>
-          </a:effectLst>
-        </p:spPr>
-        <p:style>
-          <a:lnRef idx="2">
-            <a:schemeClr val="accent1">
-              <a:shade val="50000"/>
-            </a:schemeClr>
-          </a:lnRef>
-          <a:fillRef idx="1">
-            <a:schemeClr val="accent1"/>
-          </a:fillRef>
-          <a:effectRef idx="0">
-            <a:schemeClr val="accent1"/>
-          </a:effectRef>
-          <a:fontRef idx="minor">
-            <a:schemeClr val="lt1"/>
-          </a:fontRef>
-        </p:style>
-        <p:txBody>
-          <a:bodyPr rtlCol="0" anchor="ctr"/>
-          <a:lstStyle/>
-          <a:p>
-            <a:pPr algn="ctr"/>
-            <a:endParaRPr lang="en-GB"/>
-          </a:p>
-        </p:txBody>
-      </p:sp>
-      <p:sp>
-        <p:nvSpPr>
-          <p:cNvPr id="9" name="Oval 8"/>
-          <p:cNvSpPr/>
-          <p:nvPr/>
-        </p:nvSpPr>
-        <p:spPr>
-          <a:xfrm>
-            <a:off x="5097017" y="1977090"/>
-            <a:ext cx="2515469" cy="2502786"/>
-          </a:xfrm>
-          <a:prstGeom prst="ellipse">
-            <a:avLst/>
-          </a:prstGeom>
-          <a:solidFill>
-            <a:schemeClr val="bg1">
-              <a:lumMod val="95000"/>
-            </a:schemeClr>
-          </a:solidFill>
-          <a:ln>
-            <a:noFill/>
-          </a:ln>
-        </p:spPr>
-        <p:style>
-          <a:lnRef idx="2">
-            <a:schemeClr val="accent1">
-              <a:shade val="50000"/>
-            </a:schemeClr>
-          </a:lnRef>
-          <a:fillRef idx="1">
-            <a:schemeClr val="accent1"/>
-          </a:fillRef>
-          <a:effectRef idx="0">
-            <a:schemeClr val="accent1"/>
-          </a:effectRef>
-          <a:fontRef idx="minor">
-            <a:schemeClr val="lt1"/>
-          </a:fontRef>
-        </p:style>
-        <p:txBody>
-          <a:bodyPr rtlCol="0" anchor="ctr"/>
-          <a:lstStyle/>
-          <a:p>
-            <a:pPr algn="ctr"/>
-            <a:endParaRPr lang="en-GB"/>
-          </a:p>
-        </p:txBody>
-      </p:sp>
-      <p:sp>
-        <p:nvSpPr>
-          <p:cNvPr id="11" name="Oval Callout 10"/>
-          <p:cNvSpPr/>
-          <p:nvPr/>
-        </p:nvSpPr>
-        <p:spPr>
-          <a:xfrm>
-            <a:off x="8258875" y="1970807"/>
-            <a:ext cx="2650344" cy="2661468"/>
-          </a:xfrm>
-          <a:prstGeom prst="wedgeEllipseCallout">
-            <a:avLst>
-              <a:gd name="adj1" fmla="val -689"/>
-              <a:gd name="adj2" fmla="val 61297"/>
-            </a:avLst>
-          </a:prstGeom>
-          <a:solidFill>
-            <a:schemeClr val="tx1">
-              <a:lumMod val="65000"/>
-              <a:lumOff val="35000"/>
-            </a:schemeClr>
-          </a:solidFill>
-          <a:ln>
-            <a:noFill/>
-          </a:ln>
-          <a:effectLst>
-            <a:outerShdw blurRad="400050" dist="114300" dir="2700000" sx="96000" sy="96000" algn="tl" rotWithShape="0">
-              <a:prstClr val="black">
-                <a:alpha val="50000"/>
-              </a:prstClr>
-            </a:outerShdw>
-          </a:effectLst>
-        </p:spPr>
-        <p:style>
-          <a:lnRef idx="2">
-            <a:schemeClr val="accent1">
-              <a:shade val="50000"/>
-            </a:schemeClr>
-          </a:lnRef>
-          <a:fillRef idx="1">
-            <a:schemeClr val="accent1"/>
-          </a:fillRef>
-          <a:effectRef idx="0">
-            <a:schemeClr val="accent1"/>
-          </a:effectRef>
-          <a:fontRef idx="minor">
-            <a:schemeClr val="lt1"/>
-          </a:fontRef>
-        </p:style>
-        <p:txBody>
-          <a:bodyPr rtlCol="0" anchor="ctr"/>
-          <a:lstStyle/>
-          <a:p>
-            <a:pPr algn="ctr"/>
-            <a:endParaRPr lang="en-GB"/>
-          </a:p>
-        </p:txBody>
-      </p:sp>
-      <p:sp>
-        <p:nvSpPr>
-          <p:cNvPr id="12" name="Oval 11"/>
-          <p:cNvSpPr/>
-          <p:nvPr/>
-        </p:nvSpPr>
-        <p:spPr>
-          <a:xfrm>
-            <a:off x="8356759" y="2067845"/>
-            <a:ext cx="2469613" cy="2456894"/>
-          </a:xfrm>
-          <a:prstGeom prst="ellipse">
-            <a:avLst/>
-          </a:prstGeom>
-          <a:solidFill>
-            <a:schemeClr val="bg1">
-              <a:lumMod val="95000"/>
-            </a:schemeClr>
-          </a:solidFill>
-          <a:ln>
-            <a:noFill/>
-          </a:ln>
-        </p:spPr>
-        <p:style>
-          <a:lnRef idx="2">
-            <a:schemeClr val="accent1">
-              <a:shade val="50000"/>
-            </a:schemeClr>
-          </a:lnRef>
-          <a:fillRef idx="1">
-            <a:schemeClr val="accent1"/>
-          </a:fillRef>
-          <a:effectRef idx="0">
-            <a:schemeClr val="accent1"/>
-          </a:effectRef>
-          <a:fontRef idx="minor">
-            <a:schemeClr val="lt1"/>
-          </a:fontRef>
-        </p:style>
-        <p:txBody>
-          <a:bodyPr rtlCol="0" anchor="ctr"/>
-          <a:lstStyle/>
-          <a:p>
-            <a:pPr algn="ctr"/>
-            <a:endParaRPr lang="en-GB"/>
-          </a:p>
-        </p:txBody>
-      </p:sp>
       <p:pic>
         <p:nvPicPr>
-          <p:cNvPr id="3" name="Picture 2"/>
+          <p:cNvPr id="18" name="Picture 17" descr="ios7-bus-icon-large.png"/>
           <p:cNvPicPr>
             <a:picLocks noChangeAspect="1"/>
           </p:cNvPicPr>
           <p:nvPr/>
         </p:nvPicPr>
         <p:blipFill>
-          <a:blip r:embed="rId3"/>
+          <a:blip r:embed="rId3" cstate="print">
+            <a:lum bright="70000" contrast="-70000"/>
+            <a:extLst>
+              <a:ext uri="{28A0092B-C50C-407E-A947-70E740481C1C}">
+                <a14:useLocalDpi xmlns:a14="http://schemas.microsoft.com/office/drawing/2010/main" val="0"/>
+              </a:ext>
+            </a:extLst>
+          </a:blip>
           <a:stretch>
             <a:fillRect/>
           </a:stretch>
         </p:blipFill>
         <p:spPr>
           <a:xfrm>
-            <a:off x="5456858" y="2321217"/>
-            <a:ext cx="1784336" cy="1784336"/>
+            <a:off x="4060734" y="1017576"/>
+            <a:ext cx="4777867" cy="4777867"/>
           </a:xfrm>
           <a:prstGeom prst="rect">
             <a:avLst/>
@@ -5228,46 +5229,28 @@
       </p:pic>
       <p:pic>
         <p:nvPicPr>
-          <p:cNvPr id="7" name="Picture 6"/>
+          <p:cNvPr id="2" name="Picture 1" descr="Bus Filled-100.png"/>
           <p:cNvPicPr>
             <a:picLocks noChangeAspect="1"/>
           </p:cNvPicPr>
           <p:nvPr/>
         </p:nvPicPr>
         <p:blipFill>
-          <a:blip r:embed="rId4"/>
+          <a:blip r:embed="rId4">
+            <a:extLst>
+              <a:ext uri="{28A0092B-C50C-407E-A947-70E740481C1C}">
+                <a14:useLocalDpi xmlns:a14="http://schemas.microsoft.com/office/drawing/2010/main" val="0"/>
+              </a:ext>
+            </a:extLst>
+          </a:blip>
           <a:stretch>
             <a:fillRect/>
           </a:stretch>
         </p:blipFill>
         <p:spPr>
           <a:xfrm>
-            <a:off x="8724524" y="2395191"/>
-            <a:ext cx="1747349" cy="1747349"/>
-          </a:xfrm>
-          <a:prstGeom prst="rect">
-            <a:avLst/>
-          </a:prstGeom>
-        </p:spPr>
-      </p:pic>
-      <p:pic>
-        <p:nvPicPr>
-          <p:cNvPr id="2" name="Picture 1"/>
-          <p:cNvPicPr>
-            <a:picLocks noChangeAspect="1"/>
-          </p:cNvPicPr>
-          <p:nvPr/>
-        </p:nvPicPr>
-        <p:blipFill>
-          <a:blip r:embed="rId5"/>
-          <a:stretch>
-            <a:fillRect/>
-          </a:stretch>
-        </p:blipFill>
-        <p:spPr>
-          <a:xfrm>
-            <a:off x="2037491" y="3279282"/>
-            <a:ext cx="493388" cy="493388"/>
+            <a:off x="4224462" y="1206403"/>
+            <a:ext cx="4575793" cy="4575793"/>
           </a:xfrm>
           <a:prstGeom prst="rect">
             <a:avLst/>
@@ -5277,7 +5260,7 @@
     </p:spTree>
     <p:extLst>
       <p:ext uri="{BB962C8B-B14F-4D97-AF65-F5344CB8AC3E}">
-        <p14:creationId xmlns:p14="http://schemas.microsoft.com/office/powerpoint/2010/main" val="1684569039"/>
+        <p14:creationId xmlns:p14="http://schemas.microsoft.com/office/powerpoint/2010/main" val="3180826394"/>
       </p:ext>
     </p:extLst>
   </p:cSld>
@@ -5304,223 +5287,9 @@
           <a:chExt cx="0" cy="0"/>
         </a:xfrm>
       </p:grpSpPr>
-      <p:sp>
-        <p:nvSpPr>
-          <p:cNvPr id="14" name="Oval Callout 13"/>
-          <p:cNvSpPr/>
-          <p:nvPr/>
-        </p:nvSpPr>
-        <p:spPr>
-          <a:xfrm>
-            <a:off x="1868095" y="3113978"/>
-            <a:ext cx="836765" cy="835751"/>
-          </a:xfrm>
-          <a:prstGeom prst="wedgeEllipseCallout">
-            <a:avLst>
-              <a:gd name="adj1" fmla="val -689"/>
-              <a:gd name="adj2" fmla="val 61297"/>
-            </a:avLst>
-          </a:prstGeom>
-          <a:solidFill>
-            <a:schemeClr val="tx1">
-              <a:lumMod val="65000"/>
-              <a:lumOff val="35000"/>
-            </a:schemeClr>
-          </a:solidFill>
-          <a:ln>
-            <a:noFill/>
-          </a:ln>
-          <a:effectLst>
-            <a:outerShdw blurRad="342900" dist="101600" dir="2700000" sx="83000" sy="83000" algn="tl" rotWithShape="0">
-              <a:prstClr val="black">
-                <a:alpha val="50000"/>
-              </a:prstClr>
-            </a:outerShdw>
-          </a:effectLst>
-        </p:spPr>
-        <p:style>
-          <a:lnRef idx="2">
-            <a:schemeClr val="accent1">
-              <a:shade val="50000"/>
-            </a:schemeClr>
-          </a:lnRef>
-          <a:fillRef idx="1">
-            <a:schemeClr val="accent1"/>
-          </a:fillRef>
-          <a:effectRef idx="0">
-            <a:schemeClr val="accent1"/>
-          </a:effectRef>
-          <a:fontRef idx="minor">
-            <a:schemeClr val="lt1"/>
-          </a:fontRef>
-        </p:style>
-        <p:txBody>
-          <a:bodyPr rtlCol="0" anchor="ctr"/>
-          <a:lstStyle/>
-          <a:p>
-            <a:pPr algn="r"/>
-            <a:endParaRPr lang="en-GB"/>
-          </a:p>
-        </p:txBody>
-      </p:sp>
-      <p:sp>
-        <p:nvSpPr>
-          <p:cNvPr id="15" name="Oval 14"/>
-          <p:cNvSpPr/>
-          <p:nvPr/>
-        </p:nvSpPr>
-        <p:spPr>
-          <a:xfrm>
-            <a:off x="1928023" y="3173001"/>
-            <a:ext cx="720000" cy="720000"/>
-          </a:xfrm>
-          <a:prstGeom prst="ellipse">
-            <a:avLst/>
-          </a:prstGeom>
-          <a:solidFill>
-            <a:schemeClr val="bg1">
-              <a:lumMod val="95000"/>
-            </a:schemeClr>
-          </a:solidFill>
-          <a:ln>
-            <a:noFill/>
-          </a:ln>
-        </p:spPr>
-        <p:style>
-          <a:lnRef idx="2">
-            <a:schemeClr val="accent1">
-              <a:shade val="50000"/>
-            </a:schemeClr>
-          </a:lnRef>
-          <a:fillRef idx="1">
-            <a:schemeClr val="accent1"/>
-          </a:fillRef>
-          <a:effectRef idx="0">
-            <a:schemeClr val="accent1"/>
-          </a:effectRef>
-          <a:fontRef idx="minor">
-            <a:schemeClr val="lt1"/>
-          </a:fontRef>
-        </p:style>
-        <p:txBody>
-          <a:bodyPr rtlCol="0" anchor="ctr"/>
-          <a:lstStyle/>
-          <a:p>
-            <a:pPr algn="r"/>
-            <a:endParaRPr lang="en-GB"/>
-          </a:p>
-        </p:txBody>
-      </p:sp>
-      <p:sp>
-        <p:nvSpPr>
-          <p:cNvPr id="13" name="Oval Callout 12"/>
-          <p:cNvSpPr/>
-          <p:nvPr/>
-        </p:nvSpPr>
-        <p:spPr>
-          <a:xfrm>
-            <a:off x="1863663" y="1839640"/>
-            <a:ext cx="836765" cy="835751"/>
-          </a:xfrm>
-          <a:prstGeom prst="wedgeEllipseCallout">
-            <a:avLst>
-              <a:gd name="adj1" fmla="val -689"/>
-              <a:gd name="adj2" fmla="val 61297"/>
-            </a:avLst>
-          </a:prstGeom>
-          <a:solidFill>
-            <a:schemeClr val="tx1">
-              <a:lumMod val="65000"/>
-              <a:lumOff val="35000"/>
-            </a:schemeClr>
-          </a:solidFill>
-          <a:ln>
-            <a:noFill/>
-          </a:ln>
-          <a:effectLst>
-            <a:outerShdw blurRad="400050" dist="114300" dir="2700000" sx="88000" sy="88000" algn="tl" rotWithShape="0">
-              <a:prstClr val="black">
-                <a:alpha val="50000"/>
-              </a:prstClr>
-            </a:outerShdw>
-          </a:effectLst>
-        </p:spPr>
-        <p:style>
-          <a:lnRef idx="2">
-            <a:schemeClr val="accent1">
-              <a:shade val="50000"/>
-            </a:schemeClr>
-          </a:lnRef>
-          <a:fillRef idx="1">
-            <a:schemeClr val="accent1"/>
-          </a:fillRef>
-          <a:effectRef idx="0">
-            <a:schemeClr val="accent1"/>
-          </a:effectRef>
-          <a:fontRef idx="minor">
-            <a:schemeClr val="lt1"/>
-          </a:fontRef>
-        </p:style>
-        <p:txBody>
-          <a:bodyPr rtlCol="0" anchor="ctr"/>
-          <a:lstStyle/>
-          <a:p>
-            <a:pPr algn="ctr"/>
-            <a:endParaRPr lang="en-GB"/>
-          </a:p>
-        </p:txBody>
-      </p:sp>
-      <p:sp>
-        <p:nvSpPr>
-          <p:cNvPr id="5" name="Oval 4"/>
-          <p:cNvSpPr/>
-          <p:nvPr/>
-        </p:nvSpPr>
-        <p:spPr>
-          <a:xfrm>
-            <a:off x="1948253" y="1923322"/>
-            <a:ext cx="665862" cy="653437"/>
-          </a:xfrm>
-          <a:prstGeom prst="ellipse">
-            <a:avLst/>
-          </a:prstGeom>
-          <a:solidFill>
-            <a:schemeClr val="bg1">
-              <a:lumMod val="95000"/>
-            </a:schemeClr>
-          </a:solidFill>
-          <a:ln>
-            <a:noFill/>
-          </a:ln>
-        </p:spPr>
-        <p:style>
-          <a:lnRef idx="2">
-            <a:schemeClr val="accent1">
-              <a:shade val="50000"/>
-            </a:schemeClr>
-          </a:lnRef>
-          <a:fillRef idx="1">
-            <a:schemeClr val="accent1"/>
-          </a:fillRef>
-          <a:effectRef idx="0">
-            <a:schemeClr val="accent1"/>
-          </a:effectRef>
-          <a:fontRef idx="minor">
-            <a:schemeClr val="lt1"/>
-          </a:fontRef>
-        </p:style>
-        <p:txBody>
-          <a:bodyPr rtlCol="0" anchor="ctr"/>
-          <a:lstStyle/>
-          <a:p>
-            <a:pPr algn="ctr"/>
-            <a:endParaRPr lang="en-GB"/>
-          </a:p>
-        </p:txBody>
-      </p:sp>
       <p:pic>
         <p:nvPicPr>
-          <p:cNvPr id="16" name="Picture 15" descr="bus-128.png"/>
+          <p:cNvPr id="2" name="Picture 1" descr="large-app-icon.png"/>
           <p:cNvPicPr>
             <a:picLocks noChangeAspect="1"/>
           </p:cNvPicPr>
@@ -5540,325 +5309,25 @@
         </p:blipFill>
         <p:spPr>
           <a:xfrm>
-            <a:off x="2027885" y="1999749"/>
-            <a:ext cx="499913" cy="499913"/>
-          </a:xfrm>
-          <a:prstGeom prst="rect">
-            <a:avLst/>
-          </a:prstGeom>
-        </p:spPr>
-      </p:pic>
-      <p:sp>
-        <p:nvSpPr>
-          <p:cNvPr id="8" name="Oval Callout 7"/>
-          <p:cNvSpPr/>
-          <p:nvPr/>
-        </p:nvSpPr>
-        <p:spPr>
-          <a:xfrm>
-            <a:off x="5023795" y="1904710"/>
-            <a:ext cx="2650344" cy="2661468"/>
-          </a:xfrm>
-          <a:prstGeom prst="wedgeEllipseCallout">
-            <a:avLst>
-              <a:gd name="adj1" fmla="val -689"/>
-              <a:gd name="adj2" fmla="val 61297"/>
-            </a:avLst>
-          </a:prstGeom>
-          <a:solidFill>
-            <a:schemeClr val="tx1">
-              <a:lumMod val="65000"/>
-              <a:lumOff val="35000"/>
-            </a:schemeClr>
-          </a:solidFill>
-          <a:ln>
-            <a:noFill/>
-          </a:ln>
+            <a:off x="2971800" y="304800"/>
+            <a:ext cx="6242304" cy="6242304"/>
+          </a:xfrm>
+          <a:prstGeom prst="roundRect">
+            <a:avLst/>
+          </a:prstGeom>
           <a:effectLst>
-            <a:outerShdw blurRad="746125" dist="114300" dir="2700000" sx="101000" sy="101000" algn="tl" rotWithShape="0">
+            <a:outerShdw blurRad="50800" dist="114300" dir="5400000" algn="t" rotWithShape="0">
               <a:prstClr val="black">
-                <a:alpha val="50000"/>
+                <a:alpha val="40000"/>
               </a:prstClr>
             </a:outerShdw>
           </a:effectLst>
-        </p:spPr>
-        <p:style>
-          <a:lnRef idx="2">
-            <a:schemeClr val="accent1">
-              <a:shade val="50000"/>
-            </a:schemeClr>
-          </a:lnRef>
-          <a:fillRef idx="1">
-            <a:schemeClr val="accent1"/>
-          </a:fillRef>
-          <a:effectRef idx="0">
-            <a:schemeClr val="accent1"/>
-          </a:effectRef>
-          <a:fontRef idx="minor">
-            <a:schemeClr val="lt1"/>
-          </a:fontRef>
-        </p:style>
-        <p:txBody>
-          <a:bodyPr rtlCol="0" anchor="ctr"/>
-          <a:lstStyle/>
-          <a:p>
-            <a:pPr algn="ctr"/>
-            <a:endParaRPr lang="en-GB"/>
-          </a:p>
-        </p:txBody>
-      </p:sp>
-      <p:sp>
-        <p:nvSpPr>
-          <p:cNvPr id="9" name="Oval 8"/>
-          <p:cNvSpPr/>
-          <p:nvPr/>
-        </p:nvSpPr>
-        <p:spPr>
-          <a:xfrm>
-            <a:off x="5097017" y="1977090"/>
-            <a:ext cx="2515469" cy="2502786"/>
-          </a:xfrm>
-          <a:prstGeom prst="ellipse">
-            <a:avLst/>
-          </a:prstGeom>
-          <a:solidFill>
-            <a:schemeClr val="bg1">
-              <a:lumMod val="95000"/>
-            </a:schemeClr>
-          </a:solidFill>
-          <a:ln>
-            <a:noFill/>
-          </a:ln>
-        </p:spPr>
-        <p:style>
-          <a:lnRef idx="2">
-            <a:schemeClr val="accent1">
-              <a:shade val="50000"/>
-            </a:schemeClr>
-          </a:lnRef>
-          <a:fillRef idx="1">
-            <a:schemeClr val="accent1"/>
-          </a:fillRef>
-          <a:effectRef idx="0">
-            <a:schemeClr val="accent1"/>
-          </a:effectRef>
-          <a:fontRef idx="minor">
-            <a:schemeClr val="lt1"/>
-          </a:fontRef>
-        </p:style>
-        <p:txBody>
-          <a:bodyPr rtlCol="0" anchor="ctr"/>
-          <a:lstStyle/>
-          <a:p>
-            <a:pPr algn="ctr"/>
-            <a:endParaRPr lang="en-GB"/>
-          </a:p>
-        </p:txBody>
-      </p:sp>
-      <p:sp>
-        <p:nvSpPr>
-          <p:cNvPr id="11" name="Oval Callout 10"/>
-          <p:cNvSpPr/>
-          <p:nvPr/>
-        </p:nvSpPr>
-        <p:spPr>
-          <a:xfrm>
-            <a:off x="8258875" y="1970807"/>
-            <a:ext cx="2650344" cy="2661468"/>
-          </a:xfrm>
-          <a:prstGeom prst="wedgeEllipseCallout">
-            <a:avLst>
-              <a:gd name="adj1" fmla="val -689"/>
-              <a:gd name="adj2" fmla="val 61297"/>
-            </a:avLst>
-          </a:prstGeom>
-          <a:solidFill>
-            <a:schemeClr val="tx1">
-              <a:lumMod val="65000"/>
-              <a:lumOff val="35000"/>
-            </a:schemeClr>
-          </a:solidFill>
-          <a:ln>
-            <a:noFill/>
-          </a:ln>
-          <a:effectLst>
-            <a:outerShdw blurRad="400050" dist="114300" dir="2700000" sx="96000" sy="96000" algn="tl" rotWithShape="0">
-              <a:prstClr val="black">
-                <a:alpha val="50000"/>
-              </a:prstClr>
-            </a:outerShdw>
-          </a:effectLst>
-        </p:spPr>
-        <p:style>
-          <a:lnRef idx="2">
-            <a:schemeClr val="accent1">
-              <a:shade val="50000"/>
-            </a:schemeClr>
-          </a:lnRef>
-          <a:fillRef idx="1">
-            <a:schemeClr val="accent1"/>
-          </a:fillRef>
-          <a:effectRef idx="0">
-            <a:schemeClr val="accent1"/>
-          </a:effectRef>
-          <a:fontRef idx="minor">
-            <a:schemeClr val="lt1"/>
-          </a:fontRef>
-        </p:style>
-        <p:txBody>
-          <a:bodyPr rtlCol="0" anchor="ctr"/>
-          <a:lstStyle/>
-          <a:p>
-            <a:pPr algn="ctr"/>
-            <a:endParaRPr lang="en-GB"/>
-          </a:p>
-        </p:txBody>
-      </p:sp>
-      <p:sp>
-        <p:nvSpPr>
-          <p:cNvPr id="12" name="Oval 11"/>
-          <p:cNvSpPr/>
-          <p:nvPr/>
-        </p:nvSpPr>
-        <p:spPr>
-          <a:xfrm>
-            <a:off x="8356759" y="2067845"/>
-            <a:ext cx="2469613" cy="2456894"/>
-          </a:xfrm>
-          <a:prstGeom prst="ellipse">
-            <a:avLst/>
-          </a:prstGeom>
-          <a:solidFill>
-            <a:schemeClr val="bg1">
-              <a:lumMod val="95000"/>
-            </a:schemeClr>
-          </a:solidFill>
-          <a:ln>
-            <a:noFill/>
-          </a:ln>
-        </p:spPr>
-        <p:style>
-          <a:lnRef idx="2">
-            <a:schemeClr val="accent1">
-              <a:shade val="50000"/>
-            </a:schemeClr>
-          </a:lnRef>
-          <a:fillRef idx="1">
-            <a:schemeClr val="accent1"/>
-          </a:fillRef>
-          <a:effectRef idx="0">
-            <a:schemeClr val="accent1"/>
-          </a:effectRef>
-          <a:fontRef idx="minor">
-            <a:schemeClr val="lt1"/>
-          </a:fontRef>
-        </p:style>
-        <p:txBody>
-          <a:bodyPr rtlCol="0" anchor="ctr"/>
-          <a:lstStyle/>
-          <a:p>
-            <a:pPr algn="ctr"/>
-            <a:endParaRPr lang="en-GB"/>
-          </a:p>
-        </p:txBody>
-      </p:sp>
-      <p:pic>
-        <p:nvPicPr>
-          <p:cNvPr id="3" name="Picture 2"/>
-          <p:cNvPicPr>
-            <a:picLocks noChangeAspect="1"/>
-          </p:cNvPicPr>
-          <p:nvPr/>
-        </p:nvPicPr>
-        <p:blipFill>
-          <a:blip r:embed="rId3"/>
-          <a:stretch>
-            <a:fillRect/>
-          </a:stretch>
-        </p:blipFill>
-        <p:spPr>
-          <a:xfrm>
-            <a:off x="5456858" y="2321217"/>
-            <a:ext cx="1784336" cy="1784336"/>
-          </a:xfrm>
-          <a:prstGeom prst="rect">
-            <a:avLst/>
-          </a:prstGeom>
-        </p:spPr>
-      </p:pic>
-      <p:pic>
-        <p:nvPicPr>
-          <p:cNvPr id="4" name="Picture 3" descr="Finland_road_sign_531.svg.png"/>
-          <p:cNvPicPr>
-            <a:picLocks noChangeAspect="1"/>
-          </p:cNvPicPr>
-          <p:nvPr/>
-        </p:nvPicPr>
-        <p:blipFill rotWithShape="1">
-          <a:blip r:embed="rId4">
-            <a:extLst>
-              <a:ext uri="{28A0092B-C50C-407E-A947-70E740481C1C}">
-                <a14:useLocalDpi xmlns:a14="http://schemas.microsoft.com/office/drawing/2010/main" val="0"/>
-              </a:ext>
-            </a:extLst>
-          </a:blip>
-          <a:srcRect l="2671" t="3065" r="2544" b="4489"/>
-          <a:stretch/>
-        </p:blipFill>
-        <p:spPr>
-          <a:xfrm>
-            <a:off x="8670215" y="2806704"/>
-            <a:ext cx="1848573" cy="987833"/>
-          </a:xfrm>
-          <a:prstGeom prst="roundRect">
-            <a:avLst>
-              <a:gd name="adj" fmla="val 13656"/>
-            </a:avLst>
-          </a:prstGeom>
-        </p:spPr>
-      </p:pic>
-      <p:pic>
-        <p:nvPicPr>
-          <p:cNvPr id="18" name="Picture 17" descr="Finland_road_sign_531.svg.png"/>
-          <p:cNvPicPr>
-            <a:picLocks noChangeAspect="1"/>
-          </p:cNvPicPr>
-          <p:nvPr/>
-        </p:nvPicPr>
-        <p:blipFill rotWithShape="1">
-          <a:blip r:embed="rId4">
-            <a:duotone>
-              <a:schemeClr val="accent1">
-                <a:shade val="45000"/>
-                <a:satMod val="135000"/>
-              </a:schemeClr>
-              <a:prstClr val="white"/>
-            </a:duotone>
-            <a:extLst>
-              <a:ext uri="{28A0092B-C50C-407E-A947-70E740481C1C}">
-                <a14:useLocalDpi xmlns:a14="http://schemas.microsoft.com/office/drawing/2010/main" val="0"/>
-              </a:ext>
-            </a:extLst>
-          </a:blip>
-          <a:srcRect l="2671" t="3065" r="2544" b="4489"/>
-          <a:stretch/>
-        </p:blipFill>
-        <p:spPr>
-          <a:xfrm>
-            <a:off x="1986785" y="3377062"/>
-            <a:ext cx="605185" cy="323397"/>
-          </a:xfrm>
-          <a:prstGeom prst="roundRect">
-            <a:avLst>
-              <a:gd name="adj" fmla="val 13656"/>
-            </a:avLst>
-          </a:prstGeom>
         </p:spPr>
       </p:pic>
     </p:spTree>
     <p:extLst>
       <p:ext uri="{BB962C8B-B14F-4D97-AF65-F5344CB8AC3E}">
-        <p14:creationId xmlns:p14="http://schemas.microsoft.com/office/powerpoint/2010/main" val="1966949671"/>
+        <p14:creationId xmlns:p14="http://schemas.microsoft.com/office/powerpoint/2010/main" val="2711746559"/>
       </p:ext>
     </p:extLst>
   </p:cSld>
@@ -5885,6 +5354,66 @@
           <a:chExt cx="0" cy="0"/>
         </a:xfrm>
       </p:grpSpPr>
+      <p:pic>
+        <p:nvPicPr>
+          <p:cNvPr id="4" name="Picture 3" descr="ios7-bus-icon-large.png"/>
+          <p:cNvPicPr>
+            <a:picLocks noChangeAspect="1"/>
+          </p:cNvPicPr>
+          <p:nvPr/>
+        </p:nvPicPr>
+        <p:blipFill>
+          <a:blip r:embed="rId2" cstate="print">
+            <a:extLst>
+              <a:ext uri="{28A0092B-C50C-407E-A947-70E740481C1C}">
+                <a14:useLocalDpi xmlns:a14="http://schemas.microsoft.com/office/drawing/2010/main" val="0"/>
+              </a:ext>
+            </a:extLst>
+          </a:blip>
+          <a:stretch>
+            <a:fillRect/>
+          </a:stretch>
+        </p:blipFill>
+        <p:spPr>
+          <a:xfrm>
+            <a:off x="3214094" y="2193569"/>
+            <a:ext cx="4777867" cy="4777867"/>
+          </a:xfrm>
+          <a:prstGeom prst="rect">
+            <a:avLst/>
+          </a:prstGeom>
+        </p:spPr>
+      </p:pic>
+    </p:spTree>
+    <p:extLst>
+      <p:ext uri="{BB962C8B-B14F-4D97-AF65-F5344CB8AC3E}">
+        <p14:creationId xmlns:p14="http://schemas.microsoft.com/office/powerpoint/2010/main" val="1688909965"/>
+      </p:ext>
+    </p:extLst>
+  </p:cSld>
+  <p:clrMapOvr>
+    <a:masterClrMapping/>
+  </p:clrMapOvr>
+</p:sld>
+</file>
+
+<file path=ppt/slides/slide17.xml><?xml version="1.0" encoding="utf-8"?>
+<p:sld xmlns:a="http://schemas.openxmlformats.org/drawingml/2006/main" xmlns:r="http://schemas.openxmlformats.org/officeDocument/2006/relationships" xmlns:p="http://schemas.openxmlformats.org/presentationml/2006/main">
+  <p:cSld>
+    <p:spTree>
+      <p:nvGrpSpPr>
+        <p:cNvPr id="1" name=""/>
+        <p:cNvGrpSpPr/>
+        <p:nvPr/>
+      </p:nvGrpSpPr>
+      <p:grpSpPr>
+        <a:xfrm>
+          <a:off x="0" y="0"/>
+          <a:ext cx="0" cy="0"/>
+          <a:chOff x="0" y="0"/>
+          <a:chExt cx="0" cy="0"/>
+        </a:xfrm>
+      </p:grpSpPr>
       <p:sp>
         <p:nvSpPr>
           <p:cNvPr id="14" name="Oval Callout 13"/>
@@ -5994,13 +5523,466 @@
       </p:sp>
       <p:sp>
         <p:nvSpPr>
-          <p:cNvPr id="17" name="Oval Callout 16"/>
+          <p:cNvPr id="13" name="Oval Callout 12"/>
           <p:cNvSpPr/>
           <p:nvPr/>
         </p:nvSpPr>
         <p:spPr>
           <a:xfrm>
-            <a:off x="2945299" y="3167746"/>
+            <a:off x="1863663" y="1839640"/>
+            <a:ext cx="836765" cy="835751"/>
+          </a:xfrm>
+          <a:prstGeom prst="wedgeEllipseCallout">
+            <a:avLst>
+              <a:gd name="adj1" fmla="val -689"/>
+              <a:gd name="adj2" fmla="val 61297"/>
+            </a:avLst>
+          </a:prstGeom>
+          <a:solidFill>
+            <a:schemeClr val="tx1">
+              <a:lumMod val="65000"/>
+              <a:lumOff val="35000"/>
+            </a:schemeClr>
+          </a:solidFill>
+          <a:ln>
+            <a:noFill/>
+          </a:ln>
+          <a:effectLst>
+            <a:outerShdw blurRad="400050" dist="114300" dir="2700000" sx="88000" sy="88000" algn="tl" rotWithShape="0">
+              <a:prstClr val="black">
+                <a:alpha val="50000"/>
+              </a:prstClr>
+            </a:outerShdw>
+          </a:effectLst>
+        </p:spPr>
+        <p:style>
+          <a:lnRef idx="2">
+            <a:schemeClr val="accent1">
+              <a:shade val="50000"/>
+            </a:schemeClr>
+          </a:lnRef>
+          <a:fillRef idx="1">
+            <a:schemeClr val="accent1"/>
+          </a:fillRef>
+          <a:effectRef idx="0">
+            <a:schemeClr val="accent1"/>
+          </a:effectRef>
+          <a:fontRef idx="minor">
+            <a:schemeClr val="lt1"/>
+          </a:fontRef>
+        </p:style>
+        <p:txBody>
+          <a:bodyPr rtlCol="0" anchor="ctr"/>
+          <a:lstStyle/>
+          <a:p>
+            <a:pPr algn="ctr"/>
+            <a:endParaRPr lang="en-GB"/>
+          </a:p>
+        </p:txBody>
+      </p:sp>
+      <p:sp>
+        <p:nvSpPr>
+          <p:cNvPr id="5" name="Oval 4"/>
+          <p:cNvSpPr/>
+          <p:nvPr/>
+        </p:nvSpPr>
+        <p:spPr>
+          <a:xfrm>
+            <a:off x="1948253" y="1923322"/>
+            <a:ext cx="665862" cy="653437"/>
+          </a:xfrm>
+          <a:prstGeom prst="ellipse">
+            <a:avLst/>
+          </a:prstGeom>
+          <a:solidFill>
+            <a:schemeClr val="bg1">
+              <a:lumMod val="95000"/>
+            </a:schemeClr>
+          </a:solidFill>
+          <a:ln>
+            <a:noFill/>
+          </a:ln>
+        </p:spPr>
+        <p:style>
+          <a:lnRef idx="2">
+            <a:schemeClr val="accent1">
+              <a:shade val="50000"/>
+            </a:schemeClr>
+          </a:lnRef>
+          <a:fillRef idx="1">
+            <a:schemeClr val="accent1"/>
+          </a:fillRef>
+          <a:effectRef idx="0">
+            <a:schemeClr val="accent1"/>
+          </a:effectRef>
+          <a:fontRef idx="minor">
+            <a:schemeClr val="lt1"/>
+          </a:fontRef>
+        </p:style>
+        <p:txBody>
+          <a:bodyPr rtlCol="0" anchor="ctr"/>
+          <a:lstStyle/>
+          <a:p>
+            <a:pPr algn="ctr"/>
+            <a:endParaRPr lang="en-GB"/>
+          </a:p>
+        </p:txBody>
+      </p:sp>
+      <p:pic>
+        <p:nvPicPr>
+          <p:cNvPr id="16" name="Picture 15" descr="bus-128.png"/>
+          <p:cNvPicPr>
+            <a:picLocks noChangeAspect="1"/>
+          </p:cNvPicPr>
+          <p:nvPr/>
+        </p:nvPicPr>
+        <p:blipFill>
+          <a:blip r:embed="rId2">
+            <a:extLst>
+              <a:ext uri="{28A0092B-C50C-407E-A947-70E740481C1C}">
+                <a14:useLocalDpi xmlns:a14="http://schemas.microsoft.com/office/drawing/2010/main" val="0"/>
+              </a:ext>
+            </a:extLst>
+          </a:blip>
+          <a:stretch>
+            <a:fillRect/>
+          </a:stretch>
+        </p:blipFill>
+        <p:spPr>
+          <a:xfrm>
+            <a:off x="2027885" y="1999749"/>
+            <a:ext cx="499913" cy="499913"/>
+          </a:xfrm>
+          <a:prstGeom prst="rect">
+            <a:avLst/>
+          </a:prstGeom>
+        </p:spPr>
+      </p:pic>
+      <p:sp>
+        <p:nvSpPr>
+          <p:cNvPr id="8" name="Oval Callout 7"/>
+          <p:cNvSpPr/>
+          <p:nvPr/>
+        </p:nvSpPr>
+        <p:spPr>
+          <a:xfrm>
+            <a:off x="5023795" y="1904710"/>
+            <a:ext cx="2650344" cy="2661468"/>
+          </a:xfrm>
+          <a:prstGeom prst="wedgeEllipseCallout">
+            <a:avLst>
+              <a:gd name="adj1" fmla="val -689"/>
+              <a:gd name="adj2" fmla="val 61297"/>
+            </a:avLst>
+          </a:prstGeom>
+          <a:solidFill>
+            <a:schemeClr val="tx1">
+              <a:lumMod val="65000"/>
+              <a:lumOff val="35000"/>
+            </a:schemeClr>
+          </a:solidFill>
+          <a:ln>
+            <a:noFill/>
+          </a:ln>
+          <a:effectLst>
+            <a:outerShdw blurRad="746125" dist="114300" dir="2700000" sx="101000" sy="101000" algn="tl" rotWithShape="0">
+              <a:prstClr val="black">
+                <a:alpha val="50000"/>
+              </a:prstClr>
+            </a:outerShdw>
+          </a:effectLst>
+        </p:spPr>
+        <p:style>
+          <a:lnRef idx="2">
+            <a:schemeClr val="accent1">
+              <a:shade val="50000"/>
+            </a:schemeClr>
+          </a:lnRef>
+          <a:fillRef idx="1">
+            <a:schemeClr val="accent1"/>
+          </a:fillRef>
+          <a:effectRef idx="0">
+            <a:schemeClr val="accent1"/>
+          </a:effectRef>
+          <a:fontRef idx="minor">
+            <a:schemeClr val="lt1"/>
+          </a:fontRef>
+        </p:style>
+        <p:txBody>
+          <a:bodyPr rtlCol="0" anchor="ctr"/>
+          <a:lstStyle/>
+          <a:p>
+            <a:pPr algn="ctr"/>
+            <a:endParaRPr lang="en-GB"/>
+          </a:p>
+        </p:txBody>
+      </p:sp>
+      <p:sp>
+        <p:nvSpPr>
+          <p:cNvPr id="9" name="Oval 8"/>
+          <p:cNvSpPr/>
+          <p:nvPr/>
+        </p:nvSpPr>
+        <p:spPr>
+          <a:xfrm>
+            <a:off x="5097017" y="1977090"/>
+            <a:ext cx="2515469" cy="2502786"/>
+          </a:xfrm>
+          <a:prstGeom prst="ellipse">
+            <a:avLst/>
+          </a:prstGeom>
+          <a:solidFill>
+            <a:schemeClr val="bg1">
+              <a:lumMod val="95000"/>
+            </a:schemeClr>
+          </a:solidFill>
+          <a:ln>
+            <a:noFill/>
+          </a:ln>
+        </p:spPr>
+        <p:style>
+          <a:lnRef idx="2">
+            <a:schemeClr val="accent1">
+              <a:shade val="50000"/>
+            </a:schemeClr>
+          </a:lnRef>
+          <a:fillRef idx="1">
+            <a:schemeClr val="accent1"/>
+          </a:fillRef>
+          <a:effectRef idx="0">
+            <a:schemeClr val="accent1"/>
+          </a:effectRef>
+          <a:fontRef idx="minor">
+            <a:schemeClr val="lt1"/>
+          </a:fontRef>
+        </p:style>
+        <p:txBody>
+          <a:bodyPr rtlCol="0" anchor="ctr"/>
+          <a:lstStyle/>
+          <a:p>
+            <a:pPr algn="ctr"/>
+            <a:endParaRPr lang="en-GB"/>
+          </a:p>
+        </p:txBody>
+      </p:sp>
+      <p:sp>
+        <p:nvSpPr>
+          <p:cNvPr id="11" name="Oval Callout 10"/>
+          <p:cNvSpPr/>
+          <p:nvPr/>
+        </p:nvSpPr>
+        <p:spPr>
+          <a:xfrm>
+            <a:off x="8258875" y="1970807"/>
+            <a:ext cx="2650344" cy="2661468"/>
+          </a:xfrm>
+          <a:prstGeom prst="wedgeEllipseCallout">
+            <a:avLst>
+              <a:gd name="adj1" fmla="val -689"/>
+              <a:gd name="adj2" fmla="val 61297"/>
+            </a:avLst>
+          </a:prstGeom>
+          <a:solidFill>
+            <a:schemeClr val="tx1">
+              <a:lumMod val="65000"/>
+              <a:lumOff val="35000"/>
+            </a:schemeClr>
+          </a:solidFill>
+          <a:ln>
+            <a:noFill/>
+          </a:ln>
+          <a:effectLst>
+            <a:outerShdw blurRad="400050" dist="114300" dir="2700000" sx="96000" sy="96000" algn="tl" rotWithShape="0">
+              <a:prstClr val="black">
+                <a:alpha val="50000"/>
+              </a:prstClr>
+            </a:outerShdw>
+          </a:effectLst>
+        </p:spPr>
+        <p:style>
+          <a:lnRef idx="2">
+            <a:schemeClr val="accent1">
+              <a:shade val="50000"/>
+            </a:schemeClr>
+          </a:lnRef>
+          <a:fillRef idx="1">
+            <a:schemeClr val="accent1"/>
+          </a:fillRef>
+          <a:effectRef idx="0">
+            <a:schemeClr val="accent1"/>
+          </a:effectRef>
+          <a:fontRef idx="minor">
+            <a:schemeClr val="lt1"/>
+          </a:fontRef>
+        </p:style>
+        <p:txBody>
+          <a:bodyPr rtlCol="0" anchor="ctr"/>
+          <a:lstStyle/>
+          <a:p>
+            <a:pPr algn="ctr"/>
+            <a:endParaRPr lang="en-GB"/>
+          </a:p>
+        </p:txBody>
+      </p:sp>
+      <p:sp>
+        <p:nvSpPr>
+          <p:cNvPr id="12" name="Oval 11"/>
+          <p:cNvSpPr/>
+          <p:nvPr/>
+        </p:nvSpPr>
+        <p:spPr>
+          <a:xfrm>
+            <a:off x="8356759" y="2067845"/>
+            <a:ext cx="2469613" cy="2456894"/>
+          </a:xfrm>
+          <a:prstGeom prst="ellipse">
+            <a:avLst/>
+          </a:prstGeom>
+          <a:solidFill>
+            <a:schemeClr val="bg1">
+              <a:lumMod val="95000"/>
+            </a:schemeClr>
+          </a:solidFill>
+          <a:ln>
+            <a:noFill/>
+          </a:ln>
+        </p:spPr>
+        <p:style>
+          <a:lnRef idx="2">
+            <a:schemeClr val="accent1">
+              <a:shade val="50000"/>
+            </a:schemeClr>
+          </a:lnRef>
+          <a:fillRef idx="1">
+            <a:schemeClr val="accent1"/>
+          </a:fillRef>
+          <a:effectRef idx="0">
+            <a:schemeClr val="accent1"/>
+          </a:effectRef>
+          <a:fontRef idx="minor">
+            <a:schemeClr val="lt1"/>
+          </a:fontRef>
+        </p:style>
+        <p:txBody>
+          <a:bodyPr rtlCol="0" anchor="ctr"/>
+          <a:lstStyle/>
+          <a:p>
+            <a:pPr algn="ctr"/>
+            <a:endParaRPr lang="en-GB"/>
+          </a:p>
+        </p:txBody>
+      </p:sp>
+      <p:pic>
+        <p:nvPicPr>
+          <p:cNvPr id="3" name="Picture 2"/>
+          <p:cNvPicPr>
+            <a:picLocks noChangeAspect="1"/>
+          </p:cNvPicPr>
+          <p:nvPr/>
+        </p:nvPicPr>
+        <p:blipFill>
+          <a:blip r:embed="rId3"/>
+          <a:stretch>
+            <a:fillRect/>
+          </a:stretch>
+        </p:blipFill>
+        <p:spPr>
+          <a:xfrm>
+            <a:off x="5456858" y="2321217"/>
+            <a:ext cx="1784336" cy="1784336"/>
+          </a:xfrm>
+          <a:prstGeom prst="rect">
+            <a:avLst/>
+          </a:prstGeom>
+        </p:spPr>
+      </p:pic>
+      <p:pic>
+        <p:nvPicPr>
+          <p:cNvPr id="7" name="Picture 6"/>
+          <p:cNvPicPr>
+            <a:picLocks noChangeAspect="1"/>
+          </p:cNvPicPr>
+          <p:nvPr/>
+        </p:nvPicPr>
+        <p:blipFill>
+          <a:blip r:embed="rId4"/>
+          <a:stretch>
+            <a:fillRect/>
+          </a:stretch>
+        </p:blipFill>
+        <p:spPr>
+          <a:xfrm>
+            <a:off x="8724524" y="2395191"/>
+            <a:ext cx="1747349" cy="1747349"/>
+          </a:xfrm>
+          <a:prstGeom prst="rect">
+            <a:avLst/>
+          </a:prstGeom>
+        </p:spPr>
+      </p:pic>
+      <p:pic>
+        <p:nvPicPr>
+          <p:cNvPr id="2" name="Picture 1"/>
+          <p:cNvPicPr>
+            <a:picLocks noChangeAspect="1"/>
+          </p:cNvPicPr>
+          <p:nvPr/>
+        </p:nvPicPr>
+        <p:blipFill>
+          <a:blip r:embed="rId5"/>
+          <a:stretch>
+            <a:fillRect/>
+          </a:stretch>
+        </p:blipFill>
+        <p:spPr>
+          <a:xfrm>
+            <a:off x="2037491" y="3279282"/>
+            <a:ext cx="493388" cy="493388"/>
+          </a:xfrm>
+          <a:prstGeom prst="rect">
+            <a:avLst/>
+          </a:prstGeom>
+        </p:spPr>
+      </p:pic>
+    </p:spTree>
+    <p:extLst>
+      <p:ext uri="{BB962C8B-B14F-4D97-AF65-F5344CB8AC3E}">
+        <p14:creationId xmlns:p14="http://schemas.microsoft.com/office/powerpoint/2010/main" val="1684569039"/>
+      </p:ext>
+    </p:extLst>
+  </p:cSld>
+  <p:clrMapOvr>
+    <a:masterClrMapping/>
+  </p:clrMapOvr>
+</p:sld>
+</file>
+
+<file path=ppt/slides/slide18.xml><?xml version="1.0" encoding="utf-8"?>
+<p:sld xmlns:a="http://schemas.openxmlformats.org/drawingml/2006/main" xmlns:r="http://schemas.openxmlformats.org/officeDocument/2006/relationships" xmlns:p="http://schemas.openxmlformats.org/presentationml/2006/main">
+  <p:cSld>
+    <p:spTree>
+      <p:nvGrpSpPr>
+        <p:cNvPr id="1" name=""/>
+        <p:cNvGrpSpPr/>
+        <p:nvPr/>
+      </p:nvGrpSpPr>
+      <p:grpSpPr>
+        <a:xfrm>
+          <a:off x="0" y="0"/>
+          <a:ext cx="0" cy="0"/>
+          <a:chOff x="0" y="0"/>
+          <a:chExt cx="0" cy="0"/>
+        </a:xfrm>
+      </p:grpSpPr>
+      <p:sp>
+        <p:nvSpPr>
+          <p:cNvPr id="14" name="Oval Callout 13"/>
+          <p:cNvSpPr/>
+          <p:nvPr/>
+        </p:nvSpPr>
+        <p:spPr>
+          <a:xfrm>
+            <a:off x="1868095" y="3113978"/>
             <a:ext cx="836765" cy="835751"/>
           </a:xfrm>
           <a:prstGeom prst="wedgeEllipseCallout">
@@ -6053,13 +6035,13 @@
       </p:sp>
       <p:sp>
         <p:nvSpPr>
-          <p:cNvPr id="18" name="Oval 17"/>
+          <p:cNvPr id="15" name="Oval 14"/>
           <p:cNvSpPr/>
           <p:nvPr/>
         </p:nvSpPr>
         <p:spPr>
           <a:xfrm>
-            <a:off x="3005227" y="3226769"/>
+            <a:off x="1928023" y="3173001"/>
             <a:ext cx="720000" cy="720000"/>
           </a:xfrm>
           <a:prstGeom prst="ellipse">
@@ -6099,24 +6081,137 @@
           </a:p>
         </p:txBody>
       </p:sp>
+      <p:sp>
+        <p:nvSpPr>
+          <p:cNvPr id="13" name="Oval Callout 12"/>
+          <p:cNvSpPr/>
+          <p:nvPr/>
+        </p:nvSpPr>
+        <p:spPr>
+          <a:xfrm>
+            <a:off x="1863663" y="1839640"/>
+            <a:ext cx="836765" cy="835751"/>
+          </a:xfrm>
+          <a:prstGeom prst="wedgeEllipseCallout">
+            <a:avLst>
+              <a:gd name="adj1" fmla="val -689"/>
+              <a:gd name="adj2" fmla="val 61297"/>
+            </a:avLst>
+          </a:prstGeom>
+          <a:solidFill>
+            <a:schemeClr val="tx1">
+              <a:lumMod val="65000"/>
+              <a:lumOff val="35000"/>
+            </a:schemeClr>
+          </a:solidFill>
+          <a:ln>
+            <a:noFill/>
+          </a:ln>
+          <a:effectLst>
+            <a:outerShdw blurRad="400050" dist="114300" dir="2700000" sx="88000" sy="88000" algn="tl" rotWithShape="0">
+              <a:prstClr val="black">
+                <a:alpha val="50000"/>
+              </a:prstClr>
+            </a:outerShdw>
+          </a:effectLst>
+        </p:spPr>
+        <p:style>
+          <a:lnRef idx="2">
+            <a:schemeClr val="accent1">
+              <a:shade val="50000"/>
+            </a:schemeClr>
+          </a:lnRef>
+          <a:fillRef idx="1">
+            <a:schemeClr val="accent1"/>
+          </a:fillRef>
+          <a:effectRef idx="0">
+            <a:schemeClr val="accent1"/>
+          </a:effectRef>
+          <a:fontRef idx="minor">
+            <a:schemeClr val="lt1"/>
+          </a:fontRef>
+        </p:style>
+        <p:txBody>
+          <a:bodyPr rtlCol="0" anchor="ctr"/>
+          <a:lstStyle/>
+          <a:p>
+            <a:pPr algn="ctr"/>
+            <a:endParaRPr lang="en-GB"/>
+          </a:p>
+        </p:txBody>
+      </p:sp>
+      <p:sp>
+        <p:nvSpPr>
+          <p:cNvPr id="5" name="Oval 4"/>
+          <p:cNvSpPr/>
+          <p:nvPr/>
+        </p:nvSpPr>
+        <p:spPr>
+          <a:xfrm>
+            <a:off x="1948253" y="1923322"/>
+            <a:ext cx="665862" cy="653437"/>
+          </a:xfrm>
+          <a:prstGeom prst="ellipse">
+            <a:avLst/>
+          </a:prstGeom>
+          <a:solidFill>
+            <a:schemeClr val="bg1">
+              <a:lumMod val="95000"/>
+            </a:schemeClr>
+          </a:solidFill>
+          <a:ln>
+            <a:noFill/>
+          </a:ln>
+        </p:spPr>
+        <p:style>
+          <a:lnRef idx="2">
+            <a:schemeClr val="accent1">
+              <a:shade val="50000"/>
+            </a:schemeClr>
+          </a:lnRef>
+          <a:fillRef idx="1">
+            <a:schemeClr val="accent1"/>
+          </a:fillRef>
+          <a:effectRef idx="0">
+            <a:schemeClr val="accent1"/>
+          </a:effectRef>
+          <a:fontRef idx="minor">
+            <a:schemeClr val="lt1"/>
+          </a:fontRef>
+        </p:style>
+        <p:txBody>
+          <a:bodyPr rtlCol="0" anchor="ctr"/>
+          <a:lstStyle/>
+          <a:p>
+            <a:pPr algn="ctr"/>
+            <a:endParaRPr lang="en-GB"/>
+          </a:p>
+        </p:txBody>
+      </p:sp>
       <p:pic>
         <p:nvPicPr>
-          <p:cNvPr id="19" name="Picture 18"/>
+          <p:cNvPr id="16" name="Picture 15" descr="bus-128.png"/>
           <p:cNvPicPr>
             <a:picLocks noChangeAspect="1"/>
           </p:cNvPicPr>
           <p:nvPr/>
         </p:nvPicPr>
         <p:blipFill>
-          <a:blip r:embed="rId2"/>
+          <a:blip r:embed="rId2">
+            <a:extLst>
+              <a:ext uri="{28A0092B-C50C-407E-A947-70E740481C1C}">
+                <a14:useLocalDpi xmlns:a14="http://schemas.microsoft.com/office/drawing/2010/main" val="0"/>
+              </a:ext>
+            </a:extLst>
+          </a:blip>
           <a:stretch>
             <a:fillRect/>
           </a:stretch>
         </p:blipFill>
         <p:spPr>
           <a:xfrm>
-            <a:off x="3114695" y="3333050"/>
-            <a:ext cx="493388" cy="493388"/>
+            <a:off x="2027885" y="1999749"/>
+            <a:ext cx="499913" cy="499913"/>
           </a:xfrm>
           <a:prstGeom prst="rect">
             <a:avLst/>
@@ -6125,13 +6220,350 @@
       </p:pic>
       <p:sp>
         <p:nvSpPr>
-          <p:cNvPr id="20" name="Oval Callout 19"/>
+          <p:cNvPr id="8" name="Oval Callout 7"/>
           <p:cNvSpPr/>
           <p:nvPr/>
         </p:nvSpPr>
         <p:spPr>
           <a:xfrm>
-            <a:off x="4092056" y="3143088"/>
+            <a:off x="5023795" y="1904710"/>
+            <a:ext cx="2650344" cy="2661468"/>
+          </a:xfrm>
+          <a:prstGeom prst="wedgeEllipseCallout">
+            <a:avLst>
+              <a:gd name="adj1" fmla="val -689"/>
+              <a:gd name="adj2" fmla="val 61297"/>
+            </a:avLst>
+          </a:prstGeom>
+          <a:solidFill>
+            <a:schemeClr val="tx1">
+              <a:lumMod val="65000"/>
+              <a:lumOff val="35000"/>
+            </a:schemeClr>
+          </a:solidFill>
+          <a:ln>
+            <a:noFill/>
+          </a:ln>
+          <a:effectLst>
+            <a:outerShdw blurRad="746125" dist="114300" dir="2700000" sx="101000" sy="101000" algn="tl" rotWithShape="0">
+              <a:prstClr val="black">
+                <a:alpha val="50000"/>
+              </a:prstClr>
+            </a:outerShdw>
+          </a:effectLst>
+        </p:spPr>
+        <p:style>
+          <a:lnRef idx="2">
+            <a:schemeClr val="accent1">
+              <a:shade val="50000"/>
+            </a:schemeClr>
+          </a:lnRef>
+          <a:fillRef idx="1">
+            <a:schemeClr val="accent1"/>
+          </a:fillRef>
+          <a:effectRef idx="0">
+            <a:schemeClr val="accent1"/>
+          </a:effectRef>
+          <a:fontRef idx="minor">
+            <a:schemeClr val="lt1"/>
+          </a:fontRef>
+        </p:style>
+        <p:txBody>
+          <a:bodyPr rtlCol="0" anchor="ctr"/>
+          <a:lstStyle/>
+          <a:p>
+            <a:pPr algn="ctr"/>
+            <a:endParaRPr lang="en-GB"/>
+          </a:p>
+        </p:txBody>
+      </p:sp>
+      <p:sp>
+        <p:nvSpPr>
+          <p:cNvPr id="9" name="Oval 8"/>
+          <p:cNvSpPr/>
+          <p:nvPr/>
+        </p:nvSpPr>
+        <p:spPr>
+          <a:xfrm>
+            <a:off x="5097017" y="1977090"/>
+            <a:ext cx="2515469" cy="2502786"/>
+          </a:xfrm>
+          <a:prstGeom prst="ellipse">
+            <a:avLst/>
+          </a:prstGeom>
+          <a:solidFill>
+            <a:schemeClr val="bg1">
+              <a:lumMod val="95000"/>
+            </a:schemeClr>
+          </a:solidFill>
+          <a:ln>
+            <a:noFill/>
+          </a:ln>
+        </p:spPr>
+        <p:style>
+          <a:lnRef idx="2">
+            <a:schemeClr val="accent1">
+              <a:shade val="50000"/>
+            </a:schemeClr>
+          </a:lnRef>
+          <a:fillRef idx="1">
+            <a:schemeClr val="accent1"/>
+          </a:fillRef>
+          <a:effectRef idx="0">
+            <a:schemeClr val="accent1"/>
+          </a:effectRef>
+          <a:fontRef idx="minor">
+            <a:schemeClr val="lt1"/>
+          </a:fontRef>
+        </p:style>
+        <p:txBody>
+          <a:bodyPr rtlCol="0" anchor="ctr"/>
+          <a:lstStyle/>
+          <a:p>
+            <a:pPr algn="ctr"/>
+            <a:endParaRPr lang="en-GB"/>
+          </a:p>
+        </p:txBody>
+      </p:sp>
+      <p:sp>
+        <p:nvSpPr>
+          <p:cNvPr id="11" name="Oval Callout 10"/>
+          <p:cNvSpPr/>
+          <p:nvPr/>
+        </p:nvSpPr>
+        <p:spPr>
+          <a:xfrm>
+            <a:off x="8258875" y="1970807"/>
+            <a:ext cx="2650344" cy="2661468"/>
+          </a:xfrm>
+          <a:prstGeom prst="wedgeEllipseCallout">
+            <a:avLst>
+              <a:gd name="adj1" fmla="val -689"/>
+              <a:gd name="adj2" fmla="val 61297"/>
+            </a:avLst>
+          </a:prstGeom>
+          <a:solidFill>
+            <a:schemeClr val="tx1">
+              <a:lumMod val="65000"/>
+              <a:lumOff val="35000"/>
+            </a:schemeClr>
+          </a:solidFill>
+          <a:ln>
+            <a:noFill/>
+          </a:ln>
+          <a:effectLst>
+            <a:outerShdw blurRad="400050" dist="114300" dir="2700000" sx="96000" sy="96000" algn="tl" rotWithShape="0">
+              <a:prstClr val="black">
+                <a:alpha val="50000"/>
+              </a:prstClr>
+            </a:outerShdw>
+          </a:effectLst>
+        </p:spPr>
+        <p:style>
+          <a:lnRef idx="2">
+            <a:schemeClr val="accent1">
+              <a:shade val="50000"/>
+            </a:schemeClr>
+          </a:lnRef>
+          <a:fillRef idx="1">
+            <a:schemeClr val="accent1"/>
+          </a:fillRef>
+          <a:effectRef idx="0">
+            <a:schemeClr val="accent1"/>
+          </a:effectRef>
+          <a:fontRef idx="minor">
+            <a:schemeClr val="lt1"/>
+          </a:fontRef>
+        </p:style>
+        <p:txBody>
+          <a:bodyPr rtlCol="0" anchor="ctr"/>
+          <a:lstStyle/>
+          <a:p>
+            <a:pPr algn="ctr"/>
+            <a:endParaRPr lang="en-GB"/>
+          </a:p>
+        </p:txBody>
+      </p:sp>
+      <p:sp>
+        <p:nvSpPr>
+          <p:cNvPr id="12" name="Oval 11"/>
+          <p:cNvSpPr/>
+          <p:nvPr/>
+        </p:nvSpPr>
+        <p:spPr>
+          <a:xfrm>
+            <a:off x="8356759" y="2067845"/>
+            <a:ext cx="2469613" cy="2456894"/>
+          </a:xfrm>
+          <a:prstGeom prst="ellipse">
+            <a:avLst/>
+          </a:prstGeom>
+          <a:solidFill>
+            <a:schemeClr val="bg1">
+              <a:lumMod val="95000"/>
+            </a:schemeClr>
+          </a:solidFill>
+          <a:ln>
+            <a:noFill/>
+          </a:ln>
+        </p:spPr>
+        <p:style>
+          <a:lnRef idx="2">
+            <a:schemeClr val="accent1">
+              <a:shade val="50000"/>
+            </a:schemeClr>
+          </a:lnRef>
+          <a:fillRef idx="1">
+            <a:schemeClr val="accent1"/>
+          </a:fillRef>
+          <a:effectRef idx="0">
+            <a:schemeClr val="accent1"/>
+          </a:effectRef>
+          <a:fontRef idx="minor">
+            <a:schemeClr val="lt1"/>
+          </a:fontRef>
+        </p:style>
+        <p:txBody>
+          <a:bodyPr rtlCol="0" anchor="ctr"/>
+          <a:lstStyle/>
+          <a:p>
+            <a:pPr algn="ctr"/>
+            <a:endParaRPr lang="en-GB"/>
+          </a:p>
+        </p:txBody>
+      </p:sp>
+      <p:pic>
+        <p:nvPicPr>
+          <p:cNvPr id="3" name="Picture 2"/>
+          <p:cNvPicPr>
+            <a:picLocks noChangeAspect="1"/>
+          </p:cNvPicPr>
+          <p:nvPr/>
+        </p:nvPicPr>
+        <p:blipFill>
+          <a:blip r:embed="rId3"/>
+          <a:stretch>
+            <a:fillRect/>
+          </a:stretch>
+        </p:blipFill>
+        <p:spPr>
+          <a:xfrm>
+            <a:off x="5456858" y="2321217"/>
+            <a:ext cx="1784336" cy="1784336"/>
+          </a:xfrm>
+          <a:prstGeom prst="rect">
+            <a:avLst/>
+          </a:prstGeom>
+        </p:spPr>
+      </p:pic>
+      <p:pic>
+        <p:nvPicPr>
+          <p:cNvPr id="4" name="Picture 3" descr="Finland_road_sign_531.svg.png"/>
+          <p:cNvPicPr>
+            <a:picLocks noChangeAspect="1"/>
+          </p:cNvPicPr>
+          <p:nvPr/>
+        </p:nvPicPr>
+        <p:blipFill rotWithShape="1">
+          <a:blip r:embed="rId4">
+            <a:extLst>
+              <a:ext uri="{28A0092B-C50C-407E-A947-70E740481C1C}">
+                <a14:useLocalDpi xmlns:a14="http://schemas.microsoft.com/office/drawing/2010/main" val="0"/>
+              </a:ext>
+            </a:extLst>
+          </a:blip>
+          <a:srcRect l="2671" t="3065" r="2544" b="4489"/>
+          <a:stretch/>
+        </p:blipFill>
+        <p:spPr>
+          <a:xfrm>
+            <a:off x="8670215" y="2806704"/>
+            <a:ext cx="1848573" cy="987833"/>
+          </a:xfrm>
+          <a:prstGeom prst="roundRect">
+            <a:avLst>
+              <a:gd name="adj" fmla="val 13656"/>
+            </a:avLst>
+          </a:prstGeom>
+        </p:spPr>
+      </p:pic>
+      <p:pic>
+        <p:nvPicPr>
+          <p:cNvPr id="18" name="Picture 17" descr="Finland_road_sign_531.svg.png"/>
+          <p:cNvPicPr>
+            <a:picLocks noChangeAspect="1"/>
+          </p:cNvPicPr>
+          <p:nvPr/>
+        </p:nvPicPr>
+        <p:blipFill rotWithShape="1">
+          <a:blip r:embed="rId4">
+            <a:duotone>
+              <a:schemeClr val="accent1">
+                <a:shade val="45000"/>
+                <a:satMod val="135000"/>
+              </a:schemeClr>
+              <a:prstClr val="white"/>
+            </a:duotone>
+            <a:extLst>
+              <a:ext uri="{28A0092B-C50C-407E-A947-70E740481C1C}">
+                <a14:useLocalDpi xmlns:a14="http://schemas.microsoft.com/office/drawing/2010/main" val="0"/>
+              </a:ext>
+            </a:extLst>
+          </a:blip>
+          <a:srcRect l="2671" t="3065" r="2544" b="4489"/>
+          <a:stretch/>
+        </p:blipFill>
+        <p:spPr>
+          <a:xfrm>
+            <a:off x="1986785" y="3377062"/>
+            <a:ext cx="605185" cy="323397"/>
+          </a:xfrm>
+          <a:prstGeom prst="roundRect">
+            <a:avLst>
+              <a:gd name="adj" fmla="val 13656"/>
+            </a:avLst>
+          </a:prstGeom>
+        </p:spPr>
+      </p:pic>
+    </p:spTree>
+    <p:extLst>
+      <p:ext uri="{BB962C8B-B14F-4D97-AF65-F5344CB8AC3E}">
+        <p14:creationId xmlns:p14="http://schemas.microsoft.com/office/powerpoint/2010/main" val="1966949671"/>
+      </p:ext>
+    </p:extLst>
+  </p:cSld>
+  <p:clrMapOvr>
+    <a:masterClrMapping/>
+  </p:clrMapOvr>
+</p:sld>
+</file>
+
+<file path=ppt/slides/slide19.xml><?xml version="1.0" encoding="utf-8"?>
+<p:sld xmlns:a="http://schemas.openxmlformats.org/drawingml/2006/main" xmlns:r="http://schemas.openxmlformats.org/officeDocument/2006/relationships" xmlns:p="http://schemas.openxmlformats.org/presentationml/2006/main">
+  <p:cSld>
+    <p:spTree>
+      <p:nvGrpSpPr>
+        <p:cNvPr id="1" name=""/>
+        <p:cNvGrpSpPr/>
+        <p:nvPr/>
+      </p:nvGrpSpPr>
+      <p:grpSpPr>
+        <a:xfrm>
+          <a:off x="0" y="0"/>
+          <a:ext cx="0" cy="0"/>
+          <a:chOff x="0" y="0"/>
+          <a:chExt cx="0" cy="0"/>
+        </a:xfrm>
+      </p:grpSpPr>
+      <p:sp>
+        <p:nvSpPr>
+          <p:cNvPr id="14" name="Oval Callout 13"/>
+          <p:cNvSpPr/>
+          <p:nvPr/>
+        </p:nvSpPr>
+        <p:spPr>
+          <a:xfrm>
+            <a:off x="1868095" y="3113978"/>
             <a:ext cx="836765" cy="835751"/>
           </a:xfrm>
           <a:prstGeom prst="wedgeEllipseCallout">
@@ -6184,13 +6616,13 @@
       </p:sp>
       <p:sp>
         <p:nvSpPr>
-          <p:cNvPr id="21" name="Oval 20"/>
+          <p:cNvPr id="15" name="Oval 14"/>
           <p:cNvSpPr/>
           <p:nvPr/>
         </p:nvSpPr>
         <p:spPr>
           <a:xfrm>
-            <a:off x="4151984" y="3202111"/>
+            <a:off x="1928023" y="3173001"/>
             <a:ext cx="720000" cy="720000"/>
           </a:xfrm>
           <a:prstGeom prst="ellipse">
@@ -6232,13 +6664,13 @@
       </p:sp>
       <p:sp>
         <p:nvSpPr>
-          <p:cNvPr id="23" name="Oval Callout 22"/>
+          <p:cNvPr id="17" name="Oval Callout 16"/>
           <p:cNvSpPr/>
           <p:nvPr/>
         </p:nvSpPr>
         <p:spPr>
           <a:xfrm>
-            <a:off x="5226483" y="3192404"/>
+            <a:off x="2945299" y="3167746"/>
             <a:ext cx="836765" cy="835751"/>
           </a:xfrm>
           <a:prstGeom prst="wedgeEllipseCallout">
@@ -6291,13 +6723,13 @@
       </p:sp>
       <p:sp>
         <p:nvSpPr>
-          <p:cNvPr id="24" name="Oval 23"/>
+          <p:cNvPr id="18" name="Oval 17"/>
           <p:cNvSpPr/>
           <p:nvPr/>
         </p:nvSpPr>
         <p:spPr>
           <a:xfrm>
-            <a:off x="5286411" y="3251427"/>
+            <a:off x="3005227" y="3226769"/>
             <a:ext cx="720000" cy="720000"/>
           </a:xfrm>
           <a:prstGeom prst="ellipse">
@@ -6337,15 +6769,39 @@
           </a:p>
         </p:txBody>
       </p:sp>
-      <p:sp>
-        <p:nvSpPr>
-          <p:cNvPr id="26" name="Oval Callout 25"/>
+      <p:pic>
+        <p:nvPicPr>
+          <p:cNvPr id="19" name="Picture 18"/>
+          <p:cNvPicPr>
+            <a:picLocks noChangeAspect="1"/>
+          </p:cNvPicPr>
+          <p:nvPr/>
+        </p:nvPicPr>
+        <p:blipFill>
+          <a:blip r:embed="rId2"/>
+          <a:stretch>
+            <a:fillRect/>
+          </a:stretch>
+        </p:blipFill>
+        <p:spPr>
+          <a:xfrm>
+            <a:off x="3114695" y="3333050"/>
+            <a:ext cx="493388" cy="493388"/>
+          </a:xfrm>
+          <a:prstGeom prst="rect">
+            <a:avLst/>
+          </a:prstGeom>
+        </p:spPr>
+      </p:pic>
+      <p:sp>
+        <p:nvSpPr>
+          <p:cNvPr id="20" name="Oval Callout 19"/>
           <p:cNvSpPr/>
           <p:nvPr/>
         </p:nvSpPr>
         <p:spPr>
           <a:xfrm>
-            <a:off x="6336247" y="3204733"/>
+            <a:off x="4092056" y="3143088"/>
             <a:ext cx="836765" cy="835751"/>
           </a:xfrm>
           <a:prstGeom prst="wedgeEllipseCallout">
@@ -6398,13 +6854,13 @@
       </p:sp>
       <p:sp>
         <p:nvSpPr>
-          <p:cNvPr id="27" name="Oval 26"/>
+          <p:cNvPr id="21" name="Oval 20"/>
           <p:cNvSpPr/>
           <p:nvPr/>
         </p:nvSpPr>
         <p:spPr>
           <a:xfrm>
-            <a:off x="6396175" y="3263756"/>
+            <a:off x="4151984" y="3202111"/>
             <a:ext cx="720000" cy="720000"/>
           </a:xfrm>
           <a:prstGeom prst="ellipse">
@@ -6446,13 +6902,13 @@
       </p:sp>
       <p:sp>
         <p:nvSpPr>
-          <p:cNvPr id="29" name="Oval Callout 28"/>
+          <p:cNvPr id="23" name="Oval Callout 22"/>
           <p:cNvSpPr/>
           <p:nvPr/>
         </p:nvSpPr>
         <p:spPr>
           <a:xfrm>
-            <a:off x="7581650" y="3241720"/>
+            <a:off x="5226483" y="3192404"/>
             <a:ext cx="836765" cy="835751"/>
           </a:xfrm>
           <a:prstGeom prst="wedgeEllipseCallout">
@@ -6505,13 +6961,13 @@
       </p:sp>
       <p:sp>
         <p:nvSpPr>
-          <p:cNvPr id="30" name="Oval 29"/>
+          <p:cNvPr id="24" name="Oval 23"/>
           <p:cNvSpPr/>
           <p:nvPr/>
         </p:nvSpPr>
         <p:spPr>
           <a:xfrm>
-            <a:off x="7641578" y="3300743"/>
+            <a:off x="5286411" y="3251427"/>
             <a:ext cx="720000" cy="720000"/>
           </a:xfrm>
           <a:prstGeom prst="ellipse">
@@ -6553,13 +7009,13 @@
       </p:sp>
       <p:sp>
         <p:nvSpPr>
-          <p:cNvPr id="32" name="Oval Callout 31"/>
+          <p:cNvPr id="26" name="Oval Callout 25"/>
           <p:cNvSpPr/>
           <p:nvPr/>
         </p:nvSpPr>
         <p:spPr>
           <a:xfrm>
-            <a:off x="8728407" y="3229391"/>
+            <a:off x="6336247" y="3204733"/>
             <a:ext cx="836765" cy="835751"/>
           </a:xfrm>
           <a:prstGeom prst="wedgeEllipseCallout">
@@ -6612,6 +7068,220 @@
       </p:sp>
       <p:sp>
         <p:nvSpPr>
+          <p:cNvPr id="27" name="Oval 26"/>
+          <p:cNvSpPr/>
+          <p:nvPr/>
+        </p:nvSpPr>
+        <p:spPr>
+          <a:xfrm>
+            <a:off x="6396175" y="3263756"/>
+            <a:ext cx="720000" cy="720000"/>
+          </a:xfrm>
+          <a:prstGeom prst="ellipse">
+            <a:avLst/>
+          </a:prstGeom>
+          <a:solidFill>
+            <a:schemeClr val="bg1">
+              <a:lumMod val="95000"/>
+            </a:schemeClr>
+          </a:solidFill>
+          <a:ln>
+            <a:noFill/>
+          </a:ln>
+        </p:spPr>
+        <p:style>
+          <a:lnRef idx="2">
+            <a:schemeClr val="accent1">
+              <a:shade val="50000"/>
+            </a:schemeClr>
+          </a:lnRef>
+          <a:fillRef idx="1">
+            <a:schemeClr val="accent1"/>
+          </a:fillRef>
+          <a:effectRef idx="0">
+            <a:schemeClr val="accent1"/>
+          </a:effectRef>
+          <a:fontRef idx="minor">
+            <a:schemeClr val="lt1"/>
+          </a:fontRef>
+        </p:style>
+        <p:txBody>
+          <a:bodyPr rtlCol="0" anchor="ctr"/>
+          <a:lstStyle/>
+          <a:p>
+            <a:pPr algn="r"/>
+            <a:endParaRPr lang="en-GB"/>
+          </a:p>
+        </p:txBody>
+      </p:sp>
+      <p:sp>
+        <p:nvSpPr>
+          <p:cNvPr id="29" name="Oval Callout 28"/>
+          <p:cNvSpPr/>
+          <p:nvPr/>
+        </p:nvSpPr>
+        <p:spPr>
+          <a:xfrm>
+            <a:off x="7581650" y="3241720"/>
+            <a:ext cx="836765" cy="835751"/>
+          </a:xfrm>
+          <a:prstGeom prst="wedgeEllipseCallout">
+            <a:avLst>
+              <a:gd name="adj1" fmla="val -689"/>
+              <a:gd name="adj2" fmla="val 61297"/>
+            </a:avLst>
+          </a:prstGeom>
+          <a:solidFill>
+            <a:schemeClr val="tx1">
+              <a:lumMod val="65000"/>
+              <a:lumOff val="35000"/>
+            </a:schemeClr>
+          </a:solidFill>
+          <a:ln>
+            <a:noFill/>
+          </a:ln>
+          <a:effectLst>
+            <a:outerShdw blurRad="342900" dist="101600" dir="2700000" sx="83000" sy="83000" algn="tl" rotWithShape="0">
+              <a:prstClr val="black">
+                <a:alpha val="50000"/>
+              </a:prstClr>
+            </a:outerShdw>
+          </a:effectLst>
+        </p:spPr>
+        <p:style>
+          <a:lnRef idx="2">
+            <a:schemeClr val="accent1">
+              <a:shade val="50000"/>
+            </a:schemeClr>
+          </a:lnRef>
+          <a:fillRef idx="1">
+            <a:schemeClr val="accent1"/>
+          </a:fillRef>
+          <a:effectRef idx="0">
+            <a:schemeClr val="accent1"/>
+          </a:effectRef>
+          <a:fontRef idx="minor">
+            <a:schemeClr val="lt1"/>
+          </a:fontRef>
+        </p:style>
+        <p:txBody>
+          <a:bodyPr rtlCol="0" anchor="ctr"/>
+          <a:lstStyle/>
+          <a:p>
+            <a:pPr algn="r"/>
+            <a:endParaRPr lang="en-GB"/>
+          </a:p>
+        </p:txBody>
+      </p:sp>
+      <p:sp>
+        <p:nvSpPr>
+          <p:cNvPr id="30" name="Oval 29"/>
+          <p:cNvSpPr/>
+          <p:nvPr/>
+        </p:nvSpPr>
+        <p:spPr>
+          <a:xfrm>
+            <a:off x="7641578" y="3300743"/>
+            <a:ext cx="720000" cy="720000"/>
+          </a:xfrm>
+          <a:prstGeom prst="ellipse">
+            <a:avLst/>
+          </a:prstGeom>
+          <a:solidFill>
+            <a:schemeClr val="bg1">
+              <a:lumMod val="95000"/>
+            </a:schemeClr>
+          </a:solidFill>
+          <a:ln>
+            <a:noFill/>
+          </a:ln>
+        </p:spPr>
+        <p:style>
+          <a:lnRef idx="2">
+            <a:schemeClr val="accent1">
+              <a:shade val="50000"/>
+            </a:schemeClr>
+          </a:lnRef>
+          <a:fillRef idx="1">
+            <a:schemeClr val="accent1"/>
+          </a:fillRef>
+          <a:effectRef idx="0">
+            <a:schemeClr val="accent1"/>
+          </a:effectRef>
+          <a:fontRef idx="minor">
+            <a:schemeClr val="lt1"/>
+          </a:fontRef>
+        </p:style>
+        <p:txBody>
+          <a:bodyPr rtlCol="0" anchor="ctr"/>
+          <a:lstStyle/>
+          <a:p>
+            <a:pPr algn="r"/>
+            <a:endParaRPr lang="en-GB"/>
+          </a:p>
+        </p:txBody>
+      </p:sp>
+      <p:sp>
+        <p:nvSpPr>
+          <p:cNvPr id="32" name="Oval Callout 31"/>
+          <p:cNvSpPr/>
+          <p:nvPr/>
+        </p:nvSpPr>
+        <p:spPr>
+          <a:xfrm>
+            <a:off x="8728407" y="3229391"/>
+            <a:ext cx="836765" cy="835751"/>
+          </a:xfrm>
+          <a:prstGeom prst="wedgeEllipseCallout">
+            <a:avLst>
+              <a:gd name="adj1" fmla="val -689"/>
+              <a:gd name="adj2" fmla="val 61297"/>
+            </a:avLst>
+          </a:prstGeom>
+          <a:solidFill>
+            <a:schemeClr val="tx1">
+              <a:lumMod val="65000"/>
+              <a:lumOff val="35000"/>
+            </a:schemeClr>
+          </a:solidFill>
+          <a:ln>
+            <a:noFill/>
+          </a:ln>
+          <a:effectLst>
+            <a:outerShdw blurRad="342900" dist="101600" dir="2700000" sx="83000" sy="83000" algn="tl" rotWithShape="0">
+              <a:prstClr val="black">
+                <a:alpha val="50000"/>
+              </a:prstClr>
+            </a:outerShdw>
+          </a:effectLst>
+        </p:spPr>
+        <p:style>
+          <a:lnRef idx="2">
+            <a:schemeClr val="accent1">
+              <a:shade val="50000"/>
+            </a:schemeClr>
+          </a:lnRef>
+          <a:fillRef idx="1">
+            <a:schemeClr val="accent1"/>
+          </a:fillRef>
+          <a:effectRef idx="0">
+            <a:schemeClr val="accent1"/>
+          </a:effectRef>
+          <a:fontRef idx="minor">
+            <a:schemeClr val="lt1"/>
+          </a:fontRef>
+        </p:style>
+        <p:txBody>
+          <a:bodyPr rtlCol="0" anchor="ctr"/>
+          <a:lstStyle/>
+          <a:p>
+            <a:pPr algn="r"/>
+            <a:endParaRPr lang="en-GB"/>
+          </a:p>
+        </p:txBody>
+      </p:sp>
+      <p:sp>
+        <p:nvSpPr>
           <p:cNvPr id="33" name="Oval 32"/>
           <p:cNvSpPr/>
           <p:nvPr/>
@@ -6904,7 +7574,175 @@
 </p:sld>
 </file>
 
-<file path=ppt/slides/slide17.xml><?xml version="1.0" encoding="utf-8"?>
+<file path=ppt/slides/slide2.xml><?xml version="1.0" encoding="utf-8"?>
+<p:sld xmlns:a="http://schemas.openxmlformats.org/drawingml/2006/main" xmlns:r="http://schemas.openxmlformats.org/officeDocument/2006/relationships" xmlns:p="http://schemas.openxmlformats.org/presentationml/2006/main">
+  <p:cSld>
+    <p:spTree>
+      <p:nvGrpSpPr>
+        <p:cNvPr id="1" name=""/>
+        <p:cNvGrpSpPr/>
+        <p:nvPr/>
+      </p:nvGrpSpPr>
+      <p:grpSpPr>
+        <a:xfrm>
+          <a:off x="0" y="0"/>
+          <a:ext cx="0" cy="0"/>
+          <a:chOff x="0" y="0"/>
+          <a:chExt cx="0" cy="0"/>
+        </a:xfrm>
+      </p:grpSpPr>
+      <p:sp>
+        <p:nvSpPr>
+          <p:cNvPr id="4" name="Rectangle 3"/>
+          <p:cNvSpPr/>
+          <p:nvPr/>
+        </p:nvSpPr>
+        <p:spPr>
+          <a:xfrm>
+            <a:off x="2547974" y="303426"/>
+            <a:ext cx="4593744" cy="6336177"/>
+          </a:xfrm>
+          <a:prstGeom prst="rect">
+            <a:avLst/>
+          </a:prstGeom>
+          <a:solidFill>
+            <a:schemeClr val="bg1">
+              <a:lumMod val="95000"/>
+            </a:schemeClr>
+          </a:solidFill>
+          <a:ln w="6350" cmpd="sng">
+            <a:solidFill>
+              <a:schemeClr val="bg1">
+                <a:lumMod val="65000"/>
+              </a:schemeClr>
+            </a:solidFill>
+          </a:ln>
+          <a:effectLst/>
+        </p:spPr>
+        <p:style>
+          <a:lnRef idx="2">
+            <a:schemeClr val="accent1">
+              <a:shade val="50000"/>
+            </a:schemeClr>
+          </a:lnRef>
+          <a:fillRef idx="1">
+            <a:schemeClr val="accent1"/>
+          </a:fillRef>
+          <a:effectRef idx="0">
+            <a:schemeClr val="accent1"/>
+          </a:effectRef>
+          <a:fontRef idx="minor">
+            <a:schemeClr val="lt1"/>
+          </a:fontRef>
+        </p:style>
+        <p:txBody>
+          <a:bodyPr rtlCol="0" anchor="ctr"/>
+          <a:lstStyle/>
+          <a:p>
+            <a:pPr algn="ctr"/>
+            <a:endParaRPr lang="en-GB"/>
+          </a:p>
+        </p:txBody>
+      </p:sp>
+      <p:cxnSp>
+        <p:nvCxnSpPr>
+          <p:cNvPr id="14" name="Straight Connector 13"/>
+          <p:cNvCxnSpPr/>
+          <p:nvPr/>
+        </p:nvCxnSpPr>
+        <p:spPr>
+          <a:xfrm>
+            <a:off x="9948511" y="4050260"/>
+            <a:ext cx="0" cy="1518924"/>
+          </a:xfrm>
+          <a:prstGeom prst="line">
+            <a:avLst/>
+          </a:prstGeom>
+          <a:effectLst>
+            <a:outerShdw blurRad="12700" sx="101000" sy="101000" algn="ctr" rotWithShape="0">
+              <a:prstClr val="black">
+                <a:alpha val="46000"/>
+              </a:prstClr>
+            </a:outerShdw>
+          </a:effectLst>
+        </p:spPr>
+        <p:style>
+          <a:lnRef idx="1">
+            <a:schemeClr val="accent1"/>
+          </a:lnRef>
+          <a:fillRef idx="0">
+            <a:schemeClr val="accent1"/>
+          </a:fillRef>
+          <a:effectRef idx="0">
+            <a:schemeClr val="accent1"/>
+          </a:effectRef>
+          <a:fontRef idx="minor">
+            <a:schemeClr val="tx1"/>
+          </a:fontRef>
+        </p:style>
+      </p:cxnSp>
+      <p:sp>
+        <p:nvSpPr>
+          <p:cNvPr id="27" name="Isosceles Triangle 26"/>
+          <p:cNvSpPr/>
+          <p:nvPr/>
+        </p:nvSpPr>
+        <p:spPr>
+          <a:xfrm rot="10800000">
+            <a:off x="8593493" y="1389537"/>
+            <a:ext cx="989045" cy="607214"/>
+          </a:xfrm>
+          <a:prstGeom prst="triangle">
+            <a:avLst/>
+          </a:prstGeom>
+          <a:noFill/>
+          <a:ln>
+            <a:solidFill>
+              <a:schemeClr val="accent1">
+                <a:lumMod val="75000"/>
+              </a:schemeClr>
+            </a:solidFill>
+          </a:ln>
+        </p:spPr>
+        <p:style>
+          <a:lnRef idx="2">
+            <a:schemeClr val="accent1">
+              <a:shade val="50000"/>
+            </a:schemeClr>
+          </a:lnRef>
+          <a:fillRef idx="1">
+            <a:schemeClr val="accent1"/>
+          </a:fillRef>
+          <a:effectRef idx="0">
+            <a:schemeClr val="accent1"/>
+          </a:effectRef>
+          <a:fontRef idx="minor">
+            <a:schemeClr val="lt1"/>
+          </a:fontRef>
+        </p:style>
+        <p:txBody>
+          <a:bodyPr rtlCol="0" anchor="ctr"/>
+          <a:lstStyle/>
+          <a:p>
+            <a:pPr algn="ctr"/>
+            <a:endParaRPr lang="en-GB"/>
+          </a:p>
+        </p:txBody>
+      </p:sp>
+    </p:spTree>
+    <p:extLst>
+      <p:ext uri="{BB962C8B-B14F-4D97-AF65-F5344CB8AC3E}">
+        <p14:creationId xmlns:p14="http://schemas.microsoft.com/office/powerpoint/2010/main" val="3778822829"/>
+      </p:ext>
+    </p:extLst>
+  </p:cSld>
+  <p:clrMapOvr>
+    <a:masterClrMapping/>
+  </p:clrMapOvr>
+</p:sld>
+</file>
+
+<file path=ppt/slides/slide20.xml><?xml version="1.0" encoding="utf-8"?>
 <p:sld xmlns:a="http://schemas.openxmlformats.org/drawingml/2006/main" xmlns:r="http://schemas.openxmlformats.org/officeDocument/2006/relationships" xmlns:p="http://schemas.openxmlformats.org/presentationml/2006/main">
   <p:cSld>
     <p:bg>
@@ -7155,7 +7993,7 @@
 </p:sld>
 </file>
 
-<file path=ppt/slides/slide18.xml><?xml version="1.0" encoding="utf-8"?>
+<file path=ppt/slides/slide21.xml><?xml version="1.0" encoding="utf-8"?>
 <p:sld xmlns:a="http://schemas.openxmlformats.org/drawingml/2006/main" xmlns:r="http://schemas.openxmlformats.org/officeDocument/2006/relationships" xmlns:p="http://schemas.openxmlformats.org/presentationml/2006/main">
   <p:cSld>
     <p:spTree>
@@ -7544,174 +8382,6 @@
     <p:extLst>
       <p:ext uri="{BB962C8B-B14F-4D97-AF65-F5344CB8AC3E}">
         <p14:creationId xmlns:p14="http://schemas.microsoft.com/office/powerpoint/2010/main" val="1419473128"/>
-      </p:ext>
-    </p:extLst>
-  </p:cSld>
-  <p:clrMapOvr>
-    <a:masterClrMapping/>
-  </p:clrMapOvr>
-</p:sld>
-</file>
-
-<file path=ppt/slides/slide2.xml><?xml version="1.0" encoding="utf-8"?>
-<p:sld xmlns:a="http://schemas.openxmlformats.org/drawingml/2006/main" xmlns:r="http://schemas.openxmlformats.org/officeDocument/2006/relationships" xmlns:p="http://schemas.openxmlformats.org/presentationml/2006/main">
-  <p:cSld>
-    <p:spTree>
-      <p:nvGrpSpPr>
-        <p:cNvPr id="1" name=""/>
-        <p:cNvGrpSpPr/>
-        <p:nvPr/>
-      </p:nvGrpSpPr>
-      <p:grpSpPr>
-        <a:xfrm>
-          <a:off x="0" y="0"/>
-          <a:ext cx="0" cy="0"/>
-          <a:chOff x="0" y="0"/>
-          <a:chExt cx="0" cy="0"/>
-        </a:xfrm>
-      </p:grpSpPr>
-      <p:sp>
-        <p:nvSpPr>
-          <p:cNvPr id="4" name="Rectangle 3"/>
-          <p:cNvSpPr/>
-          <p:nvPr/>
-        </p:nvSpPr>
-        <p:spPr>
-          <a:xfrm>
-            <a:off x="2547974" y="303426"/>
-            <a:ext cx="4593744" cy="6336177"/>
-          </a:xfrm>
-          <a:prstGeom prst="rect">
-            <a:avLst/>
-          </a:prstGeom>
-          <a:solidFill>
-            <a:schemeClr val="bg1">
-              <a:lumMod val="95000"/>
-            </a:schemeClr>
-          </a:solidFill>
-          <a:ln w="6350" cmpd="sng">
-            <a:solidFill>
-              <a:schemeClr val="bg1">
-                <a:lumMod val="65000"/>
-              </a:schemeClr>
-            </a:solidFill>
-          </a:ln>
-          <a:effectLst/>
-        </p:spPr>
-        <p:style>
-          <a:lnRef idx="2">
-            <a:schemeClr val="accent1">
-              <a:shade val="50000"/>
-            </a:schemeClr>
-          </a:lnRef>
-          <a:fillRef idx="1">
-            <a:schemeClr val="accent1"/>
-          </a:fillRef>
-          <a:effectRef idx="0">
-            <a:schemeClr val="accent1"/>
-          </a:effectRef>
-          <a:fontRef idx="minor">
-            <a:schemeClr val="lt1"/>
-          </a:fontRef>
-        </p:style>
-        <p:txBody>
-          <a:bodyPr rtlCol="0" anchor="ctr"/>
-          <a:lstStyle/>
-          <a:p>
-            <a:pPr algn="ctr"/>
-            <a:endParaRPr lang="en-GB"/>
-          </a:p>
-        </p:txBody>
-      </p:sp>
-      <p:cxnSp>
-        <p:nvCxnSpPr>
-          <p:cNvPr id="14" name="Straight Connector 13"/>
-          <p:cNvCxnSpPr/>
-          <p:nvPr/>
-        </p:nvCxnSpPr>
-        <p:spPr>
-          <a:xfrm>
-            <a:off x="9948511" y="4050260"/>
-            <a:ext cx="0" cy="1518924"/>
-          </a:xfrm>
-          <a:prstGeom prst="line">
-            <a:avLst/>
-          </a:prstGeom>
-          <a:effectLst>
-            <a:outerShdw blurRad="12700" sx="101000" sy="101000" algn="ctr" rotWithShape="0">
-              <a:prstClr val="black">
-                <a:alpha val="46000"/>
-              </a:prstClr>
-            </a:outerShdw>
-          </a:effectLst>
-        </p:spPr>
-        <p:style>
-          <a:lnRef idx="1">
-            <a:schemeClr val="accent1"/>
-          </a:lnRef>
-          <a:fillRef idx="0">
-            <a:schemeClr val="accent1"/>
-          </a:fillRef>
-          <a:effectRef idx="0">
-            <a:schemeClr val="accent1"/>
-          </a:effectRef>
-          <a:fontRef idx="minor">
-            <a:schemeClr val="tx1"/>
-          </a:fontRef>
-        </p:style>
-      </p:cxnSp>
-      <p:sp>
-        <p:nvSpPr>
-          <p:cNvPr id="27" name="Isosceles Triangle 26"/>
-          <p:cNvSpPr/>
-          <p:nvPr/>
-        </p:nvSpPr>
-        <p:spPr>
-          <a:xfrm rot="10800000">
-            <a:off x="8593493" y="1389537"/>
-            <a:ext cx="989045" cy="607214"/>
-          </a:xfrm>
-          <a:prstGeom prst="triangle">
-            <a:avLst/>
-          </a:prstGeom>
-          <a:noFill/>
-          <a:ln>
-            <a:solidFill>
-              <a:schemeClr val="accent1">
-                <a:lumMod val="75000"/>
-              </a:schemeClr>
-            </a:solidFill>
-          </a:ln>
-        </p:spPr>
-        <p:style>
-          <a:lnRef idx="2">
-            <a:schemeClr val="accent1">
-              <a:shade val="50000"/>
-            </a:schemeClr>
-          </a:lnRef>
-          <a:fillRef idx="1">
-            <a:schemeClr val="accent1"/>
-          </a:fillRef>
-          <a:effectRef idx="0">
-            <a:schemeClr val="accent1"/>
-          </a:effectRef>
-          <a:fontRef idx="minor">
-            <a:schemeClr val="lt1"/>
-          </a:fontRef>
-        </p:style>
-        <p:txBody>
-          <a:bodyPr rtlCol="0" anchor="ctr"/>
-          <a:lstStyle/>
-          <a:p>
-            <a:pPr algn="ctr"/>
-            <a:endParaRPr lang="en-GB"/>
-          </a:p>
-        </p:txBody>
-      </p:sp>
-    </p:spTree>
-    <p:extLst>
-      <p:ext uri="{BB962C8B-B14F-4D97-AF65-F5344CB8AC3E}">
-        <p14:creationId xmlns:p14="http://schemas.microsoft.com/office/powerpoint/2010/main" val="3778822829"/>
       </p:ext>
     </p:extLst>
   </p:cSld>

--- a/Reitti/Pictures/Pictures.pptx
+++ b/Reitti/Pictures/Pictures.pptx
@@ -3978,7 +3978,7 @@
         <p:spPr>
           <a:xfrm>
             <a:off x="848344" y="1538049"/>
-            <a:ext cx="4194048" cy="4498848"/>
+            <a:ext cx="1245799" cy="1336337"/>
           </a:xfrm>
           <a:prstGeom prst="rect">
             <a:avLst/>
@@ -3993,8 +3993,8 @@
         </p:nvSpPr>
         <p:spPr>
           <a:xfrm>
-            <a:off x="1507694" y="1702186"/>
-            <a:ext cx="2939170" cy="2979042"/>
+            <a:off x="1073234" y="1601914"/>
+            <a:ext cx="814991" cy="884894"/>
           </a:xfrm>
           <a:prstGeom prst="ellipse">
             <a:avLst/>
@@ -4085,8 +4085,8 @@
         </p:blipFill>
         <p:spPr>
           <a:xfrm>
-            <a:off x="2021904" y="2058683"/>
-            <a:ext cx="1888223" cy="1888223"/>
+            <a:off x="1203116" y="1707740"/>
+            <a:ext cx="560877" cy="560877"/>
           </a:xfrm>
           <a:prstGeom prst="rect">
             <a:avLst/>
@@ -4303,6 +4303,36 @@
           <a:xfrm>
             <a:off x="10039528" y="-347771"/>
             <a:ext cx="1791120" cy="1791120"/>
+          </a:xfrm>
+          <a:prstGeom prst="rect">
+            <a:avLst/>
+          </a:prstGeom>
+        </p:spPr>
+      </p:pic>
+      <p:pic>
+        <p:nvPicPr>
+          <p:cNvPr id="3" name="Picture 2" descr="Marker-100.png"/>
+          <p:cNvPicPr>
+            <a:picLocks noChangeAspect="1"/>
+          </p:cNvPicPr>
+          <p:nvPr/>
+        </p:nvPicPr>
+        <p:blipFill>
+          <a:blip r:embed="rId4">
+            <a:extLst>
+              <a:ext uri="{28A0092B-C50C-407E-A947-70E740481C1C}">
+                <a14:useLocalDpi xmlns:a14="http://schemas.microsoft.com/office/drawing/2010/main" val="0"/>
+              </a:ext>
+            </a:extLst>
+          </a:blip>
+          <a:stretch>
+            <a:fillRect/>
+          </a:stretch>
+        </p:blipFill>
+        <p:spPr>
+          <a:xfrm>
+            <a:off x="7382645" y="1941712"/>
+            <a:ext cx="2119195" cy="2119195"/>
           </a:xfrm>
           <a:prstGeom prst="rect">
             <a:avLst/>

--- a/Reitti/Pictures/Pictures.pptx
+++ b/Reitti/Pictures/Pictures.pptx
@@ -5012,7 +5012,7 @@
             <a:avLst/>
           </a:prstGeom>
           <a:solidFill>
-            <a:srgbClr val="239C3D"/>
+            <a:srgbClr val="1F9B39"/>
           </a:solidFill>
           <a:ln w="12700">
             <a:solidFill>

--- a/Reitti/Pictures/Pictures.pptx
+++ b/Reitti/Pictures/Pictures.pptx
@@ -22,16 +22,19 @@
     <p:sldId id="279" r:id="rId16"/>
     <p:sldId id="265" r:id="rId17"/>
     <p:sldId id="270" r:id="rId18"/>
-    <p:sldId id="277" r:id="rId19"/>
-    <p:sldId id="278" r:id="rId20"/>
-    <p:sldId id="274" r:id="rId21"/>
-    <p:sldId id="272" r:id="rId22"/>
-    <p:sldId id="271" r:id="rId23"/>
-    <p:sldId id="266" r:id="rId24"/>
-    <p:sldId id="273" r:id="rId25"/>
-    <p:sldId id="268" r:id="rId26"/>
-    <p:sldId id="267" r:id="rId27"/>
-    <p:sldId id="269" r:id="rId28"/>
+    <p:sldId id="284" r:id="rId19"/>
+    <p:sldId id="277" r:id="rId20"/>
+    <p:sldId id="278" r:id="rId21"/>
+    <p:sldId id="274" r:id="rId22"/>
+    <p:sldId id="272" r:id="rId23"/>
+    <p:sldId id="271" r:id="rId24"/>
+    <p:sldId id="266" r:id="rId25"/>
+    <p:sldId id="273" r:id="rId26"/>
+    <p:sldId id="268" r:id="rId27"/>
+    <p:sldId id="267" r:id="rId28"/>
+    <p:sldId id="269" r:id="rId29"/>
+    <p:sldId id="283" r:id="rId30"/>
+    <p:sldId id="285" r:id="rId31"/>
   </p:sldIdLst>
   <p:sldSz cx="12192000" cy="6858000"/>
   <p:notesSz cx="6858000" cy="9144000"/>
@@ -132,7 +135,7 @@
   </p:defaultTextStyle>
   <p:extLst>
     <p:ext uri="{EFAFB233-063F-42B5-8137-9DF3F51BA10A}">
-      <p15:sldGuideLst xmlns:p15="http://schemas.microsoft.com/office/powerpoint/2012/main">
+      <p15:sldGuideLst xmlns:p15="http://schemas.microsoft.com/office/powerpoint/2012/main" xmlns="">
         <p15:guide id="1" orient="horz" pos="2160" userDrawn="1">
           <p15:clr>
             <a:srgbClr val="A4A3A4"/>
@@ -280,7 +283,7 @@
           <a:p>
             <a:fld id="{447593BF-50A8-4560-8C02-A22D325087EC}" type="datetimeFigureOut">
               <a:rPr lang="en-GB" smtClean="0"/>
-              <a:t>14/05/2015</a:t>
+              <a:t>27/6/15</a:t>
             </a:fld>
             <a:endParaRPr lang="en-GB"/>
           </a:p>
@@ -450,7 +453,7 @@
           <a:p>
             <a:fld id="{447593BF-50A8-4560-8C02-A22D325087EC}" type="datetimeFigureOut">
               <a:rPr lang="en-GB" smtClean="0"/>
-              <a:t>14/05/2015</a:t>
+              <a:t>27/6/15</a:t>
             </a:fld>
             <a:endParaRPr lang="en-GB"/>
           </a:p>
@@ -630,7 +633,7 @@
           <a:p>
             <a:fld id="{447593BF-50A8-4560-8C02-A22D325087EC}" type="datetimeFigureOut">
               <a:rPr lang="en-GB" smtClean="0"/>
-              <a:t>14/05/2015</a:t>
+              <a:t>27/6/15</a:t>
             </a:fld>
             <a:endParaRPr lang="en-GB"/>
           </a:p>
@@ -800,7 +803,7 @@
           <a:p>
             <a:fld id="{447593BF-50A8-4560-8C02-A22D325087EC}" type="datetimeFigureOut">
               <a:rPr lang="en-GB" smtClean="0"/>
-              <a:t>14/05/2015</a:t>
+              <a:t>27/6/15</a:t>
             </a:fld>
             <a:endParaRPr lang="en-GB"/>
           </a:p>
@@ -1046,7 +1049,7 @@
           <a:p>
             <a:fld id="{447593BF-50A8-4560-8C02-A22D325087EC}" type="datetimeFigureOut">
               <a:rPr lang="en-GB" smtClean="0"/>
-              <a:t>14/05/2015</a:t>
+              <a:t>27/6/15</a:t>
             </a:fld>
             <a:endParaRPr lang="en-GB"/>
           </a:p>
@@ -1278,7 +1281,7 @@
           <a:p>
             <a:fld id="{447593BF-50A8-4560-8C02-A22D325087EC}" type="datetimeFigureOut">
               <a:rPr lang="en-GB" smtClean="0"/>
-              <a:t>14/05/2015</a:t>
+              <a:t>27/6/15</a:t>
             </a:fld>
             <a:endParaRPr lang="en-GB"/>
           </a:p>
@@ -1645,7 +1648,7 @@
           <a:p>
             <a:fld id="{447593BF-50A8-4560-8C02-A22D325087EC}" type="datetimeFigureOut">
               <a:rPr lang="en-GB" smtClean="0"/>
-              <a:t>14/05/2015</a:t>
+              <a:t>27/6/15</a:t>
             </a:fld>
             <a:endParaRPr lang="en-GB"/>
           </a:p>
@@ -1763,7 +1766,7 @@
           <a:p>
             <a:fld id="{447593BF-50A8-4560-8C02-A22D325087EC}" type="datetimeFigureOut">
               <a:rPr lang="en-GB" smtClean="0"/>
-              <a:t>14/05/2015</a:t>
+              <a:t>27/6/15</a:t>
             </a:fld>
             <a:endParaRPr lang="en-GB"/>
           </a:p>
@@ -1858,7 +1861,7 @@
           <a:p>
             <a:fld id="{447593BF-50A8-4560-8C02-A22D325087EC}" type="datetimeFigureOut">
               <a:rPr lang="en-GB" smtClean="0"/>
-              <a:t>14/05/2015</a:t>
+              <a:t>27/6/15</a:t>
             </a:fld>
             <a:endParaRPr lang="en-GB"/>
           </a:p>
@@ -2135,7 +2138,7 @@
           <a:p>
             <a:fld id="{447593BF-50A8-4560-8C02-A22D325087EC}" type="datetimeFigureOut">
               <a:rPr lang="en-GB" smtClean="0"/>
-              <a:t>14/05/2015</a:t>
+              <a:t>27/6/15</a:t>
             </a:fld>
             <a:endParaRPr lang="en-GB"/>
           </a:p>
@@ -2388,7 +2391,7 @@
           <a:p>
             <a:fld id="{447593BF-50A8-4560-8C02-A22D325087EC}" type="datetimeFigureOut">
               <a:rPr lang="en-GB" smtClean="0"/>
-              <a:t>14/05/2015</a:t>
+              <a:t>27/6/15</a:t>
             </a:fld>
             <a:endParaRPr lang="en-GB"/>
           </a:p>
@@ -2601,7 +2604,7 @@
           <a:p>
             <a:fld id="{447593BF-50A8-4560-8C02-A22D325087EC}" type="datetimeFigureOut">
               <a:rPr lang="en-GB" smtClean="0"/>
-              <a:t>14/05/2015</a:t>
+              <a:t>27/6/15</a:t>
             </a:fld>
             <a:endParaRPr lang="en-GB"/>
           </a:p>
@@ -3137,7 +3140,7 @@
           <a:noFill/>
           <a:extLst>
             <a:ext uri="{909E8E84-426E-40dd-AFC4-6F175D3DCCD1}">
-              <a14:hiddenFill xmlns:a14="http://schemas.microsoft.com/office/drawing/2010/main" xmlns="">
+              <a14:hiddenFill xmlns:a14="http://schemas.microsoft.com/office/drawing/2010/main">
                 <a:solidFill>
                   <a:srgbClr val="FFFFFF"/>
                 </a:solidFill>
@@ -3509,7 +3512,7 @@
           <a:noFill/>
           <a:extLst>
             <a:ext uri="{909E8E84-426E-40dd-AFC4-6F175D3DCCD1}">
-              <a14:hiddenFill xmlns:a14="http://schemas.microsoft.com/office/drawing/2010/main" xmlns="">
+              <a14:hiddenFill xmlns:a14="http://schemas.microsoft.com/office/drawing/2010/main">
                 <a:solidFill>
                   <a:srgbClr val="FFFFFF"/>
                 </a:solidFill>
@@ -3550,7 +3553,7 @@
           <a:noFill/>
           <a:extLst>
             <a:ext uri="{909E8E84-426E-40dd-AFC4-6F175D3DCCD1}">
-              <a14:hiddenFill xmlns:a14="http://schemas.microsoft.com/office/drawing/2010/main" xmlns="">
+              <a14:hiddenFill xmlns:a14="http://schemas.microsoft.com/office/drawing/2010/main">
                 <a:solidFill>
                   <a:srgbClr val="FFFFFF"/>
                 </a:solidFill>
@@ -9301,7 +9304,7 @@
         </p:nvSpPr>
         <p:spPr>
           <a:xfrm>
-            <a:off x="6427357" y="3323248"/>
+            <a:off x="6333283" y="3291888"/>
             <a:ext cx="216000" cy="324000"/>
           </a:xfrm>
           <a:prstGeom prst="rect">
@@ -10845,126 +10848,32 @@
           </a:p>
         </p:txBody>
       </p:sp>
-      <p:cxnSp>
-        <p:nvCxnSpPr>
-          <p:cNvPr id="3" name="Elbow Connector 2"/>
-          <p:cNvCxnSpPr/>
-          <p:nvPr/>
-        </p:nvCxnSpPr>
-        <p:spPr>
-          <a:xfrm flipV="1">
-            <a:off x="3379434" y="2679700"/>
-            <a:ext cx="6247169" cy="3149600"/>
-          </a:xfrm>
-          <a:prstGeom prst="bentConnector3">
-            <a:avLst>
-              <a:gd name="adj1" fmla="val 67280"/>
-            </a:avLst>
-          </a:prstGeom>
-          <a:ln w="139700">
-            <a:solidFill>
-              <a:srgbClr val="32DC57"/>
-            </a:solidFill>
-          </a:ln>
-        </p:spPr>
-        <p:style>
-          <a:lnRef idx="1">
-            <a:schemeClr val="accent1"/>
-          </a:lnRef>
-          <a:fillRef idx="0">
-            <a:schemeClr val="accent1"/>
-          </a:fillRef>
-          <a:effectRef idx="0">
-            <a:schemeClr val="accent1"/>
-          </a:effectRef>
-          <a:fontRef idx="minor">
-            <a:schemeClr val="tx1"/>
-          </a:fontRef>
-        </p:style>
-      </p:cxnSp>
-      <p:sp>
-        <p:nvSpPr>
-          <p:cNvPr id="7" name="Arc 6"/>
-          <p:cNvSpPr/>
-          <p:nvPr/>
-        </p:nvSpPr>
-        <p:spPr>
-          <a:xfrm>
-            <a:off x="3515710" y="1816100"/>
-            <a:ext cx="4072322" cy="4495800"/>
-          </a:xfrm>
-          <a:prstGeom prst="arc">
-            <a:avLst>
-              <a:gd name="adj1" fmla="val 7487128"/>
-              <a:gd name="adj2" fmla="val 0"/>
-            </a:avLst>
-          </a:prstGeom>
-          <a:ln w="139700">
-            <a:solidFill>
-              <a:srgbClr val="32DC57"/>
-            </a:solidFill>
-          </a:ln>
-        </p:spPr>
-        <p:style>
-          <a:lnRef idx="1">
-            <a:schemeClr val="accent1"/>
-          </a:lnRef>
-          <a:fillRef idx="0">
-            <a:schemeClr val="accent1"/>
-          </a:fillRef>
-          <a:effectRef idx="0">
-            <a:schemeClr val="accent1"/>
-          </a:effectRef>
-          <a:fontRef idx="minor">
-            <a:schemeClr val="tx1"/>
-          </a:fontRef>
-        </p:style>
-        <p:txBody>
-          <a:bodyPr rtlCol="0" anchor="ctr"/>
-          <a:lstStyle/>
-          <a:p>
-            <a:pPr algn="ctr"/>
-            <a:endParaRPr lang="en-US"/>
-          </a:p>
-        </p:txBody>
-      </p:sp>
-      <p:cxnSp>
-        <p:nvCxnSpPr>
-          <p:cNvPr id="9" name="Elbow Connector 8"/>
-          <p:cNvCxnSpPr/>
-          <p:nvPr/>
-        </p:nvCxnSpPr>
-        <p:spPr>
-          <a:xfrm>
-            <a:off x="7556500" y="4446198"/>
-            <a:ext cx="2070103" cy="1865702"/>
-          </a:xfrm>
-          <a:prstGeom prst="bentConnector3">
-            <a:avLst>
-              <a:gd name="adj1" fmla="val 50000"/>
-            </a:avLst>
-          </a:prstGeom>
-          <a:ln w="139700">
-            <a:solidFill>
-              <a:srgbClr val="32DC57"/>
-            </a:solidFill>
-          </a:ln>
-        </p:spPr>
-        <p:style>
-          <a:lnRef idx="1">
-            <a:schemeClr val="accent1"/>
-          </a:lnRef>
-          <a:fillRef idx="0">
-            <a:schemeClr val="accent1"/>
-          </a:fillRef>
-          <a:effectRef idx="0">
-            <a:schemeClr val="accent1"/>
-          </a:effectRef>
-          <a:fontRef idx="minor">
-            <a:schemeClr val="tx1"/>
-          </a:fontRef>
-        </p:style>
-      </p:cxnSp>
+      <p:pic>
+        <p:nvPicPr>
+          <p:cNvPr id="3" name="Picture 2"/>
+          <p:cNvPicPr>
+            <a:picLocks noChangeAspect="1"/>
+          </p:cNvPicPr>
+          <p:nvPr/>
+        </p:nvPicPr>
+        <p:blipFill>
+          <a:blip r:embed="rId2">
+            <a:alphaModFix amt="53000"/>
+          </a:blip>
+          <a:stretch>
+            <a:fillRect/>
+          </a:stretch>
+        </p:blipFill>
+        <p:spPr>
+          <a:xfrm rot="540756">
+            <a:off x="4813374" y="-266918"/>
+            <a:ext cx="5996490" cy="7182573"/>
+          </a:xfrm>
+          <a:prstGeom prst="rect">
+            <a:avLst/>
+          </a:prstGeom>
+        </p:spPr>
+      </p:pic>
       <p:sp>
         <p:nvSpPr>
           <p:cNvPr id="14" name="Rectangle 13"/>
@@ -10973,7 +10882,7 @@
         </p:nvSpPr>
         <p:spPr>
           <a:xfrm>
-            <a:off x="-1107197" y="1249558"/>
+            <a:off x="4508642" y="1213972"/>
             <a:ext cx="3900790" cy="4129491"/>
           </a:xfrm>
           <a:prstGeom prst="rect">
@@ -11020,14 +10929,14 @@
       </p:sp>
       <p:pic>
         <p:nvPicPr>
-          <p:cNvPr id="16" name="Picture 15" descr="ios7-bus-icon-large.png"/>
+          <p:cNvPr id="18" name="Picture 17" descr="ios7-bus-icon-large.png"/>
           <p:cNvPicPr>
             <a:picLocks noChangeAspect="1"/>
           </p:cNvPicPr>
           <p:nvPr/>
         </p:nvPicPr>
         <p:blipFill>
-          <a:blip r:embed="rId2" cstate="print">
+          <a:blip r:embed="rId3" cstate="print">
             <a:extLst>
               <a:ext uri="{28A0092B-C50C-407E-A947-70E740481C1C}">
                 <a14:useLocalDpi xmlns:a14="http://schemas.microsoft.com/office/drawing/2010/main" val="0"/>
@@ -11040,7 +10949,7 @@
         </p:blipFill>
         <p:spPr>
           <a:xfrm>
-            <a:off x="9803066" y="950168"/>
+            <a:off x="4060734" y="1017576"/>
             <a:ext cx="4777867" cy="4777867"/>
           </a:xfrm>
           <a:prstGeom prst="rect">
@@ -11051,7 +10960,7 @@
     </p:spTree>
     <p:extLst>
       <p:ext uri="{BB962C8B-B14F-4D97-AF65-F5344CB8AC3E}">
-        <p14:creationId xmlns:p14="http://schemas.microsoft.com/office/powerpoint/2010/main" val="756898537"/>
+        <p14:creationId xmlns:p14="http://schemas.microsoft.com/office/powerpoint/2010/main" val="3878860746"/>
       </p:ext>
     </p:extLst>
   </p:cSld>
@@ -11132,52 +11041,6 @@
           </a:p>
         </p:txBody>
       </p:sp>
-      <p:sp>
-        <p:nvSpPr>
-          <p:cNvPr id="7" name="Arc 6"/>
-          <p:cNvSpPr/>
-          <p:nvPr/>
-        </p:nvSpPr>
-        <p:spPr>
-          <a:xfrm>
-            <a:off x="3515710" y="1816100"/>
-            <a:ext cx="4072322" cy="4495800"/>
-          </a:xfrm>
-          <a:prstGeom prst="arc">
-            <a:avLst>
-              <a:gd name="adj1" fmla="val 7487128"/>
-              <a:gd name="adj2" fmla="val 0"/>
-            </a:avLst>
-          </a:prstGeom>
-          <a:ln w="139700">
-            <a:solidFill>
-              <a:srgbClr val="22953C"/>
-            </a:solidFill>
-          </a:ln>
-        </p:spPr>
-        <p:style>
-          <a:lnRef idx="1">
-            <a:schemeClr val="accent1"/>
-          </a:lnRef>
-          <a:fillRef idx="0">
-            <a:schemeClr val="accent1"/>
-          </a:fillRef>
-          <a:effectRef idx="0">
-            <a:schemeClr val="accent1"/>
-          </a:effectRef>
-          <a:fontRef idx="minor">
-            <a:schemeClr val="tx1"/>
-          </a:fontRef>
-        </p:style>
-        <p:txBody>
-          <a:bodyPr rtlCol="0" anchor="ctr"/>
-          <a:lstStyle/>
-          <a:p>
-            <a:pPr algn="ctr"/>
-            <a:endParaRPr lang="en-US"/>
-          </a:p>
-        </p:txBody>
-      </p:sp>
       <p:cxnSp>
         <p:nvCxnSpPr>
           <p:cNvPr id="3" name="Elbow Connector 2"/>
@@ -11215,6 +11078,52 @@
           </a:fontRef>
         </p:style>
       </p:cxnSp>
+      <p:sp>
+        <p:nvSpPr>
+          <p:cNvPr id="7" name="Arc 6"/>
+          <p:cNvSpPr/>
+          <p:nvPr/>
+        </p:nvSpPr>
+        <p:spPr>
+          <a:xfrm>
+            <a:off x="3515710" y="1816100"/>
+            <a:ext cx="4072322" cy="4495800"/>
+          </a:xfrm>
+          <a:prstGeom prst="arc">
+            <a:avLst>
+              <a:gd name="adj1" fmla="val 7487128"/>
+              <a:gd name="adj2" fmla="val 0"/>
+            </a:avLst>
+          </a:prstGeom>
+          <a:ln w="139700">
+            <a:solidFill>
+              <a:srgbClr val="32DC57"/>
+            </a:solidFill>
+          </a:ln>
+        </p:spPr>
+        <p:style>
+          <a:lnRef idx="1">
+            <a:schemeClr val="accent1"/>
+          </a:lnRef>
+          <a:fillRef idx="0">
+            <a:schemeClr val="accent1"/>
+          </a:fillRef>
+          <a:effectRef idx="0">
+            <a:schemeClr val="accent1"/>
+          </a:effectRef>
+          <a:fontRef idx="minor">
+            <a:schemeClr val="tx1"/>
+          </a:fontRef>
+        </p:style>
+        <p:txBody>
+          <a:bodyPr rtlCol="0" anchor="ctr"/>
+          <a:lstStyle/>
+          <a:p>
+            <a:pPr algn="ctr"/>
+            <a:endParaRPr lang="en-US"/>
+          </a:p>
+        </p:txBody>
+      </p:sp>
       <p:cxnSp>
         <p:nvCxnSpPr>
           <p:cNvPr id="9" name="Elbow Connector 8"/>
@@ -11260,7 +11169,7 @@
         </p:nvSpPr>
         <p:spPr>
           <a:xfrm>
-            <a:off x="4552623" y="1091900"/>
+            <a:off x="-1107197" y="1249558"/>
             <a:ext cx="3900790" cy="4129491"/>
           </a:xfrm>
           <a:prstGeom prst="rect">
@@ -11272,7 +11181,7 @@
                 <a:srgbClr val="2DC14D"/>
               </a:gs>
               <a:gs pos="100000">
-                <a:srgbClr val="239C3D"/>
+                <a:srgbClr val="24AB44"/>
               </a:gs>
             </a:gsLst>
             <a:lin ang="16500000" scaled="0"/>
@@ -11327,7 +11236,7 @@
         </p:blipFill>
         <p:spPr>
           <a:xfrm>
-            <a:off x="4114084" y="925369"/>
+            <a:off x="9803066" y="950168"/>
             <a:ext cx="4777867" cy="4777867"/>
           </a:xfrm>
           <a:prstGeom prst="rect">
@@ -11338,7 +11247,7 @@
     </p:spTree>
     <p:extLst>
       <p:ext uri="{BB962C8B-B14F-4D97-AF65-F5344CB8AC3E}">
-        <p14:creationId xmlns:p14="http://schemas.microsoft.com/office/powerpoint/2010/main" val="1498617647"/>
+        <p14:creationId xmlns:p14="http://schemas.microsoft.com/office/powerpoint/2010/main" val="756898537"/>
       </p:ext>
     </p:extLst>
   </p:cSld>
@@ -11550,10 +11459,10 @@
           <a:gradFill flip="none" rotWithShape="1">
             <a:gsLst>
               <a:gs pos="0">
-                <a:srgbClr val="22953C"/>
+                <a:srgbClr val="25A24D"/>
               </a:gs>
               <a:gs pos="100000">
-                <a:srgbClr val="27B246"/>
+                <a:srgbClr val="35EF5C"/>
               </a:gs>
             </a:gsLst>
             <a:lin ang="16200000" scaled="0"/>
@@ -11587,16 +11496,189 @@
           </a:p>
         </p:txBody>
       </p:sp>
+      <p:sp>
+        <p:nvSpPr>
+          <p:cNvPr id="7" name="Arc 6"/>
+          <p:cNvSpPr/>
+          <p:nvPr/>
+        </p:nvSpPr>
+        <p:spPr>
+          <a:xfrm>
+            <a:off x="3515710" y="1816100"/>
+            <a:ext cx="4072322" cy="4495800"/>
+          </a:xfrm>
+          <a:prstGeom prst="arc">
+            <a:avLst>
+              <a:gd name="adj1" fmla="val 7487128"/>
+              <a:gd name="adj2" fmla="val 0"/>
+            </a:avLst>
+          </a:prstGeom>
+          <a:ln w="139700">
+            <a:solidFill>
+              <a:srgbClr val="22953C"/>
+            </a:solidFill>
+          </a:ln>
+        </p:spPr>
+        <p:style>
+          <a:lnRef idx="1">
+            <a:schemeClr val="accent1"/>
+          </a:lnRef>
+          <a:fillRef idx="0">
+            <a:schemeClr val="accent1"/>
+          </a:fillRef>
+          <a:effectRef idx="0">
+            <a:schemeClr val="accent1"/>
+          </a:effectRef>
+          <a:fontRef idx="minor">
+            <a:schemeClr val="tx1"/>
+          </a:fontRef>
+        </p:style>
+        <p:txBody>
+          <a:bodyPr rtlCol="0" anchor="ctr"/>
+          <a:lstStyle/>
+          <a:p>
+            <a:pPr algn="ctr"/>
+            <a:endParaRPr lang="en-US"/>
+          </a:p>
+        </p:txBody>
+      </p:sp>
+      <p:cxnSp>
+        <p:nvCxnSpPr>
+          <p:cNvPr id="3" name="Elbow Connector 2"/>
+          <p:cNvCxnSpPr/>
+          <p:nvPr/>
+        </p:nvCxnSpPr>
+        <p:spPr>
+          <a:xfrm flipV="1">
+            <a:off x="3379434" y="2679700"/>
+            <a:ext cx="6247169" cy="3149600"/>
+          </a:xfrm>
+          <a:prstGeom prst="bentConnector3">
+            <a:avLst>
+              <a:gd name="adj1" fmla="val 67280"/>
+            </a:avLst>
+          </a:prstGeom>
+          <a:ln w="139700">
+            <a:solidFill>
+              <a:srgbClr val="32DC57"/>
+            </a:solidFill>
+          </a:ln>
+        </p:spPr>
+        <p:style>
+          <a:lnRef idx="1">
+            <a:schemeClr val="accent1"/>
+          </a:lnRef>
+          <a:fillRef idx="0">
+            <a:schemeClr val="accent1"/>
+          </a:fillRef>
+          <a:effectRef idx="0">
+            <a:schemeClr val="accent1"/>
+          </a:effectRef>
+          <a:fontRef idx="minor">
+            <a:schemeClr val="tx1"/>
+          </a:fontRef>
+        </p:style>
+      </p:cxnSp>
+      <p:cxnSp>
+        <p:nvCxnSpPr>
+          <p:cNvPr id="9" name="Elbow Connector 8"/>
+          <p:cNvCxnSpPr/>
+          <p:nvPr/>
+        </p:nvCxnSpPr>
+        <p:spPr>
+          <a:xfrm>
+            <a:off x="7556500" y="4446198"/>
+            <a:ext cx="2070103" cy="1865702"/>
+          </a:xfrm>
+          <a:prstGeom prst="bentConnector3">
+            <a:avLst>
+              <a:gd name="adj1" fmla="val 50000"/>
+            </a:avLst>
+          </a:prstGeom>
+          <a:ln w="139700">
+            <a:solidFill>
+              <a:srgbClr val="32DC57"/>
+            </a:solidFill>
+          </a:ln>
+        </p:spPr>
+        <p:style>
+          <a:lnRef idx="1">
+            <a:schemeClr val="accent1"/>
+          </a:lnRef>
+          <a:fillRef idx="0">
+            <a:schemeClr val="accent1"/>
+          </a:fillRef>
+          <a:effectRef idx="0">
+            <a:schemeClr val="accent1"/>
+          </a:effectRef>
+          <a:fontRef idx="minor">
+            <a:schemeClr val="tx1"/>
+          </a:fontRef>
+        </p:style>
+      </p:cxnSp>
+      <p:sp>
+        <p:nvSpPr>
+          <p:cNvPr id="14" name="Rectangle 13"/>
+          <p:cNvSpPr/>
+          <p:nvPr/>
+        </p:nvSpPr>
+        <p:spPr>
+          <a:xfrm>
+            <a:off x="4552623" y="1091900"/>
+            <a:ext cx="3900790" cy="4129491"/>
+          </a:xfrm>
+          <a:prstGeom prst="rect">
+            <a:avLst/>
+          </a:prstGeom>
+          <a:gradFill flip="none" rotWithShape="1">
+            <a:gsLst>
+              <a:gs pos="0">
+                <a:srgbClr val="2DC14D"/>
+              </a:gs>
+              <a:gs pos="100000">
+                <a:srgbClr val="239C3D"/>
+              </a:gs>
+            </a:gsLst>
+            <a:lin ang="16500000" scaled="0"/>
+            <a:tileRect/>
+          </a:gradFill>
+          <a:ln>
+            <a:noFill/>
+          </a:ln>
+        </p:spPr>
+        <p:style>
+          <a:lnRef idx="1">
+            <a:schemeClr val="accent1"/>
+          </a:lnRef>
+          <a:fillRef idx="3">
+            <a:schemeClr val="accent1"/>
+          </a:fillRef>
+          <a:effectRef idx="2">
+            <a:schemeClr val="accent1"/>
+          </a:effectRef>
+          <a:fontRef idx="minor">
+            <a:schemeClr val="lt1"/>
+          </a:fontRef>
+        </p:style>
+        <p:txBody>
+          <a:bodyPr rtlCol="0" anchor="ctr"/>
+          <a:lstStyle/>
+          <a:p>
+            <a:pPr algn="ctr"/>
+            <a:endParaRPr lang="en-US"/>
+          </a:p>
+        </p:txBody>
+      </p:sp>
       <p:pic>
         <p:nvPicPr>
-          <p:cNvPr id="3" name="Picture 2" descr="Bus Filled-100 (1).png"/>
+          <p:cNvPr id="16" name="Picture 15" descr="ios7-bus-icon-large.png"/>
           <p:cNvPicPr>
             <a:picLocks noChangeAspect="1"/>
           </p:cNvPicPr>
           <p:nvPr/>
         </p:nvPicPr>
         <p:blipFill>
-          <a:blip r:embed="rId2">
+          <a:blip r:embed="rId2" cstate="print">
             <a:extLst>
               <a:ext uri="{28A0092B-C50C-407E-A947-70E740481C1C}">
                 <a14:useLocalDpi xmlns:a14="http://schemas.microsoft.com/office/drawing/2010/main" val="0"/>
@@ -11609,69 +11691,8 @@
         </p:blipFill>
         <p:spPr>
           <a:xfrm>
-            <a:off x="3940395" y="872173"/>
-            <a:ext cx="4665232" cy="4665232"/>
-          </a:xfrm>
-          <a:prstGeom prst="rect">
-            <a:avLst/>
-          </a:prstGeom>
-        </p:spPr>
-      </p:pic>
-      <p:pic>
-        <p:nvPicPr>
-          <p:cNvPr id="18" name="Picture 17" descr="ios7-bus-icon-large.png"/>
-          <p:cNvPicPr>
-            <a:picLocks noChangeAspect="1"/>
-          </p:cNvPicPr>
-          <p:nvPr/>
-        </p:nvPicPr>
-        <p:blipFill>
-          <a:blip r:embed="rId3" cstate="print">
-            <a:lum bright="70000" contrast="-70000"/>
-            <a:extLst>
-              <a:ext uri="{28A0092B-C50C-407E-A947-70E740481C1C}">
-                <a14:useLocalDpi xmlns:a14="http://schemas.microsoft.com/office/drawing/2010/main" val="0"/>
-              </a:ext>
-            </a:extLst>
-          </a:blip>
-          <a:stretch>
-            <a:fillRect/>
-          </a:stretch>
-        </p:blipFill>
-        <p:spPr>
-          <a:xfrm>
-            <a:off x="4060734" y="1017576"/>
+            <a:off x="4114084" y="925369"/>
             <a:ext cx="4777867" cy="4777867"/>
-          </a:xfrm>
-          <a:prstGeom prst="rect">
-            <a:avLst/>
-          </a:prstGeom>
-        </p:spPr>
-      </p:pic>
-      <p:pic>
-        <p:nvPicPr>
-          <p:cNvPr id="2" name="Picture 1" descr="Bus Filled-100.png"/>
-          <p:cNvPicPr>
-            <a:picLocks noChangeAspect="1"/>
-          </p:cNvPicPr>
-          <p:nvPr/>
-        </p:nvPicPr>
-        <p:blipFill>
-          <a:blip r:embed="rId4">
-            <a:extLst>
-              <a:ext uri="{28A0092B-C50C-407E-A947-70E740481C1C}">
-                <a14:useLocalDpi xmlns:a14="http://schemas.microsoft.com/office/drawing/2010/main" val="0"/>
-              </a:ext>
-            </a:extLst>
-          </a:blip>
-          <a:stretch>
-            <a:fillRect/>
-          </a:stretch>
-        </p:blipFill>
-        <p:spPr>
-          <a:xfrm>
-            <a:off x="4224462" y="1206403"/>
-            <a:ext cx="4575793" cy="4575793"/>
           </a:xfrm>
           <a:prstGeom prst="rect">
             <a:avLst/>
@@ -11681,7 +11702,7 @@
     </p:spTree>
     <p:extLst>
       <p:ext uri="{BB962C8B-B14F-4D97-AF65-F5344CB8AC3E}">
-        <p14:creationId xmlns:p14="http://schemas.microsoft.com/office/powerpoint/2010/main" val="3180826394"/>
+        <p14:creationId xmlns:p14="http://schemas.microsoft.com/office/powerpoint/2010/main" val="1498617647"/>
       </p:ext>
     </p:extLst>
   </p:cSld>
@@ -11708,9 +11729,63 @@
           <a:chExt cx="0" cy="0"/>
         </a:xfrm>
       </p:grpSpPr>
+      <p:sp>
+        <p:nvSpPr>
+          <p:cNvPr id="13" name="Rectangle 12"/>
+          <p:cNvSpPr/>
+          <p:nvPr/>
+        </p:nvSpPr>
+        <p:spPr>
+          <a:xfrm>
+            <a:off x="3379434" y="202402"/>
+            <a:ext cx="6247169" cy="6273400"/>
+          </a:xfrm>
+          <a:prstGeom prst="rect">
+            <a:avLst/>
+          </a:prstGeom>
+          <a:gradFill flip="none" rotWithShape="1">
+            <a:gsLst>
+              <a:gs pos="0">
+                <a:srgbClr val="22953C"/>
+              </a:gs>
+              <a:gs pos="100000">
+                <a:srgbClr val="27B246"/>
+              </a:gs>
+            </a:gsLst>
+            <a:lin ang="16200000" scaled="0"/>
+            <a:tileRect/>
+          </a:gradFill>
+          <a:ln>
+            <a:noFill/>
+          </a:ln>
+          <a:effectLst/>
+        </p:spPr>
+        <p:style>
+          <a:lnRef idx="1">
+            <a:schemeClr val="accent1"/>
+          </a:lnRef>
+          <a:fillRef idx="3">
+            <a:schemeClr val="accent1"/>
+          </a:fillRef>
+          <a:effectRef idx="2">
+            <a:schemeClr val="accent1"/>
+          </a:effectRef>
+          <a:fontRef idx="minor">
+            <a:schemeClr val="lt1"/>
+          </a:fontRef>
+        </p:style>
+        <p:txBody>
+          <a:bodyPr rtlCol="0" anchor="ctr"/>
+          <a:lstStyle/>
+          <a:p>
+            <a:pPr algn="ctr"/>
+            <a:endParaRPr lang="en-US" dirty="0"/>
+          </a:p>
+        </p:txBody>
+      </p:sp>
       <p:pic>
         <p:nvPicPr>
-          <p:cNvPr id="2" name="Picture 1" descr="large-app-icon.png"/>
+          <p:cNvPr id="3" name="Picture 2" descr="Bus Filled-100 (1).png"/>
           <p:cNvPicPr>
             <a:picLocks noChangeAspect="1"/>
           </p:cNvPicPr>
@@ -11730,25 +11805,79 @@
         </p:blipFill>
         <p:spPr>
           <a:xfrm>
-            <a:off x="2971800" y="304800"/>
-            <a:ext cx="6242304" cy="6242304"/>
-          </a:xfrm>
-          <a:prstGeom prst="roundRect">
-            <a:avLst/>
-          </a:prstGeom>
-          <a:effectLst>
-            <a:outerShdw blurRad="50800" dist="114300" dir="5400000" algn="t" rotWithShape="0">
-              <a:prstClr val="black">
-                <a:alpha val="40000"/>
-              </a:prstClr>
-            </a:outerShdw>
-          </a:effectLst>
+            <a:off x="3940395" y="872173"/>
+            <a:ext cx="4665232" cy="4665232"/>
+          </a:xfrm>
+          <a:prstGeom prst="rect">
+            <a:avLst/>
+          </a:prstGeom>
+        </p:spPr>
+      </p:pic>
+      <p:pic>
+        <p:nvPicPr>
+          <p:cNvPr id="18" name="Picture 17" descr="ios7-bus-icon-large.png"/>
+          <p:cNvPicPr>
+            <a:picLocks noChangeAspect="1"/>
+          </p:cNvPicPr>
+          <p:nvPr/>
+        </p:nvPicPr>
+        <p:blipFill>
+          <a:blip r:embed="rId3" cstate="print">
+            <a:lum bright="70000" contrast="-70000"/>
+            <a:extLst>
+              <a:ext uri="{28A0092B-C50C-407E-A947-70E740481C1C}">
+                <a14:useLocalDpi xmlns:a14="http://schemas.microsoft.com/office/drawing/2010/main" val="0"/>
+              </a:ext>
+            </a:extLst>
+          </a:blip>
+          <a:stretch>
+            <a:fillRect/>
+          </a:stretch>
+        </p:blipFill>
+        <p:spPr>
+          <a:xfrm>
+            <a:off x="4060734" y="1017576"/>
+            <a:ext cx="4777867" cy="4777867"/>
+          </a:xfrm>
+          <a:prstGeom prst="rect">
+            <a:avLst/>
+          </a:prstGeom>
+        </p:spPr>
+      </p:pic>
+      <p:pic>
+        <p:nvPicPr>
+          <p:cNvPr id="2" name="Picture 1" descr="Bus Filled-100.png"/>
+          <p:cNvPicPr>
+            <a:picLocks noChangeAspect="1"/>
+          </p:cNvPicPr>
+          <p:nvPr/>
+        </p:nvPicPr>
+        <p:blipFill>
+          <a:blip r:embed="rId4">
+            <a:extLst>
+              <a:ext uri="{28A0092B-C50C-407E-A947-70E740481C1C}">
+                <a14:useLocalDpi xmlns:a14="http://schemas.microsoft.com/office/drawing/2010/main" val="0"/>
+              </a:ext>
+            </a:extLst>
+          </a:blip>
+          <a:stretch>
+            <a:fillRect/>
+          </a:stretch>
+        </p:blipFill>
+        <p:spPr>
+          <a:xfrm>
+            <a:off x="4224462" y="1206403"/>
+            <a:ext cx="4575793" cy="4575793"/>
+          </a:xfrm>
+          <a:prstGeom prst="rect">
+            <a:avLst/>
+          </a:prstGeom>
         </p:spPr>
       </p:pic>
     </p:spTree>
     <p:extLst>
       <p:ext uri="{BB962C8B-B14F-4D97-AF65-F5344CB8AC3E}">
-        <p14:creationId xmlns:p14="http://schemas.microsoft.com/office/powerpoint/2010/main" val="2711746559"/>
+        <p14:creationId xmlns:p14="http://schemas.microsoft.com/office/powerpoint/2010/main" val="3180826394"/>
       </p:ext>
     </p:extLst>
   </p:cSld>
@@ -11777,14 +11906,14 @@
       </p:grpSpPr>
       <p:pic>
         <p:nvPicPr>
-          <p:cNvPr id="4" name="Picture 3" descr="ios7-bus-icon-large.png"/>
+          <p:cNvPr id="2" name="Picture 1" descr="large-app-icon.png"/>
           <p:cNvPicPr>
             <a:picLocks noChangeAspect="1"/>
           </p:cNvPicPr>
           <p:nvPr/>
         </p:nvPicPr>
         <p:blipFill>
-          <a:blip r:embed="rId2" cstate="print">
+          <a:blip r:embed="rId2">
             <a:extLst>
               <a:ext uri="{28A0092B-C50C-407E-A947-70E740481C1C}">
                 <a14:useLocalDpi xmlns:a14="http://schemas.microsoft.com/office/drawing/2010/main" val="0"/>
@@ -11797,18 +11926,25 @@
         </p:blipFill>
         <p:spPr>
           <a:xfrm>
-            <a:off x="3214094" y="2193569"/>
-            <a:ext cx="4777867" cy="4777867"/>
-          </a:xfrm>
-          <a:prstGeom prst="rect">
-            <a:avLst/>
-          </a:prstGeom>
+            <a:off x="2971800" y="304800"/>
+            <a:ext cx="6242304" cy="6242304"/>
+          </a:xfrm>
+          <a:prstGeom prst="roundRect">
+            <a:avLst/>
+          </a:prstGeom>
+          <a:effectLst>
+            <a:outerShdw blurRad="50800" dist="114300" dir="5400000" algn="t" rotWithShape="0">
+              <a:prstClr val="black">
+                <a:alpha val="40000"/>
+              </a:prstClr>
+            </a:outerShdw>
+          </a:effectLst>
         </p:spPr>
       </p:pic>
     </p:spTree>
     <p:extLst>
       <p:ext uri="{BB962C8B-B14F-4D97-AF65-F5344CB8AC3E}">
-        <p14:creationId xmlns:p14="http://schemas.microsoft.com/office/powerpoint/2010/main" val="1688909965"/>
+        <p14:creationId xmlns:p14="http://schemas.microsoft.com/office/powerpoint/2010/main" val="2711746559"/>
       </p:ext>
     </p:extLst>
   </p:cSld>
@@ -11835,230 +11971,16 @@
           <a:chExt cx="0" cy="0"/>
         </a:xfrm>
       </p:grpSpPr>
-      <p:sp>
-        <p:nvSpPr>
-          <p:cNvPr id="14" name="Oval Callout 13"/>
-          <p:cNvSpPr/>
-          <p:nvPr/>
-        </p:nvSpPr>
-        <p:spPr>
-          <a:xfrm>
-            <a:off x="1868095" y="3113978"/>
-            <a:ext cx="836765" cy="835751"/>
-          </a:xfrm>
-          <a:prstGeom prst="wedgeEllipseCallout">
-            <a:avLst>
-              <a:gd name="adj1" fmla="val -689"/>
-              <a:gd name="adj2" fmla="val 61297"/>
-            </a:avLst>
-          </a:prstGeom>
-          <a:solidFill>
-            <a:schemeClr val="tx1">
-              <a:lumMod val="65000"/>
-              <a:lumOff val="35000"/>
-            </a:schemeClr>
-          </a:solidFill>
-          <a:ln>
-            <a:noFill/>
-          </a:ln>
-          <a:effectLst>
-            <a:outerShdw blurRad="342900" dist="101600" dir="2700000" sx="83000" sy="83000" algn="tl" rotWithShape="0">
-              <a:prstClr val="black">
-                <a:alpha val="50000"/>
-              </a:prstClr>
-            </a:outerShdw>
-          </a:effectLst>
-        </p:spPr>
-        <p:style>
-          <a:lnRef idx="2">
-            <a:schemeClr val="accent1">
-              <a:shade val="50000"/>
-            </a:schemeClr>
-          </a:lnRef>
-          <a:fillRef idx="1">
-            <a:schemeClr val="accent1"/>
-          </a:fillRef>
-          <a:effectRef idx="0">
-            <a:schemeClr val="accent1"/>
-          </a:effectRef>
-          <a:fontRef idx="minor">
-            <a:schemeClr val="lt1"/>
-          </a:fontRef>
-        </p:style>
-        <p:txBody>
-          <a:bodyPr rtlCol="0" anchor="ctr"/>
-          <a:lstStyle/>
-          <a:p>
-            <a:pPr algn="r"/>
-            <a:endParaRPr lang="en-GB"/>
-          </a:p>
-        </p:txBody>
-      </p:sp>
-      <p:sp>
-        <p:nvSpPr>
-          <p:cNvPr id="15" name="Oval 14"/>
-          <p:cNvSpPr/>
-          <p:nvPr/>
-        </p:nvSpPr>
-        <p:spPr>
-          <a:xfrm>
-            <a:off x="1928023" y="3173001"/>
-            <a:ext cx="720000" cy="720000"/>
-          </a:xfrm>
-          <a:prstGeom prst="ellipse">
-            <a:avLst/>
-          </a:prstGeom>
-          <a:solidFill>
-            <a:schemeClr val="bg1">
-              <a:lumMod val="95000"/>
-            </a:schemeClr>
-          </a:solidFill>
-          <a:ln>
-            <a:noFill/>
-          </a:ln>
-        </p:spPr>
-        <p:style>
-          <a:lnRef idx="2">
-            <a:schemeClr val="accent1">
-              <a:shade val="50000"/>
-            </a:schemeClr>
-          </a:lnRef>
-          <a:fillRef idx="1">
-            <a:schemeClr val="accent1"/>
-          </a:fillRef>
-          <a:effectRef idx="0">
-            <a:schemeClr val="accent1"/>
-          </a:effectRef>
-          <a:fontRef idx="minor">
-            <a:schemeClr val="lt1"/>
-          </a:fontRef>
-        </p:style>
-        <p:txBody>
-          <a:bodyPr rtlCol="0" anchor="ctr"/>
-          <a:lstStyle/>
-          <a:p>
-            <a:pPr algn="r"/>
-            <a:endParaRPr lang="en-GB"/>
-          </a:p>
-        </p:txBody>
-      </p:sp>
-      <p:sp>
-        <p:nvSpPr>
-          <p:cNvPr id="13" name="Oval Callout 12"/>
-          <p:cNvSpPr/>
-          <p:nvPr/>
-        </p:nvSpPr>
-        <p:spPr>
-          <a:xfrm>
-            <a:off x="1863663" y="1839640"/>
-            <a:ext cx="836765" cy="835751"/>
-          </a:xfrm>
-          <a:prstGeom prst="wedgeEllipseCallout">
-            <a:avLst>
-              <a:gd name="adj1" fmla="val -689"/>
-              <a:gd name="adj2" fmla="val 61297"/>
-            </a:avLst>
-          </a:prstGeom>
-          <a:solidFill>
-            <a:schemeClr val="tx1">
-              <a:lumMod val="65000"/>
-              <a:lumOff val="35000"/>
-            </a:schemeClr>
-          </a:solidFill>
-          <a:ln>
-            <a:noFill/>
-          </a:ln>
-          <a:effectLst>
-            <a:outerShdw blurRad="400050" dist="114300" dir="2700000" sx="88000" sy="88000" algn="tl" rotWithShape="0">
-              <a:prstClr val="black">
-                <a:alpha val="50000"/>
-              </a:prstClr>
-            </a:outerShdw>
-          </a:effectLst>
-        </p:spPr>
-        <p:style>
-          <a:lnRef idx="2">
-            <a:schemeClr val="accent1">
-              <a:shade val="50000"/>
-            </a:schemeClr>
-          </a:lnRef>
-          <a:fillRef idx="1">
-            <a:schemeClr val="accent1"/>
-          </a:fillRef>
-          <a:effectRef idx="0">
-            <a:schemeClr val="accent1"/>
-          </a:effectRef>
-          <a:fontRef idx="minor">
-            <a:schemeClr val="lt1"/>
-          </a:fontRef>
-        </p:style>
-        <p:txBody>
-          <a:bodyPr rtlCol="0" anchor="ctr"/>
-          <a:lstStyle/>
-          <a:p>
-            <a:pPr algn="ctr"/>
-            <a:endParaRPr lang="en-GB"/>
-          </a:p>
-        </p:txBody>
-      </p:sp>
-      <p:sp>
-        <p:nvSpPr>
-          <p:cNvPr id="5" name="Oval 4"/>
-          <p:cNvSpPr/>
-          <p:nvPr/>
-        </p:nvSpPr>
-        <p:spPr>
-          <a:xfrm>
-            <a:off x="1948253" y="1923322"/>
-            <a:ext cx="665862" cy="653437"/>
-          </a:xfrm>
-          <a:prstGeom prst="ellipse">
-            <a:avLst/>
-          </a:prstGeom>
-          <a:solidFill>
-            <a:schemeClr val="bg1">
-              <a:lumMod val="95000"/>
-            </a:schemeClr>
-          </a:solidFill>
-          <a:ln>
-            <a:noFill/>
-          </a:ln>
-        </p:spPr>
-        <p:style>
-          <a:lnRef idx="2">
-            <a:schemeClr val="accent1">
-              <a:shade val="50000"/>
-            </a:schemeClr>
-          </a:lnRef>
-          <a:fillRef idx="1">
-            <a:schemeClr val="accent1"/>
-          </a:fillRef>
-          <a:effectRef idx="0">
-            <a:schemeClr val="accent1"/>
-          </a:effectRef>
-          <a:fontRef idx="minor">
-            <a:schemeClr val="lt1"/>
-          </a:fontRef>
-        </p:style>
-        <p:txBody>
-          <a:bodyPr rtlCol="0" anchor="ctr"/>
-          <a:lstStyle/>
-          <a:p>
-            <a:pPr algn="ctr"/>
-            <a:endParaRPr lang="en-GB"/>
-          </a:p>
-        </p:txBody>
-      </p:sp>
       <p:pic>
         <p:nvPicPr>
-          <p:cNvPr id="16" name="Picture 15" descr="bus-128.png"/>
+          <p:cNvPr id="4" name="Picture 3" descr="ios7-bus-icon-large.png"/>
           <p:cNvPicPr>
             <a:picLocks noChangeAspect="1"/>
           </p:cNvPicPr>
           <p:nvPr/>
         </p:nvPicPr>
         <p:blipFill>
-          <a:blip r:embed="rId2">
+          <a:blip r:embed="rId2" cstate="print">
             <a:extLst>
               <a:ext uri="{28A0092B-C50C-407E-A947-70E740481C1C}">
                 <a14:useLocalDpi xmlns:a14="http://schemas.microsoft.com/office/drawing/2010/main" val="0"/>
@@ -12071,294 +11993,8 @@
         </p:blipFill>
         <p:spPr>
           <a:xfrm>
-            <a:off x="2027885" y="1999749"/>
-            <a:ext cx="499913" cy="499913"/>
-          </a:xfrm>
-          <a:prstGeom prst="rect">
-            <a:avLst/>
-          </a:prstGeom>
-        </p:spPr>
-      </p:pic>
-      <p:sp>
-        <p:nvSpPr>
-          <p:cNvPr id="8" name="Oval Callout 7"/>
-          <p:cNvSpPr/>
-          <p:nvPr/>
-        </p:nvSpPr>
-        <p:spPr>
-          <a:xfrm>
-            <a:off x="5023795" y="1904710"/>
-            <a:ext cx="2650344" cy="2661468"/>
-          </a:xfrm>
-          <a:prstGeom prst="wedgeEllipseCallout">
-            <a:avLst>
-              <a:gd name="adj1" fmla="val -689"/>
-              <a:gd name="adj2" fmla="val 61297"/>
-            </a:avLst>
-          </a:prstGeom>
-          <a:solidFill>
-            <a:schemeClr val="tx1">
-              <a:lumMod val="65000"/>
-              <a:lumOff val="35000"/>
-            </a:schemeClr>
-          </a:solidFill>
-          <a:ln>
-            <a:noFill/>
-          </a:ln>
-          <a:effectLst>
-            <a:outerShdw blurRad="746125" dist="114300" dir="2700000" sx="101000" sy="101000" algn="tl" rotWithShape="0">
-              <a:prstClr val="black">
-                <a:alpha val="50000"/>
-              </a:prstClr>
-            </a:outerShdw>
-          </a:effectLst>
-        </p:spPr>
-        <p:style>
-          <a:lnRef idx="2">
-            <a:schemeClr val="accent1">
-              <a:shade val="50000"/>
-            </a:schemeClr>
-          </a:lnRef>
-          <a:fillRef idx="1">
-            <a:schemeClr val="accent1"/>
-          </a:fillRef>
-          <a:effectRef idx="0">
-            <a:schemeClr val="accent1"/>
-          </a:effectRef>
-          <a:fontRef idx="minor">
-            <a:schemeClr val="lt1"/>
-          </a:fontRef>
-        </p:style>
-        <p:txBody>
-          <a:bodyPr rtlCol="0" anchor="ctr"/>
-          <a:lstStyle/>
-          <a:p>
-            <a:pPr algn="ctr"/>
-            <a:endParaRPr lang="en-GB"/>
-          </a:p>
-        </p:txBody>
-      </p:sp>
-      <p:sp>
-        <p:nvSpPr>
-          <p:cNvPr id="9" name="Oval 8"/>
-          <p:cNvSpPr/>
-          <p:nvPr/>
-        </p:nvSpPr>
-        <p:spPr>
-          <a:xfrm>
-            <a:off x="5097017" y="1977090"/>
-            <a:ext cx="2515469" cy="2502786"/>
-          </a:xfrm>
-          <a:prstGeom prst="ellipse">
-            <a:avLst/>
-          </a:prstGeom>
-          <a:solidFill>
-            <a:schemeClr val="bg1">
-              <a:lumMod val="95000"/>
-            </a:schemeClr>
-          </a:solidFill>
-          <a:ln>
-            <a:noFill/>
-          </a:ln>
-        </p:spPr>
-        <p:style>
-          <a:lnRef idx="2">
-            <a:schemeClr val="accent1">
-              <a:shade val="50000"/>
-            </a:schemeClr>
-          </a:lnRef>
-          <a:fillRef idx="1">
-            <a:schemeClr val="accent1"/>
-          </a:fillRef>
-          <a:effectRef idx="0">
-            <a:schemeClr val="accent1"/>
-          </a:effectRef>
-          <a:fontRef idx="minor">
-            <a:schemeClr val="lt1"/>
-          </a:fontRef>
-        </p:style>
-        <p:txBody>
-          <a:bodyPr rtlCol="0" anchor="ctr"/>
-          <a:lstStyle/>
-          <a:p>
-            <a:pPr algn="ctr"/>
-            <a:endParaRPr lang="en-GB"/>
-          </a:p>
-        </p:txBody>
-      </p:sp>
-      <p:sp>
-        <p:nvSpPr>
-          <p:cNvPr id="11" name="Oval Callout 10"/>
-          <p:cNvSpPr/>
-          <p:nvPr/>
-        </p:nvSpPr>
-        <p:spPr>
-          <a:xfrm>
-            <a:off x="8258875" y="1970807"/>
-            <a:ext cx="2650344" cy="2661468"/>
-          </a:xfrm>
-          <a:prstGeom prst="wedgeEllipseCallout">
-            <a:avLst>
-              <a:gd name="adj1" fmla="val -689"/>
-              <a:gd name="adj2" fmla="val 61297"/>
-            </a:avLst>
-          </a:prstGeom>
-          <a:solidFill>
-            <a:schemeClr val="tx1">
-              <a:lumMod val="65000"/>
-              <a:lumOff val="35000"/>
-            </a:schemeClr>
-          </a:solidFill>
-          <a:ln>
-            <a:noFill/>
-          </a:ln>
-          <a:effectLst>
-            <a:outerShdw blurRad="400050" dist="114300" dir="2700000" sx="96000" sy="96000" algn="tl" rotWithShape="0">
-              <a:prstClr val="black">
-                <a:alpha val="50000"/>
-              </a:prstClr>
-            </a:outerShdw>
-          </a:effectLst>
-        </p:spPr>
-        <p:style>
-          <a:lnRef idx="2">
-            <a:schemeClr val="accent1">
-              <a:shade val="50000"/>
-            </a:schemeClr>
-          </a:lnRef>
-          <a:fillRef idx="1">
-            <a:schemeClr val="accent1"/>
-          </a:fillRef>
-          <a:effectRef idx="0">
-            <a:schemeClr val="accent1"/>
-          </a:effectRef>
-          <a:fontRef idx="minor">
-            <a:schemeClr val="lt1"/>
-          </a:fontRef>
-        </p:style>
-        <p:txBody>
-          <a:bodyPr rtlCol="0" anchor="ctr"/>
-          <a:lstStyle/>
-          <a:p>
-            <a:pPr algn="ctr"/>
-            <a:endParaRPr lang="en-GB"/>
-          </a:p>
-        </p:txBody>
-      </p:sp>
-      <p:sp>
-        <p:nvSpPr>
-          <p:cNvPr id="12" name="Oval 11"/>
-          <p:cNvSpPr/>
-          <p:nvPr/>
-        </p:nvSpPr>
-        <p:spPr>
-          <a:xfrm>
-            <a:off x="8356759" y="2067845"/>
-            <a:ext cx="2469613" cy="2456894"/>
-          </a:xfrm>
-          <a:prstGeom prst="ellipse">
-            <a:avLst/>
-          </a:prstGeom>
-          <a:solidFill>
-            <a:schemeClr val="bg1">
-              <a:lumMod val="95000"/>
-            </a:schemeClr>
-          </a:solidFill>
-          <a:ln>
-            <a:noFill/>
-          </a:ln>
-        </p:spPr>
-        <p:style>
-          <a:lnRef idx="2">
-            <a:schemeClr val="accent1">
-              <a:shade val="50000"/>
-            </a:schemeClr>
-          </a:lnRef>
-          <a:fillRef idx="1">
-            <a:schemeClr val="accent1"/>
-          </a:fillRef>
-          <a:effectRef idx="0">
-            <a:schemeClr val="accent1"/>
-          </a:effectRef>
-          <a:fontRef idx="minor">
-            <a:schemeClr val="lt1"/>
-          </a:fontRef>
-        </p:style>
-        <p:txBody>
-          <a:bodyPr rtlCol="0" anchor="ctr"/>
-          <a:lstStyle/>
-          <a:p>
-            <a:pPr algn="ctr"/>
-            <a:endParaRPr lang="en-GB"/>
-          </a:p>
-        </p:txBody>
-      </p:sp>
-      <p:pic>
-        <p:nvPicPr>
-          <p:cNvPr id="3" name="Picture 2"/>
-          <p:cNvPicPr>
-            <a:picLocks noChangeAspect="1"/>
-          </p:cNvPicPr>
-          <p:nvPr/>
-        </p:nvPicPr>
-        <p:blipFill>
-          <a:blip r:embed="rId3"/>
-          <a:stretch>
-            <a:fillRect/>
-          </a:stretch>
-        </p:blipFill>
-        <p:spPr>
-          <a:xfrm>
-            <a:off x="5456858" y="2321217"/>
-            <a:ext cx="1784336" cy="1784336"/>
-          </a:xfrm>
-          <a:prstGeom prst="rect">
-            <a:avLst/>
-          </a:prstGeom>
-        </p:spPr>
-      </p:pic>
-      <p:pic>
-        <p:nvPicPr>
-          <p:cNvPr id="7" name="Picture 6"/>
-          <p:cNvPicPr>
-            <a:picLocks noChangeAspect="1"/>
-          </p:cNvPicPr>
-          <p:nvPr/>
-        </p:nvPicPr>
-        <p:blipFill>
-          <a:blip r:embed="rId4"/>
-          <a:stretch>
-            <a:fillRect/>
-          </a:stretch>
-        </p:blipFill>
-        <p:spPr>
-          <a:xfrm>
-            <a:off x="8724524" y="2395191"/>
-            <a:ext cx="1747349" cy="1747349"/>
-          </a:xfrm>
-          <a:prstGeom prst="rect">
-            <a:avLst/>
-          </a:prstGeom>
-        </p:spPr>
-      </p:pic>
-      <p:pic>
-        <p:nvPicPr>
-          <p:cNvPr id="2" name="Picture 1"/>
-          <p:cNvPicPr>
-            <a:picLocks noChangeAspect="1"/>
-          </p:cNvPicPr>
-          <p:nvPr/>
-        </p:nvPicPr>
-        <p:blipFill>
-          <a:blip r:embed="rId5"/>
-          <a:stretch>
-            <a:fillRect/>
-          </a:stretch>
-        </p:blipFill>
-        <p:spPr>
-          <a:xfrm>
-            <a:off x="2037491" y="3279282"/>
-            <a:ext cx="493388" cy="493388"/>
+            <a:off x="3214094" y="2193569"/>
+            <a:ext cx="4777867" cy="4777867"/>
           </a:xfrm>
           <a:prstGeom prst="rect">
             <a:avLst/>
@@ -12368,7 +12004,7 @@
     </p:spTree>
     <p:extLst>
       <p:ext uri="{BB962C8B-B14F-4D97-AF65-F5344CB8AC3E}">
-        <p14:creationId xmlns:p14="http://schemas.microsoft.com/office/powerpoint/2010/main" val="1684569039"/>
+        <p14:creationId xmlns:p14="http://schemas.microsoft.com/office/powerpoint/2010/main" val="1688909965"/>
       </p:ext>
     </p:extLst>
   </p:cSld>
@@ -12879,77 +12515,56 @@
       </p:pic>
       <p:pic>
         <p:nvPicPr>
-          <p:cNvPr id="4" name="Picture 3" descr="Finland_road_sign_531.svg.png"/>
+          <p:cNvPr id="7" name="Picture 6"/>
           <p:cNvPicPr>
             <a:picLocks noChangeAspect="1"/>
           </p:cNvPicPr>
           <p:nvPr/>
         </p:nvPicPr>
-        <p:blipFill rotWithShape="1">
-          <a:blip r:embed="rId4">
-            <a:extLst>
-              <a:ext uri="{28A0092B-C50C-407E-A947-70E740481C1C}">
-                <a14:useLocalDpi xmlns:a14="http://schemas.microsoft.com/office/drawing/2010/main" val="0"/>
-              </a:ext>
-            </a:extLst>
-          </a:blip>
-          <a:srcRect l="2671" t="3065" r="2544" b="4489"/>
-          <a:stretch/>
+        <p:blipFill>
+          <a:blip r:embed="rId4"/>
+          <a:stretch>
+            <a:fillRect/>
+          </a:stretch>
         </p:blipFill>
         <p:spPr>
           <a:xfrm>
-            <a:off x="8670215" y="2806704"/>
-            <a:ext cx="1848573" cy="987833"/>
-          </a:xfrm>
-          <a:prstGeom prst="roundRect">
-            <a:avLst>
-              <a:gd name="adj" fmla="val 13656"/>
-            </a:avLst>
+            <a:off x="8724524" y="2395191"/>
+            <a:ext cx="1747349" cy="1747349"/>
+          </a:xfrm>
+          <a:prstGeom prst="rect">
+            <a:avLst/>
           </a:prstGeom>
         </p:spPr>
       </p:pic>
       <p:pic>
         <p:nvPicPr>
-          <p:cNvPr id="18" name="Picture 17" descr="Finland_road_sign_531.svg.png"/>
+          <p:cNvPr id="2" name="Picture 1"/>
           <p:cNvPicPr>
             <a:picLocks noChangeAspect="1"/>
           </p:cNvPicPr>
           <p:nvPr/>
         </p:nvPicPr>
-        <p:blipFill rotWithShape="1">
-          <a:blip r:embed="rId4">
-            <a:duotone>
-              <a:schemeClr val="accent1">
-                <a:shade val="45000"/>
-                <a:satMod val="135000"/>
-              </a:schemeClr>
-              <a:prstClr val="white"/>
-            </a:duotone>
-            <a:extLst>
-              <a:ext uri="{28A0092B-C50C-407E-A947-70E740481C1C}">
-                <a14:useLocalDpi xmlns:a14="http://schemas.microsoft.com/office/drawing/2010/main" val="0"/>
-              </a:ext>
-            </a:extLst>
-          </a:blip>
-          <a:srcRect l="2671" t="3065" r="2544" b="4489"/>
-          <a:stretch/>
+        <p:blipFill>
+          <a:blip r:embed="rId5"/>
+          <a:stretch>
+            <a:fillRect/>
+          </a:stretch>
         </p:blipFill>
         <p:spPr>
           <a:xfrm>
-            <a:off x="1986785" y="3377062"/>
-            <a:ext cx="605185" cy="323397"/>
-          </a:xfrm>
-          <a:prstGeom prst="roundRect">
-            <a:avLst>
-              <a:gd name="adj" fmla="val 13656"/>
-            </a:avLst>
+            <a:off x="2037491" y="3279282"/>
+            <a:ext cx="493388" cy="493388"/>
+          </a:xfrm>
+          <a:prstGeom prst="rect">
+            <a:avLst/>
           </a:prstGeom>
         </p:spPr>
       </p:pic>
     </p:spTree>
     <p:extLst>
       <p:ext uri="{BB962C8B-B14F-4D97-AF65-F5344CB8AC3E}">
-        <p14:creationId xmlns:p14="http://schemas.microsoft.com/office/powerpoint/2010/main" val="1966949671"/>
+        <p14:creationId xmlns:p14="http://schemas.microsoft.com/office/powerpoint/2010/main" val="1684569039"/>
       </p:ext>
     </p:extLst>
   </p:cSld>
@@ -13085,6 +12700,587 @@
       </p:sp>
       <p:sp>
         <p:nvSpPr>
+          <p:cNvPr id="13" name="Oval Callout 12"/>
+          <p:cNvSpPr/>
+          <p:nvPr/>
+        </p:nvSpPr>
+        <p:spPr>
+          <a:xfrm>
+            <a:off x="1863663" y="1839640"/>
+            <a:ext cx="836765" cy="835751"/>
+          </a:xfrm>
+          <a:prstGeom prst="wedgeEllipseCallout">
+            <a:avLst>
+              <a:gd name="adj1" fmla="val -689"/>
+              <a:gd name="adj2" fmla="val 61297"/>
+            </a:avLst>
+          </a:prstGeom>
+          <a:solidFill>
+            <a:schemeClr val="tx1">
+              <a:lumMod val="65000"/>
+              <a:lumOff val="35000"/>
+            </a:schemeClr>
+          </a:solidFill>
+          <a:ln>
+            <a:noFill/>
+          </a:ln>
+          <a:effectLst>
+            <a:outerShdw blurRad="400050" dist="114300" dir="2700000" sx="88000" sy="88000" algn="tl" rotWithShape="0">
+              <a:prstClr val="black">
+                <a:alpha val="50000"/>
+              </a:prstClr>
+            </a:outerShdw>
+          </a:effectLst>
+        </p:spPr>
+        <p:style>
+          <a:lnRef idx="2">
+            <a:schemeClr val="accent1">
+              <a:shade val="50000"/>
+            </a:schemeClr>
+          </a:lnRef>
+          <a:fillRef idx="1">
+            <a:schemeClr val="accent1"/>
+          </a:fillRef>
+          <a:effectRef idx="0">
+            <a:schemeClr val="accent1"/>
+          </a:effectRef>
+          <a:fontRef idx="minor">
+            <a:schemeClr val="lt1"/>
+          </a:fontRef>
+        </p:style>
+        <p:txBody>
+          <a:bodyPr rtlCol="0" anchor="ctr"/>
+          <a:lstStyle/>
+          <a:p>
+            <a:pPr algn="ctr"/>
+            <a:endParaRPr lang="en-GB"/>
+          </a:p>
+        </p:txBody>
+      </p:sp>
+      <p:sp>
+        <p:nvSpPr>
+          <p:cNvPr id="5" name="Oval 4"/>
+          <p:cNvSpPr/>
+          <p:nvPr/>
+        </p:nvSpPr>
+        <p:spPr>
+          <a:xfrm>
+            <a:off x="1948253" y="1923322"/>
+            <a:ext cx="665862" cy="653437"/>
+          </a:xfrm>
+          <a:prstGeom prst="ellipse">
+            <a:avLst/>
+          </a:prstGeom>
+          <a:solidFill>
+            <a:schemeClr val="bg1">
+              <a:lumMod val="95000"/>
+            </a:schemeClr>
+          </a:solidFill>
+          <a:ln>
+            <a:noFill/>
+          </a:ln>
+        </p:spPr>
+        <p:style>
+          <a:lnRef idx="2">
+            <a:schemeClr val="accent1">
+              <a:shade val="50000"/>
+            </a:schemeClr>
+          </a:lnRef>
+          <a:fillRef idx="1">
+            <a:schemeClr val="accent1"/>
+          </a:fillRef>
+          <a:effectRef idx="0">
+            <a:schemeClr val="accent1"/>
+          </a:effectRef>
+          <a:fontRef idx="minor">
+            <a:schemeClr val="lt1"/>
+          </a:fontRef>
+        </p:style>
+        <p:txBody>
+          <a:bodyPr rtlCol="0" anchor="ctr"/>
+          <a:lstStyle/>
+          <a:p>
+            <a:pPr algn="ctr"/>
+            <a:endParaRPr lang="en-GB"/>
+          </a:p>
+        </p:txBody>
+      </p:sp>
+      <p:pic>
+        <p:nvPicPr>
+          <p:cNvPr id="16" name="Picture 15" descr="bus-128.png"/>
+          <p:cNvPicPr>
+            <a:picLocks noChangeAspect="1"/>
+          </p:cNvPicPr>
+          <p:nvPr/>
+        </p:nvPicPr>
+        <p:blipFill>
+          <a:blip r:embed="rId2">
+            <a:extLst>
+              <a:ext uri="{28A0092B-C50C-407E-A947-70E740481C1C}">
+                <a14:useLocalDpi xmlns:a14="http://schemas.microsoft.com/office/drawing/2010/main" val="0"/>
+              </a:ext>
+            </a:extLst>
+          </a:blip>
+          <a:stretch>
+            <a:fillRect/>
+          </a:stretch>
+        </p:blipFill>
+        <p:spPr>
+          <a:xfrm>
+            <a:off x="2027885" y="1999749"/>
+            <a:ext cx="499913" cy="499913"/>
+          </a:xfrm>
+          <a:prstGeom prst="rect">
+            <a:avLst/>
+          </a:prstGeom>
+        </p:spPr>
+      </p:pic>
+      <p:sp>
+        <p:nvSpPr>
+          <p:cNvPr id="8" name="Oval Callout 7"/>
+          <p:cNvSpPr/>
+          <p:nvPr/>
+        </p:nvSpPr>
+        <p:spPr>
+          <a:xfrm>
+            <a:off x="5023795" y="1904710"/>
+            <a:ext cx="2650344" cy="2661468"/>
+          </a:xfrm>
+          <a:prstGeom prst="wedgeEllipseCallout">
+            <a:avLst>
+              <a:gd name="adj1" fmla="val -689"/>
+              <a:gd name="adj2" fmla="val 61297"/>
+            </a:avLst>
+          </a:prstGeom>
+          <a:solidFill>
+            <a:schemeClr val="tx1">
+              <a:lumMod val="65000"/>
+              <a:lumOff val="35000"/>
+            </a:schemeClr>
+          </a:solidFill>
+          <a:ln>
+            <a:noFill/>
+          </a:ln>
+          <a:effectLst>
+            <a:outerShdw blurRad="746125" dist="114300" dir="2700000" sx="101000" sy="101000" algn="tl" rotWithShape="0">
+              <a:prstClr val="black">
+                <a:alpha val="50000"/>
+              </a:prstClr>
+            </a:outerShdw>
+          </a:effectLst>
+        </p:spPr>
+        <p:style>
+          <a:lnRef idx="2">
+            <a:schemeClr val="accent1">
+              <a:shade val="50000"/>
+            </a:schemeClr>
+          </a:lnRef>
+          <a:fillRef idx="1">
+            <a:schemeClr val="accent1"/>
+          </a:fillRef>
+          <a:effectRef idx="0">
+            <a:schemeClr val="accent1"/>
+          </a:effectRef>
+          <a:fontRef idx="minor">
+            <a:schemeClr val="lt1"/>
+          </a:fontRef>
+        </p:style>
+        <p:txBody>
+          <a:bodyPr rtlCol="0" anchor="ctr"/>
+          <a:lstStyle/>
+          <a:p>
+            <a:pPr algn="ctr"/>
+            <a:endParaRPr lang="en-GB"/>
+          </a:p>
+        </p:txBody>
+      </p:sp>
+      <p:sp>
+        <p:nvSpPr>
+          <p:cNvPr id="9" name="Oval 8"/>
+          <p:cNvSpPr/>
+          <p:nvPr/>
+        </p:nvSpPr>
+        <p:spPr>
+          <a:xfrm>
+            <a:off x="5097017" y="1977090"/>
+            <a:ext cx="2515469" cy="2502786"/>
+          </a:xfrm>
+          <a:prstGeom prst="ellipse">
+            <a:avLst/>
+          </a:prstGeom>
+          <a:solidFill>
+            <a:schemeClr val="bg1">
+              <a:lumMod val="95000"/>
+            </a:schemeClr>
+          </a:solidFill>
+          <a:ln>
+            <a:noFill/>
+          </a:ln>
+        </p:spPr>
+        <p:style>
+          <a:lnRef idx="2">
+            <a:schemeClr val="accent1">
+              <a:shade val="50000"/>
+            </a:schemeClr>
+          </a:lnRef>
+          <a:fillRef idx="1">
+            <a:schemeClr val="accent1"/>
+          </a:fillRef>
+          <a:effectRef idx="0">
+            <a:schemeClr val="accent1"/>
+          </a:effectRef>
+          <a:fontRef idx="minor">
+            <a:schemeClr val="lt1"/>
+          </a:fontRef>
+        </p:style>
+        <p:txBody>
+          <a:bodyPr rtlCol="0" anchor="ctr"/>
+          <a:lstStyle/>
+          <a:p>
+            <a:pPr algn="ctr"/>
+            <a:endParaRPr lang="en-GB"/>
+          </a:p>
+        </p:txBody>
+      </p:sp>
+      <p:sp>
+        <p:nvSpPr>
+          <p:cNvPr id="11" name="Oval Callout 10"/>
+          <p:cNvSpPr/>
+          <p:nvPr/>
+        </p:nvSpPr>
+        <p:spPr>
+          <a:xfrm>
+            <a:off x="8258875" y="1970807"/>
+            <a:ext cx="2650344" cy="2661468"/>
+          </a:xfrm>
+          <a:prstGeom prst="wedgeEllipseCallout">
+            <a:avLst>
+              <a:gd name="adj1" fmla="val -689"/>
+              <a:gd name="adj2" fmla="val 61297"/>
+            </a:avLst>
+          </a:prstGeom>
+          <a:solidFill>
+            <a:schemeClr val="tx1">
+              <a:lumMod val="65000"/>
+              <a:lumOff val="35000"/>
+            </a:schemeClr>
+          </a:solidFill>
+          <a:ln>
+            <a:noFill/>
+          </a:ln>
+          <a:effectLst>
+            <a:outerShdw blurRad="400050" dist="114300" dir="2700000" sx="96000" sy="96000" algn="tl" rotWithShape="0">
+              <a:prstClr val="black">
+                <a:alpha val="50000"/>
+              </a:prstClr>
+            </a:outerShdw>
+          </a:effectLst>
+        </p:spPr>
+        <p:style>
+          <a:lnRef idx="2">
+            <a:schemeClr val="accent1">
+              <a:shade val="50000"/>
+            </a:schemeClr>
+          </a:lnRef>
+          <a:fillRef idx="1">
+            <a:schemeClr val="accent1"/>
+          </a:fillRef>
+          <a:effectRef idx="0">
+            <a:schemeClr val="accent1"/>
+          </a:effectRef>
+          <a:fontRef idx="minor">
+            <a:schemeClr val="lt1"/>
+          </a:fontRef>
+        </p:style>
+        <p:txBody>
+          <a:bodyPr rtlCol="0" anchor="ctr"/>
+          <a:lstStyle/>
+          <a:p>
+            <a:pPr algn="ctr"/>
+            <a:endParaRPr lang="en-GB"/>
+          </a:p>
+        </p:txBody>
+      </p:sp>
+      <p:sp>
+        <p:nvSpPr>
+          <p:cNvPr id="12" name="Oval 11"/>
+          <p:cNvSpPr/>
+          <p:nvPr/>
+        </p:nvSpPr>
+        <p:spPr>
+          <a:xfrm>
+            <a:off x="8356759" y="2067845"/>
+            <a:ext cx="2469613" cy="2456894"/>
+          </a:xfrm>
+          <a:prstGeom prst="ellipse">
+            <a:avLst/>
+          </a:prstGeom>
+          <a:solidFill>
+            <a:schemeClr val="bg1">
+              <a:lumMod val="95000"/>
+            </a:schemeClr>
+          </a:solidFill>
+          <a:ln>
+            <a:noFill/>
+          </a:ln>
+        </p:spPr>
+        <p:style>
+          <a:lnRef idx="2">
+            <a:schemeClr val="accent1">
+              <a:shade val="50000"/>
+            </a:schemeClr>
+          </a:lnRef>
+          <a:fillRef idx="1">
+            <a:schemeClr val="accent1"/>
+          </a:fillRef>
+          <a:effectRef idx="0">
+            <a:schemeClr val="accent1"/>
+          </a:effectRef>
+          <a:fontRef idx="minor">
+            <a:schemeClr val="lt1"/>
+          </a:fontRef>
+        </p:style>
+        <p:txBody>
+          <a:bodyPr rtlCol="0" anchor="ctr"/>
+          <a:lstStyle/>
+          <a:p>
+            <a:pPr algn="ctr"/>
+            <a:endParaRPr lang="en-GB"/>
+          </a:p>
+        </p:txBody>
+      </p:sp>
+      <p:pic>
+        <p:nvPicPr>
+          <p:cNvPr id="3" name="Picture 2"/>
+          <p:cNvPicPr>
+            <a:picLocks noChangeAspect="1"/>
+          </p:cNvPicPr>
+          <p:nvPr/>
+        </p:nvPicPr>
+        <p:blipFill>
+          <a:blip r:embed="rId3"/>
+          <a:stretch>
+            <a:fillRect/>
+          </a:stretch>
+        </p:blipFill>
+        <p:spPr>
+          <a:xfrm>
+            <a:off x="5456858" y="2321217"/>
+            <a:ext cx="1784336" cy="1784336"/>
+          </a:xfrm>
+          <a:prstGeom prst="rect">
+            <a:avLst/>
+          </a:prstGeom>
+        </p:spPr>
+      </p:pic>
+      <p:pic>
+        <p:nvPicPr>
+          <p:cNvPr id="4" name="Picture 3" descr="Finland_road_sign_531.svg.png"/>
+          <p:cNvPicPr>
+            <a:picLocks noChangeAspect="1"/>
+          </p:cNvPicPr>
+          <p:nvPr/>
+        </p:nvPicPr>
+        <p:blipFill rotWithShape="1">
+          <a:blip r:embed="rId4">
+            <a:extLst>
+              <a:ext uri="{28A0092B-C50C-407E-A947-70E740481C1C}">
+                <a14:useLocalDpi xmlns:a14="http://schemas.microsoft.com/office/drawing/2010/main" val="0"/>
+              </a:ext>
+            </a:extLst>
+          </a:blip>
+          <a:srcRect l="2671" t="3065" r="2544" b="4489"/>
+          <a:stretch/>
+        </p:blipFill>
+        <p:spPr>
+          <a:xfrm>
+            <a:off x="8670215" y="2806704"/>
+            <a:ext cx="1848573" cy="987833"/>
+          </a:xfrm>
+          <a:prstGeom prst="roundRect">
+            <a:avLst>
+              <a:gd name="adj" fmla="val 13656"/>
+            </a:avLst>
+          </a:prstGeom>
+        </p:spPr>
+      </p:pic>
+      <p:pic>
+        <p:nvPicPr>
+          <p:cNvPr id="18" name="Picture 17" descr="Finland_road_sign_531.svg.png"/>
+          <p:cNvPicPr>
+            <a:picLocks noChangeAspect="1"/>
+          </p:cNvPicPr>
+          <p:nvPr/>
+        </p:nvPicPr>
+        <p:blipFill rotWithShape="1">
+          <a:blip r:embed="rId4">
+            <a:duotone>
+              <a:schemeClr val="accent1">
+                <a:shade val="45000"/>
+                <a:satMod val="135000"/>
+              </a:schemeClr>
+              <a:prstClr val="white"/>
+            </a:duotone>
+            <a:extLst>
+              <a:ext uri="{28A0092B-C50C-407E-A947-70E740481C1C}">
+                <a14:useLocalDpi xmlns:a14="http://schemas.microsoft.com/office/drawing/2010/main" val="0"/>
+              </a:ext>
+            </a:extLst>
+          </a:blip>
+          <a:srcRect l="2671" t="3065" r="2544" b="4489"/>
+          <a:stretch/>
+        </p:blipFill>
+        <p:spPr>
+          <a:xfrm>
+            <a:off x="1986785" y="3377062"/>
+            <a:ext cx="605185" cy="323397"/>
+          </a:xfrm>
+          <a:prstGeom prst="roundRect">
+            <a:avLst>
+              <a:gd name="adj" fmla="val 13656"/>
+            </a:avLst>
+          </a:prstGeom>
+        </p:spPr>
+      </p:pic>
+    </p:spTree>
+    <p:extLst>
+      <p:ext uri="{BB962C8B-B14F-4D97-AF65-F5344CB8AC3E}">
+        <p14:creationId xmlns:p14="http://schemas.microsoft.com/office/powerpoint/2010/main" val="1966949671"/>
+      </p:ext>
+    </p:extLst>
+  </p:cSld>
+  <p:clrMapOvr>
+    <a:masterClrMapping/>
+  </p:clrMapOvr>
+</p:sld>
+</file>
+
+<file path=ppt/slides/slide26.xml><?xml version="1.0" encoding="utf-8"?>
+<p:sld xmlns:a="http://schemas.openxmlformats.org/drawingml/2006/main" xmlns:r="http://schemas.openxmlformats.org/officeDocument/2006/relationships" xmlns:p="http://schemas.openxmlformats.org/presentationml/2006/main">
+  <p:cSld>
+    <p:spTree>
+      <p:nvGrpSpPr>
+        <p:cNvPr id="1" name=""/>
+        <p:cNvGrpSpPr/>
+        <p:nvPr/>
+      </p:nvGrpSpPr>
+      <p:grpSpPr>
+        <a:xfrm>
+          <a:off x="0" y="0"/>
+          <a:ext cx="0" cy="0"/>
+          <a:chOff x="0" y="0"/>
+          <a:chExt cx="0" cy="0"/>
+        </a:xfrm>
+      </p:grpSpPr>
+      <p:sp>
+        <p:nvSpPr>
+          <p:cNvPr id="14" name="Oval Callout 13"/>
+          <p:cNvSpPr/>
+          <p:nvPr/>
+        </p:nvSpPr>
+        <p:spPr>
+          <a:xfrm>
+            <a:off x="1868095" y="3113978"/>
+            <a:ext cx="836765" cy="835751"/>
+          </a:xfrm>
+          <a:prstGeom prst="wedgeEllipseCallout">
+            <a:avLst>
+              <a:gd name="adj1" fmla="val -689"/>
+              <a:gd name="adj2" fmla="val 61297"/>
+            </a:avLst>
+          </a:prstGeom>
+          <a:solidFill>
+            <a:schemeClr val="tx1">
+              <a:lumMod val="65000"/>
+              <a:lumOff val="35000"/>
+            </a:schemeClr>
+          </a:solidFill>
+          <a:ln>
+            <a:noFill/>
+          </a:ln>
+          <a:effectLst>
+            <a:outerShdw blurRad="342900" dist="101600" dir="2700000" sx="83000" sy="83000" algn="tl" rotWithShape="0">
+              <a:prstClr val="black">
+                <a:alpha val="50000"/>
+              </a:prstClr>
+            </a:outerShdw>
+          </a:effectLst>
+        </p:spPr>
+        <p:style>
+          <a:lnRef idx="2">
+            <a:schemeClr val="accent1">
+              <a:shade val="50000"/>
+            </a:schemeClr>
+          </a:lnRef>
+          <a:fillRef idx="1">
+            <a:schemeClr val="accent1"/>
+          </a:fillRef>
+          <a:effectRef idx="0">
+            <a:schemeClr val="accent1"/>
+          </a:effectRef>
+          <a:fontRef idx="minor">
+            <a:schemeClr val="lt1"/>
+          </a:fontRef>
+        </p:style>
+        <p:txBody>
+          <a:bodyPr rtlCol="0" anchor="ctr"/>
+          <a:lstStyle/>
+          <a:p>
+            <a:pPr algn="r"/>
+            <a:endParaRPr lang="en-GB"/>
+          </a:p>
+        </p:txBody>
+      </p:sp>
+      <p:sp>
+        <p:nvSpPr>
+          <p:cNvPr id="15" name="Oval 14"/>
+          <p:cNvSpPr/>
+          <p:nvPr/>
+        </p:nvSpPr>
+        <p:spPr>
+          <a:xfrm>
+            <a:off x="1928023" y="3173001"/>
+            <a:ext cx="720000" cy="720000"/>
+          </a:xfrm>
+          <a:prstGeom prst="ellipse">
+            <a:avLst/>
+          </a:prstGeom>
+          <a:solidFill>
+            <a:schemeClr val="bg1">
+              <a:lumMod val="95000"/>
+            </a:schemeClr>
+          </a:solidFill>
+          <a:ln>
+            <a:noFill/>
+          </a:ln>
+        </p:spPr>
+        <p:style>
+          <a:lnRef idx="2">
+            <a:schemeClr val="accent1">
+              <a:shade val="50000"/>
+            </a:schemeClr>
+          </a:lnRef>
+          <a:fillRef idx="1">
+            <a:schemeClr val="accent1"/>
+          </a:fillRef>
+          <a:effectRef idx="0">
+            <a:schemeClr val="accent1"/>
+          </a:effectRef>
+          <a:fontRef idx="minor">
+            <a:schemeClr val="lt1"/>
+          </a:fontRef>
+        </p:style>
+        <p:txBody>
+          <a:bodyPr rtlCol="0" anchor="ctr"/>
+          <a:lstStyle/>
+          <a:p>
+            <a:pPr algn="r"/>
+            <a:endParaRPr lang="en-GB"/>
+          </a:p>
+        </p:txBody>
+      </p:sp>
+      <p:sp>
+        <p:nvSpPr>
           <p:cNvPr id="17" name="Oval Callout 16"/>
           <p:cNvSpPr/>
           <p:nvPr/>
@@ -13995,7 +14191,7 @@
 </p:sld>
 </file>
 
-<file path=ppt/slides/slide26.xml><?xml version="1.0" encoding="utf-8"?>
+<file path=ppt/slides/slide27.xml><?xml version="1.0" encoding="utf-8"?>
 <p:sld xmlns:a="http://schemas.openxmlformats.org/drawingml/2006/main" xmlns:r="http://schemas.openxmlformats.org/officeDocument/2006/relationships" xmlns:p="http://schemas.openxmlformats.org/presentationml/2006/main">
   <p:cSld>
     <p:bg>
@@ -14270,6 +14466,43 @@
           </a:fontRef>
         </p:style>
       </p:cxnSp>
+      <p:cxnSp>
+        <p:nvCxnSpPr>
+          <p:cNvPr id="10" name="Straight Connector 9"/>
+          <p:cNvCxnSpPr/>
+          <p:nvPr/>
+        </p:nvCxnSpPr>
+        <p:spPr>
+          <a:xfrm>
+            <a:off x="2635305" y="3115809"/>
+            <a:ext cx="1" cy="1511999"/>
+          </a:xfrm>
+          <a:prstGeom prst="line">
+            <a:avLst/>
+          </a:prstGeom>
+          <a:ln w="38100" cmpd="sng">
+            <a:solidFill>
+              <a:srgbClr val="434343"/>
+            </a:solidFill>
+            <a:prstDash val="sysDash"/>
+          </a:ln>
+          <a:effectLst/>
+        </p:spPr>
+        <p:style>
+          <a:lnRef idx="2">
+            <a:schemeClr val="accent1"/>
+          </a:lnRef>
+          <a:fillRef idx="0">
+            <a:schemeClr val="accent1"/>
+          </a:fillRef>
+          <a:effectRef idx="1">
+            <a:schemeClr val="accent1"/>
+          </a:effectRef>
+          <a:fontRef idx="minor">
+            <a:schemeClr val="tx1"/>
+          </a:fontRef>
+        </p:style>
+      </p:cxnSp>
     </p:spTree>
     <p:extLst>
       <p:ext uri="{BB962C8B-B14F-4D97-AF65-F5344CB8AC3E}">
@@ -14283,7 +14516,7 @@
 </p:sld>
 </file>
 
-<file path=ppt/slides/slide27.xml><?xml version="1.0" encoding="utf-8"?>
+<file path=ppt/slides/slide28.xml><?xml version="1.0" encoding="utf-8"?>
 <p:sld xmlns:a="http://schemas.openxmlformats.org/drawingml/2006/main" xmlns:r="http://schemas.openxmlformats.org/officeDocument/2006/relationships" xmlns:p="http://schemas.openxmlformats.org/presentationml/2006/main">
   <p:cSld>
     <p:spTree>
@@ -14681,6 +14914,1724 @@
 </p:sld>
 </file>
 
+<file path=ppt/slides/slide29.xml><?xml version="1.0" encoding="utf-8"?>
+<p:sld xmlns:a="http://schemas.openxmlformats.org/drawingml/2006/main" xmlns:r="http://schemas.openxmlformats.org/officeDocument/2006/relationships" xmlns:p="http://schemas.openxmlformats.org/presentationml/2006/main">
+  <p:cSld>
+    <p:spTree>
+      <p:nvGrpSpPr>
+        <p:cNvPr id="1" name=""/>
+        <p:cNvGrpSpPr/>
+        <p:nvPr/>
+      </p:nvGrpSpPr>
+      <p:grpSpPr>
+        <a:xfrm>
+          <a:off x="0" y="0"/>
+          <a:ext cx="0" cy="0"/>
+          <a:chOff x="0" y="0"/>
+          <a:chExt cx="0" cy="0"/>
+        </a:xfrm>
+      </p:grpSpPr>
+      <p:sp>
+        <p:nvSpPr>
+          <p:cNvPr id="26" name="Freeform 25"/>
+          <p:cNvSpPr/>
+          <p:nvPr/>
+        </p:nvSpPr>
+        <p:spPr>
+          <a:xfrm>
+            <a:off x="7125730" y="5587513"/>
+            <a:ext cx="304800" cy="162498"/>
+          </a:xfrm>
+          <a:custGeom>
+            <a:avLst/>
+            <a:gdLst>
+              <a:gd name="connsiteX0" fmla="*/ 0 w 304800"/>
+              <a:gd name="connsiteY0" fmla="*/ 38930 h 162498"/>
+              <a:gd name="connsiteX1" fmla="*/ 148281 w 304800"/>
+              <a:gd name="connsiteY1" fmla="*/ 5979 h 162498"/>
+              <a:gd name="connsiteX2" fmla="*/ 205946 w 304800"/>
+              <a:gd name="connsiteY2" fmla="*/ 146022 h 162498"/>
+              <a:gd name="connsiteX3" fmla="*/ 304800 w 304800"/>
+              <a:gd name="connsiteY3" fmla="*/ 162498 h 162498"/>
+            </a:gdLst>
+            <a:ahLst/>
+            <a:cxnLst>
+              <a:cxn ang="0">
+                <a:pos x="connsiteX0" y="connsiteY0"/>
+              </a:cxn>
+              <a:cxn ang="0">
+                <a:pos x="connsiteX1" y="connsiteY1"/>
+              </a:cxn>
+              <a:cxn ang="0">
+                <a:pos x="connsiteX2" y="connsiteY2"/>
+              </a:cxn>
+              <a:cxn ang="0">
+                <a:pos x="connsiteX3" y="connsiteY3"/>
+              </a:cxn>
+            </a:cxnLst>
+            <a:rect l="l" t="t" r="r" b="b"/>
+            <a:pathLst>
+              <a:path w="304800" h="162498">
+                <a:moveTo>
+                  <a:pt x="0" y="38930"/>
+                </a:moveTo>
+                <a:cubicBezTo>
+                  <a:pt x="56978" y="13530"/>
+                  <a:pt x="113957" y="-11870"/>
+                  <a:pt x="148281" y="5979"/>
+                </a:cubicBezTo>
+                <a:cubicBezTo>
+                  <a:pt x="182605" y="23828"/>
+                  <a:pt x="179860" y="119936"/>
+                  <a:pt x="205946" y="146022"/>
+                </a:cubicBezTo>
+                <a:cubicBezTo>
+                  <a:pt x="232032" y="172108"/>
+                  <a:pt x="260865" y="126801"/>
+                  <a:pt x="304800" y="162498"/>
+                </a:cubicBezTo>
+              </a:path>
+            </a:pathLst>
+          </a:custGeom>
+          <a:noFill/>
+          <a:ln>
+            <a:solidFill>
+              <a:schemeClr val="bg1">
+                <a:lumMod val="65000"/>
+              </a:schemeClr>
+            </a:solidFill>
+            <a:prstDash val="sysDash"/>
+          </a:ln>
+        </p:spPr>
+        <p:style>
+          <a:lnRef idx="2">
+            <a:schemeClr val="accent1">
+              <a:shade val="50000"/>
+            </a:schemeClr>
+          </a:lnRef>
+          <a:fillRef idx="1">
+            <a:schemeClr val="accent1"/>
+          </a:fillRef>
+          <a:effectRef idx="0">
+            <a:schemeClr val="accent1"/>
+          </a:effectRef>
+          <a:fontRef idx="minor">
+            <a:schemeClr val="lt1"/>
+          </a:fontRef>
+        </p:style>
+        <p:txBody>
+          <a:bodyPr rtlCol="0" anchor="ctr"/>
+          <a:lstStyle/>
+          <a:p>
+            <a:pPr algn="ctr"/>
+            <a:endParaRPr lang="en-GB"/>
+          </a:p>
+        </p:txBody>
+      </p:sp>
+      <p:sp>
+        <p:nvSpPr>
+          <p:cNvPr id="25" name="Freeform 24"/>
+          <p:cNvSpPr/>
+          <p:nvPr/>
+        </p:nvSpPr>
+        <p:spPr>
+          <a:xfrm>
+            <a:off x="4209535" y="5847218"/>
+            <a:ext cx="331676" cy="137160"/>
+          </a:xfrm>
+          <a:custGeom>
+            <a:avLst/>
+            <a:gdLst>
+              <a:gd name="connsiteX0" fmla="*/ 0 w 388620"/>
+              <a:gd name="connsiteY0" fmla="*/ 0 h 266700"/>
+              <a:gd name="connsiteX1" fmla="*/ 388620 w 388620"/>
+              <a:gd name="connsiteY1" fmla="*/ 266700 h 266700"/>
+            </a:gdLst>
+            <a:ahLst/>
+            <a:cxnLst>
+              <a:cxn ang="0">
+                <a:pos x="connsiteX0" y="connsiteY0"/>
+              </a:cxn>
+              <a:cxn ang="0">
+                <a:pos x="connsiteX1" y="connsiteY1"/>
+              </a:cxn>
+            </a:cxnLst>
+            <a:rect l="l" t="t" r="r" b="b"/>
+            <a:pathLst>
+              <a:path w="388620" h="266700">
+                <a:moveTo>
+                  <a:pt x="0" y="0"/>
+                </a:moveTo>
+                <a:cubicBezTo>
+                  <a:pt x="131445" y="118110"/>
+                  <a:pt x="262890" y="236220"/>
+                  <a:pt x="388620" y="266700"/>
+                </a:cubicBezTo>
+              </a:path>
+            </a:pathLst>
+          </a:custGeom>
+          <a:noFill/>
+          <a:ln w="28575">
+            <a:solidFill>
+              <a:schemeClr val="bg1">
+                <a:lumMod val="65000"/>
+              </a:schemeClr>
+            </a:solidFill>
+            <a:prstDash val="sysDash"/>
+          </a:ln>
+        </p:spPr>
+        <p:style>
+          <a:lnRef idx="2">
+            <a:schemeClr val="accent1">
+              <a:shade val="50000"/>
+            </a:schemeClr>
+          </a:lnRef>
+          <a:fillRef idx="1">
+            <a:schemeClr val="accent1"/>
+          </a:fillRef>
+          <a:effectRef idx="0">
+            <a:schemeClr val="accent1"/>
+          </a:effectRef>
+          <a:fontRef idx="minor">
+            <a:schemeClr val="lt1"/>
+          </a:fontRef>
+        </p:style>
+        <p:txBody>
+          <a:bodyPr rtlCol="0" anchor="ctr"/>
+          <a:lstStyle/>
+          <a:p>
+            <a:pPr algn="ctr"/>
+            <a:endParaRPr lang="en-GB"/>
+          </a:p>
+        </p:txBody>
+      </p:sp>
+      <p:pic>
+        <p:nvPicPr>
+          <p:cNvPr id="24" name="Picture 23"/>
+          <p:cNvPicPr>
+            <a:picLocks noChangeAspect="1"/>
+          </p:cNvPicPr>
+          <p:nvPr/>
+        </p:nvPicPr>
+        <p:blipFill>
+          <a:blip r:embed="rId2">
+            <a:extLst>
+              <a:ext uri="{28A0092B-C50C-407E-A947-70E740481C1C}">
+                <a14:useLocalDpi xmlns:a14="http://schemas.microsoft.com/office/drawing/2010/main" val="0"/>
+              </a:ext>
+            </a:extLst>
+          </a:blip>
+          <a:stretch>
+            <a:fillRect/>
+          </a:stretch>
+        </p:blipFill>
+        <p:spPr>
+          <a:xfrm>
+            <a:off x="4044109" y="5035327"/>
+            <a:ext cx="662528" cy="662528"/>
+          </a:xfrm>
+          <a:prstGeom prst="rect">
+            <a:avLst/>
+          </a:prstGeom>
+        </p:spPr>
+      </p:pic>
+      <p:pic>
+        <p:nvPicPr>
+          <p:cNvPr id="23" name="Picture 22"/>
+          <p:cNvPicPr>
+            <a:picLocks noChangeAspect="1"/>
+          </p:cNvPicPr>
+          <p:nvPr/>
+        </p:nvPicPr>
+        <p:blipFill>
+          <a:blip r:embed="rId3">
+            <a:extLst>
+              <a:ext uri="{28A0092B-C50C-407E-A947-70E740481C1C}">
+                <a14:useLocalDpi xmlns:a14="http://schemas.microsoft.com/office/drawing/2010/main" val="0"/>
+              </a:ext>
+            </a:extLst>
+          </a:blip>
+          <a:stretch>
+            <a:fillRect/>
+          </a:stretch>
+        </p:blipFill>
+        <p:spPr>
+          <a:xfrm>
+            <a:off x="9553585" y="4941222"/>
+            <a:ext cx="577117" cy="577117"/>
+          </a:xfrm>
+          <a:prstGeom prst="rect">
+            <a:avLst/>
+          </a:prstGeom>
+        </p:spPr>
+      </p:pic>
+      <p:sp>
+        <p:nvSpPr>
+          <p:cNvPr id="20" name="Freeform 19"/>
+          <p:cNvSpPr/>
+          <p:nvPr/>
+        </p:nvSpPr>
+        <p:spPr>
+          <a:xfrm>
+            <a:off x="3558540" y="4564380"/>
+            <a:ext cx="252000" cy="126000"/>
+          </a:xfrm>
+          <a:custGeom>
+            <a:avLst/>
+            <a:gdLst>
+              <a:gd name="connsiteX0" fmla="*/ 0 w 236220"/>
+              <a:gd name="connsiteY0" fmla="*/ 0 h 114300"/>
+              <a:gd name="connsiteX1" fmla="*/ 236220 w 236220"/>
+              <a:gd name="connsiteY1" fmla="*/ 114300 h 114300"/>
+            </a:gdLst>
+            <a:ahLst/>
+            <a:cxnLst>
+              <a:cxn ang="0">
+                <a:pos x="connsiteX0" y="connsiteY0"/>
+              </a:cxn>
+              <a:cxn ang="0">
+                <a:pos x="connsiteX1" y="connsiteY1"/>
+              </a:cxn>
+            </a:cxnLst>
+            <a:rect l="l" t="t" r="r" b="b"/>
+            <a:pathLst>
+              <a:path w="236220" h="114300">
+                <a:moveTo>
+                  <a:pt x="0" y="0"/>
+                </a:moveTo>
+                <a:cubicBezTo>
+                  <a:pt x="90805" y="40640"/>
+                  <a:pt x="181610" y="81280"/>
+                  <a:pt x="236220" y="114300"/>
+                </a:cubicBezTo>
+              </a:path>
+            </a:pathLst>
+          </a:custGeom>
+          <a:noFill/>
+          <a:ln w="19050">
+            <a:solidFill>
+              <a:schemeClr val="tx1">
+                <a:lumMod val="50000"/>
+                <a:lumOff val="50000"/>
+              </a:schemeClr>
+            </a:solidFill>
+          </a:ln>
+        </p:spPr>
+        <p:style>
+          <a:lnRef idx="2">
+            <a:schemeClr val="accent1">
+              <a:shade val="50000"/>
+            </a:schemeClr>
+          </a:lnRef>
+          <a:fillRef idx="1">
+            <a:schemeClr val="accent1"/>
+          </a:fillRef>
+          <a:effectRef idx="0">
+            <a:schemeClr val="accent1"/>
+          </a:effectRef>
+          <a:fontRef idx="minor">
+            <a:schemeClr val="lt1"/>
+          </a:fontRef>
+        </p:style>
+        <p:txBody>
+          <a:bodyPr rtlCol="0" anchor="ctr"/>
+          <a:lstStyle/>
+          <a:p>
+            <a:pPr algn="ctr"/>
+            <a:endParaRPr lang="en-GB"/>
+          </a:p>
+        </p:txBody>
+      </p:sp>
+      <p:pic>
+        <p:nvPicPr>
+          <p:cNvPr id="5" name="Picture 4"/>
+          <p:cNvPicPr>
+            <a:picLocks noChangeAspect="1"/>
+          </p:cNvPicPr>
+          <p:nvPr/>
+        </p:nvPicPr>
+        <p:blipFill rotWithShape="1">
+          <a:blip r:embed="rId4">
+            <a:extLst>
+              <a:ext uri="{28A0092B-C50C-407E-A947-70E740481C1C}">
+                <a14:useLocalDpi xmlns:a14="http://schemas.microsoft.com/office/drawing/2010/main" val="0"/>
+              </a:ext>
+            </a:extLst>
+          </a:blip>
+          <a:srcRect l="10666" t="9332" r="10001" b="10000"/>
+          <a:stretch/>
+        </p:blipFill>
+        <p:spPr>
+          <a:xfrm>
+            <a:off x="5721350" y="3041650"/>
+            <a:ext cx="755650" cy="768350"/>
+          </a:xfrm>
+          <a:prstGeom prst="rect">
+            <a:avLst/>
+          </a:prstGeom>
+        </p:spPr>
+      </p:pic>
+      <p:sp>
+        <p:nvSpPr>
+          <p:cNvPr id="7" name="Freeform 6"/>
+          <p:cNvSpPr/>
+          <p:nvPr/>
+        </p:nvSpPr>
+        <p:spPr>
+          <a:xfrm>
+            <a:off x="5871755" y="3454400"/>
+            <a:ext cx="433795" cy="313154"/>
+          </a:xfrm>
+          <a:custGeom>
+            <a:avLst/>
+            <a:gdLst>
+              <a:gd name="connsiteX0" fmla="*/ 1995 w 433795"/>
+              <a:gd name="connsiteY0" fmla="*/ 0 h 313154"/>
+              <a:gd name="connsiteX1" fmla="*/ 65495 w 433795"/>
+              <a:gd name="connsiteY1" fmla="*/ 266700 h 313154"/>
+              <a:gd name="connsiteX2" fmla="*/ 433795 w 433795"/>
+              <a:gd name="connsiteY2" fmla="*/ 298450 h 313154"/>
+            </a:gdLst>
+            <a:ahLst/>
+            <a:cxnLst>
+              <a:cxn ang="0">
+                <a:pos x="connsiteX0" y="connsiteY0"/>
+              </a:cxn>
+              <a:cxn ang="0">
+                <a:pos x="connsiteX1" y="connsiteY1"/>
+              </a:cxn>
+              <a:cxn ang="0">
+                <a:pos x="connsiteX2" y="connsiteY2"/>
+              </a:cxn>
+            </a:cxnLst>
+            <a:rect l="l" t="t" r="r" b="b"/>
+            <a:pathLst>
+              <a:path w="433795" h="313154">
+                <a:moveTo>
+                  <a:pt x="1995" y="0"/>
+                </a:moveTo>
+                <a:cubicBezTo>
+                  <a:pt x="-2238" y="108479"/>
+                  <a:pt x="-6471" y="216958"/>
+                  <a:pt x="65495" y="266700"/>
+                </a:cubicBezTo>
+                <a:cubicBezTo>
+                  <a:pt x="137461" y="316442"/>
+                  <a:pt x="398870" y="324908"/>
+                  <a:pt x="433795" y="298450"/>
+                </a:cubicBezTo>
+              </a:path>
+            </a:pathLst>
+          </a:custGeom>
+          <a:noFill/>
+          <a:ln w="28575">
+            <a:solidFill>
+              <a:schemeClr val="tx1">
+                <a:lumMod val="50000"/>
+                <a:lumOff val="50000"/>
+              </a:schemeClr>
+            </a:solidFill>
+          </a:ln>
+        </p:spPr>
+        <p:style>
+          <a:lnRef idx="2">
+            <a:schemeClr val="accent1">
+              <a:shade val="50000"/>
+            </a:schemeClr>
+          </a:lnRef>
+          <a:fillRef idx="1">
+            <a:schemeClr val="accent1"/>
+          </a:fillRef>
+          <a:effectRef idx="0">
+            <a:schemeClr val="accent1"/>
+          </a:effectRef>
+          <a:fontRef idx="minor">
+            <a:schemeClr val="lt1"/>
+          </a:fontRef>
+        </p:style>
+        <p:txBody>
+          <a:bodyPr rtlCol="0" anchor="ctr"/>
+          <a:lstStyle/>
+          <a:p>
+            <a:pPr algn="ctr"/>
+            <a:endParaRPr lang="en-GB"/>
+          </a:p>
+        </p:txBody>
+      </p:sp>
+      <p:pic>
+        <p:nvPicPr>
+          <p:cNvPr id="8" name="Picture 7"/>
+          <p:cNvPicPr>
+            <a:picLocks noChangeAspect="1"/>
+          </p:cNvPicPr>
+          <p:nvPr/>
+        </p:nvPicPr>
+        <p:blipFill rotWithShape="1">
+          <a:blip r:embed="rId4">
+            <a:extLst>
+              <a:ext uri="{28A0092B-C50C-407E-A947-70E740481C1C}">
+                <a14:useLocalDpi xmlns:a14="http://schemas.microsoft.com/office/drawing/2010/main" val="0"/>
+              </a:ext>
+            </a:extLst>
+          </a:blip>
+          <a:srcRect l="10666" t="9332" r="10001" b="10000"/>
+          <a:stretch/>
+        </p:blipFill>
+        <p:spPr>
+          <a:xfrm>
+            <a:off x="7664450" y="2999204"/>
+            <a:ext cx="755650" cy="768350"/>
+          </a:xfrm>
+          <a:prstGeom prst="rect">
+            <a:avLst/>
+          </a:prstGeom>
+        </p:spPr>
+      </p:pic>
+      <p:sp>
+        <p:nvSpPr>
+          <p:cNvPr id="10" name="Freeform 9"/>
+          <p:cNvSpPr/>
+          <p:nvPr/>
+        </p:nvSpPr>
+        <p:spPr>
+          <a:xfrm>
+            <a:off x="7824787" y="3414712"/>
+            <a:ext cx="423863" cy="325497"/>
+          </a:xfrm>
+          <a:custGeom>
+            <a:avLst/>
+            <a:gdLst>
+              <a:gd name="connsiteX0" fmla="*/ 0 w 423863"/>
+              <a:gd name="connsiteY0" fmla="*/ 0 h 325497"/>
+              <a:gd name="connsiteX1" fmla="*/ 323850 w 423863"/>
+              <a:gd name="connsiteY1" fmla="*/ 290512 h 325497"/>
+              <a:gd name="connsiteX2" fmla="*/ 423863 w 423863"/>
+              <a:gd name="connsiteY2" fmla="*/ 309562 h 325497"/>
+            </a:gdLst>
+            <a:ahLst/>
+            <a:cxnLst>
+              <a:cxn ang="0">
+                <a:pos x="connsiteX0" y="connsiteY0"/>
+              </a:cxn>
+              <a:cxn ang="0">
+                <a:pos x="connsiteX1" y="connsiteY1"/>
+              </a:cxn>
+              <a:cxn ang="0">
+                <a:pos x="connsiteX2" y="connsiteY2"/>
+              </a:cxn>
+            </a:cxnLst>
+            <a:rect l="l" t="t" r="r" b="b"/>
+            <a:pathLst>
+              <a:path w="423863" h="325497">
+                <a:moveTo>
+                  <a:pt x="0" y="0"/>
+                </a:moveTo>
+                <a:cubicBezTo>
+                  <a:pt x="126603" y="119459"/>
+                  <a:pt x="253206" y="238918"/>
+                  <a:pt x="323850" y="290512"/>
+                </a:cubicBezTo>
+                <a:cubicBezTo>
+                  <a:pt x="394494" y="342106"/>
+                  <a:pt x="409178" y="325834"/>
+                  <a:pt x="423863" y="309562"/>
+                </a:cubicBezTo>
+              </a:path>
+            </a:pathLst>
+          </a:custGeom>
+          <a:noFill/>
+          <a:ln w="28575">
+            <a:solidFill>
+              <a:schemeClr val="tx1">
+                <a:lumMod val="50000"/>
+                <a:lumOff val="50000"/>
+              </a:schemeClr>
+            </a:solidFill>
+          </a:ln>
+        </p:spPr>
+        <p:style>
+          <a:lnRef idx="2">
+            <a:schemeClr val="accent1">
+              <a:shade val="50000"/>
+            </a:schemeClr>
+          </a:lnRef>
+          <a:fillRef idx="1">
+            <a:schemeClr val="accent1"/>
+          </a:fillRef>
+          <a:effectRef idx="0">
+            <a:schemeClr val="accent1"/>
+          </a:effectRef>
+          <a:fontRef idx="minor">
+            <a:schemeClr val="lt1"/>
+          </a:fontRef>
+        </p:style>
+        <p:txBody>
+          <a:bodyPr rtlCol="0" anchor="ctr"/>
+          <a:lstStyle/>
+          <a:p>
+            <a:pPr algn="ctr"/>
+            <a:endParaRPr lang="en-GB"/>
+          </a:p>
+        </p:txBody>
+      </p:sp>
+      <p:pic>
+        <p:nvPicPr>
+          <p:cNvPr id="11" name="Picture 10"/>
+          <p:cNvPicPr>
+            <a:picLocks noChangeAspect="1"/>
+          </p:cNvPicPr>
+          <p:nvPr/>
+        </p:nvPicPr>
+        <p:blipFill rotWithShape="1">
+          <a:blip r:embed="rId4">
+            <a:extLst>
+              <a:ext uri="{28A0092B-C50C-407E-A947-70E740481C1C}">
+                <a14:useLocalDpi xmlns:a14="http://schemas.microsoft.com/office/drawing/2010/main" val="0"/>
+              </a:ext>
+            </a:extLst>
+          </a:blip>
+          <a:srcRect l="10666" t="9332" r="55601" b="40744"/>
+          <a:stretch/>
+        </p:blipFill>
+        <p:spPr>
+          <a:xfrm>
+            <a:off x="3454670" y="4282440"/>
+            <a:ext cx="222250" cy="328914"/>
+          </a:xfrm>
+          <a:prstGeom prst="rect">
+            <a:avLst/>
+          </a:prstGeom>
+        </p:spPr>
+      </p:pic>
+      <p:pic>
+        <p:nvPicPr>
+          <p:cNvPr id="13" name="Picture 12"/>
+          <p:cNvPicPr>
+            <a:picLocks noChangeAspect="1"/>
+          </p:cNvPicPr>
+          <p:nvPr/>
+        </p:nvPicPr>
+        <p:blipFill rotWithShape="1">
+          <a:blip r:embed="rId4">
+            <a:extLst>
+              <a:ext uri="{28A0092B-C50C-407E-A947-70E740481C1C}">
+                <a14:useLocalDpi xmlns:a14="http://schemas.microsoft.com/office/drawing/2010/main" val="0"/>
+              </a:ext>
+            </a:extLst>
+          </a:blip>
+          <a:srcRect l="55599" t="43256" r="10001" b="10000"/>
+          <a:stretch/>
+        </p:blipFill>
+        <p:spPr>
+          <a:xfrm>
+            <a:off x="3642360" y="4282440"/>
+            <a:ext cx="327660" cy="445234"/>
+          </a:xfrm>
+          <a:prstGeom prst="rect">
+            <a:avLst/>
+          </a:prstGeom>
+        </p:spPr>
+      </p:pic>
+      <p:pic>
+        <p:nvPicPr>
+          <p:cNvPr id="27" name="Picture 26"/>
+          <p:cNvPicPr>
+            <a:picLocks noChangeAspect="1"/>
+          </p:cNvPicPr>
+          <p:nvPr/>
+        </p:nvPicPr>
+        <p:blipFill>
+          <a:blip r:embed="rId5">
+            <a:extLst>
+              <a:ext uri="{28A0092B-C50C-407E-A947-70E740481C1C}">
+                <a14:useLocalDpi xmlns:a14="http://schemas.microsoft.com/office/drawing/2010/main" val="0"/>
+              </a:ext>
+            </a:extLst>
+          </a:blip>
+          <a:stretch>
+            <a:fillRect/>
+          </a:stretch>
+        </p:blipFill>
+        <p:spPr>
+          <a:xfrm>
+            <a:off x="6840838" y="5058480"/>
+            <a:ext cx="569784" cy="569784"/>
+          </a:xfrm>
+          <a:prstGeom prst="rect">
+            <a:avLst/>
+          </a:prstGeom>
+        </p:spPr>
+      </p:pic>
+      <p:pic>
+        <p:nvPicPr>
+          <p:cNvPr id="22" name="Picture 21"/>
+          <p:cNvPicPr>
+            <a:picLocks noChangeAspect="1"/>
+          </p:cNvPicPr>
+          <p:nvPr/>
+        </p:nvPicPr>
+        <p:blipFill>
+          <a:blip r:embed="rId6">
+            <a:extLst>
+              <a:ext uri="{28A0092B-C50C-407E-A947-70E740481C1C}">
+                <a14:useLocalDpi xmlns:a14="http://schemas.microsoft.com/office/drawing/2010/main" val="0"/>
+              </a:ext>
+            </a:extLst>
+          </a:blip>
+          <a:stretch>
+            <a:fillRect/>
+          </a:stretch>
+        </p:blipFill>
+        <p:spPr>
+          <a:xfrm>
+            <a:off x="6964680" y="4809456"/>
+            <a:ext cx="952500" cy="952500"/>
+          </a:xfrm>
+          <a:prstGeom prst="rect">
+            <a:avLst/>
+          </a:prstGeom>
+        </p:spPr>
+      </p:pic>
+      <p:pic>
+        <p:nvPicPr>
+          <p:cNvPr id="28" name="Picture 27"/>
+          <p:cNvPicPr>
+            <a:picLocks noChangeAspect="1"/>
+          </p:cNvPicPr>
+          <p:nvPr/>
+        </p:nvPicPr>
+        <p:blipFill>
+          <a:blip r:embed="rId7">
+            <a:extLst>
+              <a:ext uri="{28A0092B-C50C-407E-A947-70E740481C1C}">
+                <a14:useLocalDpi xmlns:a14="http://schemas.microsoft.com/office/drawing/2010/main" val="0"/>
+              </a:ext>
+            </a:extLst>
+          </a:blip>
+          <a:stretch>
+            <a:fillRect/>
+          </a:stretch>
+        </p:blipFill>
+        <p:spPr>
+          <a:xfrm>
+            <a:off x="7288469" y="3391000"/>
+            <a:ext cx="304922" cy="304922"/>
+          </a:xfrm>
+          <a:prstGeom prst="rect">
+            <a:avLst/>
+          </a:prstGeom>
+        </p:spPr>
+      </p:pic>
+      <p:pic>
+        <p:nvPicPr>
+          <p:cNvPr id="29" name="Picture 28"/>
+          <p:cNvPicPr>
+            <a:picLocks noChangeAspect="1"/>
+          </p:cNvPicPr>
+          <p:nvPr/>
+        </p:nvPicPr>
+        <p:blipFill>
+          <a:blip r:embed="rId8">
+            <a:extLst>
+              <a:ext uri="{28A0092B-C50C-407E-A947-70E740481C1C}">
+                <a14:useLocalDpi xmlns:a14="http://schemas.microsoft.com/office/drawing/2010/main" val="0"/>
+              </a:ext>
+            </a:extLst>
+          </a:blip>
+          <a:stretch>
+            <a:fillRect/>
+          </a:stretch>
+        </p:blipFill>
+        <p:spPr>
+          <a:xfrm>
+            <a:off x="7323189" y="5031105"/>
+            <a:ext cx="238125" cy="238125"/>
+          </a:xfrm>
+          <a:prstGeom prst="rect">
+            <a:avLst/>
+          </a:prstGeom>
+        </p:spPr>
+      </p:pic>
+      <p:sp>
+        <p:nvSpPr>
+          <p:cNvPr id="30" name="Freeform 29"/>
+          <p:cNvSpPr/>
+          <p:nvPr/>
+        </p:nvSpPr>
+        <p:spPr>
+          <a:xfrm>
+            <a:off x="9860023" y="5468437"/>
+            <a:ext cx="304800" cy="162498"/>
+          </a:xfrm>
+          <a:custGeom>
+            <a:avLst/>
+            <a:gdLst>
+              <a:gd name="connsiteX0" fmla="*/ 0 w 304800"/>
+              <a:gd name="connsiteY0" fmla="*/ 38930 h 162498"/>
+              <a:gd name="connsiteX1" fmla="*/ 148281 w 304800"/>
+              <a:gd name="connsiteY1" fmla="*/ 5979 h 162498"/>
+              <a:gd name="connsiteX2" fmla="*/ 205946 w 304800"/>
+              <a:gd name="connsiteY2" fmla="*/ 146022 h 162498"/>
+              <a:gd name="connsiteX3" fmla="*/ 304800 w 304800"/>
+              <a:gd name="connsiteY3" fmla="*/ 162498 h 162498"/>
+            </a:gdLst>
+            <a:ahLst/>
+            <a:cxnLst>
+              <a:cxn ang="0">
+                <a:pos x="connsiteX0" y="connsiteY0"/>
+              </a:cxn>
+              <a:cxn ang="0">
+                <a:pos x="connsiteX1" y="connsiteY1"/>
+              </a:cxn>
+              <a:cxn ang="0">
+                <a:pos x="connsiteX2" y="connsiteY2"/>
+              </a:cxn>
+              <a:cxn ang="0">
+                <a:pos x="connsiteX3" y="connsiteY3"/>
+              </a:cxn>
+            </a:cxnLst>
+            <a:rect l="l" t="t" r="r" b="b"/>
+            <a:pathLst>
+              <a:path w="304800" h="162498">
+                <a:moveTo>
+                  <a:pt x="0" y="38930"/>
+                </a:moveTo>
+                <a:cubicBezTo>
+                  <a:pt x="56978" y="13530"/>
+                  <a:pt x="113957" y="-11870"/>
+                  <a:pt x="148281" y="5979"/>
+                </a:cubicBezTo>
+                <a:cubicBezTo>
+                  <a:pt x="182605" y="23828"/>
+                  <a:pt x="179860" y="119936"/>
+                  <a:pt x="205946" y="146022"/>
+                </a:cubicBezTo>
+                <a:cubicBezTo>
+                  <a:pt x="232032" y="172108"/>
+                  <a:pt x="260865" y="126801"/>
+                  <a:pt x="304800" y="162498"/>
+                </a:cubicBezTo>
+              </a:path>
+            </a:pathLst>
+          </a:custGeom>
+          <a:noFill/>
+          <a:ln>
+            <a:solidFill>
+              <a:schemeClr val="bg1">
+                <a:lumMod val="65000"/>
+              </a:schemeClr>
+            </a:solidFill>
+            <a:prstDash val="sysDash"/>
+          </a:ln>
+        </p:spPr>
+        <p:style>
+          <a:lnRef idx="2">
+            <a:schemeClr val="accent1">
+              <a:shade val="50000"/>
+            </a:schemeClr>
+          </a:lnRef>
+          <a:fillRef idx="1">
+            <a:schemeClr val="accent1"/>
+          </a:fillRef>
+          <a:effectRef idx="0">
+            <a:schemeClr val="accent1"/>
+          </a:effectRef>
+          <a:fontRef idx="minor">
+            <a:schemeClr val="lt1"/>
+          </a:fontRef>
+        </p:style>
+        <p:txBody>
+          <a:bodyPr rtlCol="0" anchor="ctr"/>
+          <a:lstStyle/>
+          <a:p>
+            <a:pPr algn="ctr"/>
+            <a:endParaRPr lang="en-GB"/>
+          </a:p>
+        </p:txBody>
+      </p:sp>
+      <p:pic>
+        <p:nvPicPr>
+          <p:cNvPr id="31" name="Picture 30"/>
+          <p:cNvPicPr>
+            <a:picLocks noChangeAspect="1"/>
+          </p:cNvPicPr>
+          <p:nvPr/>
+        </p:nvPicPr>
+        <p:blipFill>
+          <a:blip r:embed="rId5">
+            <a:extLst>
+              <a:ext uri="{28A0092B-C50C-407E-A947-70E740481C1C}">
+                <a14:useLocalDpi xmlns:a14="http://schemas.microsoft.com/office/drawing/2010/main" val="0"/>
+              </a:ext>
+            </a:extLst>
+          </a:blip>
+          <a:stretch>
+            <a:fillRect/>
+          </a:stretch>
+        </p:blipFill>
+        <p:spPr>
+          <a:xfrm>
+            <a:off x="9583056" y="3292568"/>
+            <a:ext cx="569784" cy="569784"/>
+          </a:xfrm>
+          <a:prstGeom prst="rect">
+            <a:avLst/>
+          </a:prstGeom>
+        </p:spPr>
+      </p:pic>
+      <p:pic>
+        <p:nvPicPr>
+          <p:cNvPr id="32" name="Picture 31"/>
+          <p:cNvPicPr>
+            <a:picLocks noChangeAspect="1"/>
+          </p:cNvPicPr>
+          <p:nvPr/>
+        </p:nvPicPr>
+        <p:blipFill>
+          <a:blip r:embed="rId6">
+            <a:extLst>
+              <a:ext uri="{28A0092B-C50C-407E-A947-70E740481C1C}">
+                <a14:useLocalDpi xmlns:a14="http://schemas.microsoft.com/office/drawing/2010/main" val="0"/>
+              </a:ext>
+            </a:extLst>
+          </a:blip>
+          <a:stretch>
+            <a:fillRect/>
+          </a:stretch>
+        </p:blipFill>
+        <p:spPr>
+          <a:xfrm>
+            <a:off x="9698973" y="4690380"/>
+            <a:ext cx="952500" cy="952500"/>
+          </a:xfrm>
+          <a:prstGeom prst="rect">
+            <a:avLst/>
+          </a:prstGeom>
+        </p:spPr>
+      </p:pic>
+      <p:pic>
+        <p:nvPicPr>
+          <p:cNvPr id="33" name="Picture 32"/>
+          <p:cNvPicPr>
+            <a:picLocks noChangeAspect="1"/>
+          </p:cNvPicPr>
+          <p:nvPr/>
+        </p:nvPicPr>
+        <p:blipFill>
+          <a:blip r:embed="rId8">
+            <a:extLst>
+              <a:ext uri="{28A0092B-C50C-407E-A947-70E740481C1C}">
+                <a14:useLocalDpi xmlns:a14="http://schemas.microsoft.com/office/drawing/2010/main" val="0"/>
+              </a:ext>
+            </a:extLst>
+          </a:blip>
+          <a:stretch>
+            <a:fillRect/>
+          </a:stretch>
+        </p:blipFill>
+        <p:spPr>
+          <a:xfrm>
+            <a:off x="10057482" y="4912029"/>
+            <a:ext cx="238125" cy="238125"/>
+          </a:xfrm>
+          <a:prstGeom prst="rect">
+            <a:avLst/>
+          </a:prstGeom>
+        </p:spPr>
+      </p:pic>
+      <p:pic>
+        <p:nvPicPr>
+          <p:cNvPr id="35" name="Picture 34"/>
+          <p:cNvPicPr>
+            <a:picLocks noChangeAspect="1"/>
+          </p:cNvPicPr>
+          <p:nvPr/>
+        </p:nvPicPr>
+        <p:blipFill>
+          <a:blip r:embed="rId3">
+            <a:extLst>
+              <a:ext uri="{28A0092B-C50C-407E-A947-70E740481C1C}">
+                <a14:useLocalDpi xmlns:a14="http://schemas.microsoft.com/office/drawing/2010/main" val="0"/>
+              </a:ext>
+            </a:extLst>
+          </a:blip>
+          <a:stretch>
+            <a:fillRect/>
+          </a:stretch>
+        </p:blipFill>
+        <p:spPr>
+          <a:xfrm>
+            <a:off x="7461731" y="1184012"/>
+            <a:ext cx="577117" cy="577117"/>
+          </a:xfrm>
+          <a:prstGeom prst="rect">
+            <a:avLst/>
+          </a:prstGeom>
+        </p:spPr>
+      </p:pic>
+      <p:sp>
+        <p:nvSpPr>
+          <p:cNvPr id="36" name="Freeform 35"/>
+          <p:cNvSpPr/>
+          <p:nvPr/>
+        </p:nvSpPr>
+        <p:spPr>
+          <a:xfrm>
+            <a:off x="7768169" y="1711227"/>
+            <a:ext cx="304800" cy="162498"/>
+          </a:xfrm>
+          <a:custGeom>
+            <a:avLst/>
+            <a:gdLst>
+              <a:gd name="connsiteX0" fmla="*/ 0 w 304800"/>
+              <a:gd name="connsiteY0" fmla="*/ 38930 h 162498"/>
+              <a:gd name="connsiteX1" fmla="*/ 148281 w 304800"/>
+              <a:gd name="connsiteY1" fmla="*/ 5979 h 162498"/>
+              <a:gd name="connsiteX2" fmla="*/ 205946 w 304800"/>
+              <a:gd name="connsiteY2" fmla="*/ 146022 h 162498"/>
+              <a:gd name="connsiteX3" fmla="*/ 304800 w 304800"/>
+              <a:gd name="connsiteY3" fmla="*/ 162498 h 162498"/>
+            </a:gdLst>
+            <a:ahLst/>
+            <a:cxnLst>
+              <a:cxn ang="0">
+                <a:pos x="connsiteX0" y="connsiteY0"/>
+              </a:cxn>
+              <a:cxn ang="0">
+                <a:pos x="connsiteX1" y="connsiteY1"/>
+              </a:cxn>
+              <a:cxn ang="0">
+                <a:pos x="connsiteX2" y="connsiteY2"/>
+              </a:cxn>
+              <a:cxn ang="0">
+                <a:pos x="connsiteX3" y="connsiteY3"/>
+              </a:cxn>
+            </a:cxnLst>
+            <a:rect l="l" t="t" r="r" b="b"/>
+            <a:pathLst>
+              <a:path w="304800" h="162498">
+                <a:moveTo>
+                  <a:pt x="0" y="38930"/>
+                </a:moveTo>
+                <a:cubicBezTo>
+                  <a:pt x="56978" y="13530"/>
+                  <a:pt x="113957" y="-11870"/>
+                  <a:pt x="148281" y="5979"/>
+                </a:cubicBezTo>
+                <a:cubicBezTo>
+                  <a:pt x="182605" y="23828"/>
+                  <a:pt x="179860" y="119936"/>
+                  <a:pt x="205946" y="146022"/>
+                </a:cubicBezTo>
+                <a:cubicBezTo>
+                  <a:pt x="232032" y="172108"/>
+                  <a:pt x="260865" y="126801"/>
+                  <a:pt x="304800" y="162498"/>
+                </a:cubicBezTo>
+              </a:path>
+            </a:pathLst>
+          </a:custGeom>
+          <a:noFill/>
+          <a:ln>
+            <a:solidFill>
+              <a:schemeClr val="bg1">
+                <a:lumMod val="65000"/>
+              </a:schemeClr>
+            </a:solidFill>
+            <a:prstDash val="sysDash"/>
+          </a:ln>
+        </p:spPr>
+        <p:style>
+          <a:lnRef idx="2">
+            <a:schemeClr val="accent1">
+              <a:shade val="50000"/>
+            </a:schemeClr>
+          </a:lnRef>
+          <a:fillRef idx="1">
+            <a:schemeClr val="accent1"/>
+          </a:fillRef>
+          <a:effectRef idx="0">
+            <a:schemeClr val="accent1"/>
+          </a:effectRef>
+          <a:fontRef idx="minor">
+            <a:schemeClr val="lt1"/>
+          </a:fontRef>
+        </p:style>
+        <p:txBody>
+          <a:bodyPr rtlCol="0" anchor="ctr"/>
+          <a:lstStyle/>
+          <a:p>
+            <a:pPr algn="ctr"/>
+            <a:endParaRPr lang="en-GB"/>
+          </a:p>
+        </p:txBody>
+      </p:sp>
+      <p:pic>
+        <p:nvPicPr>
+          <p:cNvPr id="37" name="Picture 36"/>
+          <p:cNvPicPr>
+            <a:picLocks noChangeAspect="1"/>
+          </p:cNvPicPr>
+          <p:nvPr/>
+        </p:nvPicPr>
+        <p:blipFill>
+          <a:blip r:embed="rId6">
+            <a:extLst>
+              <a:ext uri="{28A0092B-C50C-407E-A947-70E740481C1C}">
+                <a14:useLocalDpi xmlns:a14="http://schemas.microsoft.com/office/drawing/2010/main" val="0"/>
+              </a:ext>
+            </a:extLst>
+          </a:blip>
+          <a:stretch>
+            <a:fillRect/>
+          </a:stretch>
+        </p:blipFill>
+        <p:spPr>
+          <a:xfrm>
+            <a:off x="8525328" y="2321589"/>
+            <a:ext cx="952500" cy="952500"/>
+          </a:xfrm>
+          <a:prstGeom prst="rect">
+            <a:avLst/>
+          </a:prstGeom>
+        </p:spPr>
+      </p:pic>
+      <p:sp>
+        <p:nvSpPr>
+          <p:cNvPr id="39" name="Freeform 38"/>
+          <p:cNvSpPr/>
+          <p:nvPr/>
+        </p:nvSpPr>
+        <p:spPr>
+          <a:xfrm>
+            <a:off x="5301049" y="1586686"/>
+            <a:ext cx="304800" cy="162498"/>
+          </a:xfrm>
+          <a:custGeom>
+            <a:avLst/>
+            <a:gdLst>
+              <a:gd name="connsiteX0" fmla="*/ 0 w 304800"/>
+              <a:gd name="connsiteY0" fmla="*/ 38930 h 162498"/>
+              <a:gd name="connsiteX1" fmla="*/ 148281 w 304800"/>
+              <a:gd name="connsiteY1" fmla="*/ 5979 h 162498"/>
+              <a:gd name="connsiteX2" fmla="*/ 205946 w 304800"/>
+              <a:gd name="connsiteY2" fmla="*/ 146022 h 162498"/>
+              <a:gd name="connsiteX3" fmla="*/ 304800 w 304800"/>
+              <a:gd name="connsiteY3" fmla="*/ 162498 h 162498"/>
+            </a:gdLst>
+            <a:ahLst/>
+            <a:cxnLst>
+              <a:cxn ang="0">
+                <a:pos x="connsiteX0" y="connsiteY0"/>
+              </a:cxn>
+              <a:cxn ang="0">
+                <a:pos x="connsiteX1" y="connsiteY1"/>
+              </a:cxn>
+              <a:cxn ang="0">
+                <a:pos x="connsiteX2" y="connsiteY2"/>
+              </a:cxn>
+              <a:cxn ang="0">
+                <a:pos x="connsiteX3" y="connsiteY3"/>
+              </a:cxn>
+            </a:cxnLst>
+            <a:rect l="l" t="t" r="r" b="b"/>
+            <a:pathLst>
+              <a:path w="304800" h="162498">
+                <a:moveTo>
+                  <a:pt x="0" y="38930"/>
+                </a:moveTo>
+                <a:cubicBezTo>
+                  <a:pt x="56978" y="13530"/>
+                  <a:pt x="113957" y="-11870"/>
+                  <a:pt x="148281" y="5979"/>
+                </a:cubicBezTo>
+                <a:cubicBezTo>
+                  <a:pt x="182605" y="23828"/>
+                  <a:pt x="179860" y="119936"/>
+                  <a:pt x="205946" y="146022"/>
+                </a:cubicBezTo>
+                <a:cubicBezTo>
+                  <a:pt x="232032" y="172108"/>
+                  <a:pt x="260865" y="126801"/>
+                  <a:pt x="304800" y="162498"/>
+                </a:cubicBezTo>
+              </a:path>
+            </a:pathLst>
+          </a:custGeom>
+          <a:noFill/>
+          <a:ln w="38100" cmpd="sng">
+            <a:solidFill>
+              <a:schemeClr val="tx1">
+                <a:lumMod val="50000"/>
+                <a:lumOff val="50000"/>
+              </a:schemeClr>
+            </a:solidFill>
+            <a:prstDash val="solid"/>
+          </a:ln>
+        </p:spPr>
+        <p:style>
+          <a:lnRef idx="2">
+            <a:schemeClr val="accent1">
+              <a:shade val="50000"/>
+            </a:schemeClr>
+          </a:lnRef>
+          <a:fillRef idx="1">
+            <a:schemeClr val="accent1"/>
+          </a:fillRef>
+          <a:effectRef idx="0">
+            <a:schemeClr val="accent1"/>
+          </a:effectRef>
+          <a:fontRef idx="minor">
+            <a:schemeClr val="lt1"/>
+          </a:fontRef>
+        </p:style>
+        <p:txBody>
+          <a:bodyPr rtlCol="0" anchor="ctr"/>
+          <a:lstStyle/>
+          <a:p>
+            <a:pPr algn="ctr"/>
+            <a:endParaRPr lang="en-GB"/>
+          </a:p>
+        </p:txBody>
+      </p:sp>
+      <p:pic>
+        <p:nvPicPr>
+          <p:cNvPr id="40" name="Picture 39"/>
+          <p:cNvPicPr>
+            <a:picLocks noChangeAspect="1"/>
+          </p:cNvPicPr>
+          <p:nvPr/>
+        </p:nvPicPr>
+        <p:blipFill>
+          <a:blip r:embed="rId5">
+            <a:extLst>
+              <a:ext uri="{28A0092B-C50C-407E-A947-70E740481C1C}">
+                <a14:useLocalDpi xmlns:a14="http://schemas.microsoft.com/office/drawing/2010/main" val="0"/>
+              </a:ext>
+            </a:extLst>
+          </a:blip>
+          <a:stretch>
+            <a:fillRect/>
+          </a:stretch>
+        </p:blipFill>
+        <p:spPr>
+          <a:xfrm>
+            <a:off x="5016157" y="1057653"/>
+            <a:ext cx="569784" cy="569784"/>
+          </a:xfrm>
+          <a:prstGeom prst="rect">
+            <a:avLst/>
+          </a:prstGeom>
+        </p:spPr>
+      </p:pic>
+      <p:pic>
+        <p:nvPicPr>
+          <p:cNvPr id="41" name="Picture 40"/>
+          <p:cNvPicPr>
+            <a:picLocks noChangeAspect="1"/>
+          </p:cNvPicPr>
+          <p:nvPr/>
+        </p:nvPicPr>
+        <p:blipFill>
+          <a:blip r:embed="rId6">
+            <a:extLst>
+              <a:ext uri="{28A0092B-C50C-407E-A947-70E740481C1C}">
+                <a14:useLocalDpi xmlns:a14="http://schemas.microsoft.com/office/drawing/2010/main" val="0"/>
+              </a:ext>
+            </a:extLst>
+          </a:blip>
+          <a:stretch>
+            <a:fillRect/>
+          </a:stretch>
+        </p:blipFill>
+        <p:spPr>
+          <a:xfrm>
+            <a:off x="6335969" y="1934229"/>
+            <a:ext cx="952500" cy="952500"/>
+          </a:xfrm>
+          <a:prstGeom prst="rect">
+            <a:avLst/>
+          </a:prstGeom>
+        </p:spPr>
+      </p:pic>
+      <p:pic>
+        <p:nvPicPr>
+          <p:cNvPr id="34" name="Picture 33"/>
+          <p:cNvPicPr>
+            <a:picLocks noChangeAspect="1"/>
+          </p:cNvPicPr>
+          <p:nvPr/>
+        </p:nvPicPr>
+        <p:blipFill>
+          <a:blip r:embed="rId9">
+            <a:extLst>
+              <a:ext uri="{28A0092B-C50C-407E-A947-70E740481C1C}">
+                <a14:useLocalDpi xmlns:a14="http://schemas.microsoft.com/office/drawing/2010/main" val="0"/>
+              </a:ext>
+            </a:extLst>
+          </a:blip>
+          <a:stretch>
+            <a:fillRect/>
+          </a:stretch>
+        </p:blipFill>
+        <p:spPr>
+          <a:xfrm>
+            <a:off x="5129599" y="808629"/>
+            <a:ext cx="952500" cy="952500"/>
+          </a:xfrm>
+          <a:prstGeom prst="rect">
+            <a:avLst/>
+          </a:prstGeom>
+        </p:spPr>
+      </p:pic>
+      <p:pic>
+        <p:nvPicPr>
+          <p:cNvPr id="43" name="Picture 42"/>
+          <p:cNvPicPr>
+            <a:picLocks noChangeAspect="1"/>
+          </p:cNvPicPr>
+          <p:nvPr/>
+        </p:nvPicPr>
+        <p:blipFill>
+          <a:blip r:embed="rId9">
+            <a:extLst>
+              <a:ext uri="{28A0092B-C50C-407E-A947-70E740481C1C}">
+                <a14:useLocalDpi xmlns:a14="http://schemas.microsoft.com/office/drawing/2010/main" val="0"/>
+              </a:ext>
+            </a:extLst>
+          </a:blip>
+          <a:stretch>
+            <a:fillRect/>
+          </a:stretch>
+        </p:blipFill>
+        <p:spPr>
+          <a:xfrm>
+            <a:off x="7596719" y="930813"/>
+            <a:ext cx="952500" cy="952500"/>
+          </a:xfrm>
+          <a:prstGeom prst="rect">
+            <a:avLst/>
+          </a:prstGeom>
+        </p:spPr>
+      </p:pic>
+      <p:pic>
+        <p:nvPicPr>
+          <p:cNvPr id="44" name="Picture 43"/>
+          <p:cNvPicPr>
+            <a:picLocks noChangeAspect="1"/>
+          </p:cNvPicPr>
+          <p:nvPr/>
+        </p:nvPicPr>
+        <p:blipFill>
+          <a:blip r:embed="rId8">
+            <a:extLst>
+              <a:ext uri="{28A0092B-C50C-407E-A947-70E740481C1C}">
+                <a14:useLocalDpi xmlns:a14="http://schemas.microsoft.com/office/drawing/2010/main" val="0"/>
+              </a:ext>
+            </a:extLst>
+          </a:blip>
+          <a:stretch>
+            <a:fillRect/>
+          </a:stretch>
+        </p:blipFill>
+        <p:spPr>
+          <a:xfrm>
+            <a:off x="1203154" y="1163110"/>
+            <a:ext cx="238125" cy="238125"/>
+          </a:xfrm>
+          <a:prstGeom prst="rect">
+            <a:avLst/>
+          </a:prstGeom>
+        </p:spPr>
+      </p:pic>
+      <p:pic>
+        <p:nvPicPr>
+          <p:cNvPr id="45" name="Picture 44"/>
+          <p:cNvPicPr>
+            <a:picLocks noChangeAspect="1"/>
+          </p:cNvPicPr>
+          <p:nvPr/>
+        </p:nvPicPr>
+        <p:blipFill>
+          <a:blip r:embed="rId8">
+            <a:extLst>
+              <a:ext uri="{28A0092B-C50C-407E-A947-70E740481C1C}">
+                <a14:useLocalDpi xmlns:a14="http://schemas.microsoft.com/office/drawing/2010/main" val="0"/>
+              </a:ext>
+            </a:extLst>
+          </a:blip>
+          <a:stretch>
+            <a:fillRect/>
+          </a:stretch>
+        </p:blipFill>
+        <p:spPr>
+          <a:xfrm>
+            <a:off x="7953494" y="1154592"/>
+            <a:ext cx="238125" cy="238125"/>
+          </a:xfrm>
+          <a:prstGeom prst="rect">
+            <a:avLst/>
+          </a:prstGeom>
+        </p:spPr>
+      </p:pic>
+      <p:sp>
+        <p:nvSpPr>
+          <p:cNvPr id="38" name="Freeform 37"/>
+          <p:cNvSpPr/>
+          <p:nvPr/>
+        </p:nvSpPr>
+        <p:spPr>
+          <a:xfrm>
+            <a:off x="2951549" y="2894786"/>
+            <a:ext cx="304800" cy="162498"/>
+          </a:xfrm>
+          <a:custGeom>
+            <a:avLst/>
+            <a:gdLst>
+              <a:gd name="connsiteX0" fmla="*/ 0 w 304800"/>
+              <a:gd name="connsiteY0" fmla="*/ 38930 h 162498"/>
+              <a:gd name="connsiteX1" fmla="*/ 148281 w 304800"/>
+              <a:gd name="connsiteY1" fmla="*/ 5979 h 162498"/>
+              <a:gd name="connsiteX2" fmla="*/ 205946 w 304800"/>
+              <a:gd name="connsiteY2" fmla="*/ 146022 h 162498"/>
+              <a:gd name="connsiteX3" fmla="*/ 304800 w 304800"/>
+              <a:gd name="connsiteY3" fmla="*/ 162498 h 162498"/>
+            </a:gdLst>
+            <a:ahLst/>
+            <a:cxnLst>
+              <a:cxn ang="0">
+                <a:pos x="connsiteX0" y="connsiteY0"/>
+              </a:cxn>
+              <a:cxn ang="0">
+                <a:pos x="connsiteX1" y="connsiteY1"/>
+              </a:cxn>
+              <a:cxn ang="0">
+                <a:pos x="connsiteX2" y="connsiteY2"/>
+              </a:cxn>
+              <a:cxn ang="0">
+                <a:pos x="connsiteX3" y="connsiteY3"/>
+              </a:cxn>
+            </a:cxnLst>
+            <a:rect l="l" t="t" r="r" b="b"/>
+            <a:pathLst>
+              <a:path w="304800" h="162498">
+                <a:moveTo>
+                  <a:pt x="0" y="38930"/>
+                </a:moveTo>
+                <a:cubicBezTo>
+                  <a:pt x="56978" y="13530"/>
+                  <a:pt x="113957" y="-11870"/>
+                  <a:pt x="148281" y="5979"/>
+                </a:cubicBezTo>
+                <a:cubicBezTo>
+                  <a:pt x="182605" y="23828"/>
+                  <a:pt x="179860" y="119936"/>
+                  <a:pt x="205946" y="146022"/>
+                </a:cubicBezTo>
+                <a:cubicBezTo>
+                  <a:pt x="232032" y="172108"/>
+                  <a:pt x="260865" y="126801"/>
+                  <a:pt x="304800" y="162498"/>
+                </a:cubicBezTo>
+              </a:path>
+            </a:pathLst>
+          </a:custGeom>
+          <a:noFill/>
+          <a:ln>
+            <a:solidFill>
+              <a:schemeClr val="bg1">
+                <a:lumMod val="65000"/>
+              </a:schemeClr>
+            </a:solidFill>
+            <a:prstDash val="sysDash"/>
+          </a:ln>
+        </p:spPr>
+        <p:style>
+          <a:lnRef idx="2">
+            <a:schemeClr val="accent1">
+              <a:shade val="50000"/>
+            </a:schemeClr>
+          </a:lnRef>
+          <a:fillRef idx="1">
+            <a:schemeClr val="accent1"/>
+          </a:fillRef>
+          <a:effectRef idx="0">
+            <a:schemeClr val="accent1"/>
+          </a:effectRef>
+          <a:fontRef idx="minor">
+            <a:schemeClr val="lt1"/>
+          </a:fontRef>
+        </p:style>
+        <p:txBody>
+          <a:bodyPr rtlCol="0" anchor="ctr"/>
+          <a:lstStyle/>
+          <a:p>
+            <a:pPr algn="ctr"/>
+            <a:endParaRPr lang="en-GB"/>
+          </a:p>
+        </p:txBody>
+      </p:sp>
+      <p:pic>
+        <p:nvPicPr>
+          <p:cNvPr id="42" name="Picture 41"/>
+          <p:cNvPicPr>
+            <a:picLocks noChangeAspect="1"/>
+          </p:cNvPicPr>
+          <p:nvPr/>
+        </p:nvPicPr>
+        <p:blipFill>
+          <a:blip r:embed="rId5">
+            <a:extLst>
+              <a:ext uri="{28A0092B-C50C-407E-A947-70E740481C1C}">
+                <a14:useLocalDpi xmlns:a14="http://schemas.microsoft.com/office/drawing/2010/main" val="0"/>
+              </a:ext>
+            </a:extLst>
+          </a:blip>
+          <a:stretch>
+            <a:fillRect/>
+          </a:stretch>
+        </p:blipFill>
+        <p:spPr>
+          <a:xfrm>
+            <a:off x="2666657" y="2365753"/>
+            <a:ext cx="569784" cy="569784"/>
+          </a:xfrm>
+          <a:prstGeom prst="rect">
+            <a:avLst/>
+          </a:prstGeom>
+        </p:spPr>
+      </p:pic>
+      <p:pic>
+        <p:nvPicPr>
+          <p:cNvPr id="47" name="Picture 46"/>
+          <p:cNvPicPr>
+            <a:picLocks noChangeAspect="1"/>
+          </p:cNvPicPr>
+          <p:nvPr/>
+        </p:nvPicPr>
+        <p:blipFill>
+          <a:blip r:embed="rId9">
+            <a:extLst>
+              <a:ext uri="{28A0092B-C50C-407E-A947-70E740481C1C}">
+                <a14:useLocalDpi xmlns:a14="http://schemas.microsoft.com/office/drawing/2010/main" val="0"/>
+              </a:ext>
+            </a:extLst>
+          </a:blip>
+          <a:stretch>
+            <a:fillRect/>
+          </a:stretch>
+        </p:blipFill>
+        <p:spPr>
+          <a:xfrm>
+            <a:off x="2780099" y="2116729"/>
+            <a:ext cx="952500" cy="952500"/>
+          </a:xfrm>
+          <a:prstGeom prst="rect">
+            <a:avLst/>
+          </a:prstGeom>
+        </p:spPr>
+      </p:pic>
+      <p:pic>
+        <p:nvPicPr>
+          <p:cNvPr id="48" name="Picture 47"/>
+          <p:cNvPicPr>
+            <a:picLocks noChangeAspect="1"/>
+          </p:cNvPicPr>
+          <p:nvPr/>
+        </p:nvPicPr>
+        <p:blipFill>
+          <a:blip r:embed="rId10">
+            <a:extLst>
+              <a:ext uri="{28A0092B-C50C-407E-A947-70E740481C1C}">
+                <a14:useLocalDpi xmlns:a14="http://schemas.microsoft.com/office/drawing/2010/main" val="0"/>
+              </a:ext>
+            </a:extLst>
+          </a:blip>
+          <a:stretch>
+            <a:fillRect/>
+          </a:stretch>
+        </p:blipFill>
+        <p:spPr>
+          <a:xfrm>
+            <a:off x="3005684" y="2223823"/>
+            <a:ext cx="500095" cy="500095"/>
+          </a:xfrm>
+          <a:prstGeom prst="rect">
+            <a:avLst/>
+          </a:prstGeom>
+        </p:spPr>
+      </p:pic>
+      <p:sp>
+        <p:nvSpPr>
+          <p:cNvPr id="49" name="Freeform 48"/>
+          <p:cNvSpPr/>
+          <p:nvPr/>
+        </p:nvSpPr>
+        <p:spPr>
+          <a:xfrm>
+            <a:off x="1021149" y="1713686"/>
+            <a:ext cx="304800" cy="162498"/>
+          </a:xfrm>
+          <a:custGeom>
+            <a:avLst/>
+            <a:gdLst>
+              <a:gd name="connsiteX0" fmla="*/ 0 w 304800"/>
+              <a:gd name="connsiteY0" fmla="*/ 38930 h 162498"/>
+              <a:gd name="connsiteX1" fmla="*/ 148281 w 304800"/>
+              <a:gd name="connsiteY1" fmla="*/ 5979 h 162498"/>
+              <a:gd name="connsiteX2" fmla="*/ 205946 w 304800"/>
+              <a:gd name="connsiteY2" fmla="*/ 146022 h 162498"/>
+              <a:gd name="connsiteX3" fmla="*/ 304800 w 304800"/>
+              <a:gd name="connsiteY3" fmla="*/ 162498 h 162498"/>
+            </a:gdLst>
+            <a:ahLst/>
+            <a:cxnLst>
+              <a:cxn ang="0">
+                <a:pos x="connsiteX0" y="connsiteY0"/>
+              </a:cxn>
+              <a:cxn ang="0">
+                <a:pos x="connsiteX1" y="connsiteY1"/>
+              </a:cxn>
+              <a:cxn ang="0">
+                <a:pos x="connsiteX2" y="connsiteY2"/>
+              </a:cxn>
+              <a:cxn ang="0">
+                <a:pos x="connsiteX3" y="connsiteY3"/>
+              </a:cxn>
+            </a:cxnLst>
+            <a:rect l="l" t="t" r="r" b="b"/>
+            <a:pathLst>
+              <a:path w="304800" h="162498">
+                <a:moveTo>
+                  <a:pt x="0" y="38930"/>
+                </a:moveTo>
+                <a:cubicBezTo>
+                  <a:pt x="56978" y="13530"/>
+                  <a:pt x="113957" y="-11870"/>
+                  <a:pt x="148281" y="5979"/>
+                </a:cubicBezTo>
+                <a:cubicBezTo>
+                  <a:pt x="182605" y="23828"/>
+                  <a:pt x="179860" y="119936"/>
+                  <a:pt x="205946" y="146022"/>
+                </a:cubicBezTo>
+                <a:cubicBezTo>
+                  <a:pt x="232032" y="172108"/>
+                  <a:pt x="260865" y="126801"/>
+                  <a:pt x="304800" y="162498"/>
+                </a:cubicBezTo>
+              </a:path>
+            </a:pathLst>
+          </a:custGeom>
+          <a:noFill/>
+          <a:ln w="38100" cmpd="sng">
+            <a:solidFill>
+              <a:schemeClr val="tx1">
+                <a:lumMod val="50000"/>
+                <a:lumOff val="50000"/>
+              </a:schemeClr>
+            </a:solidFill>
+            <a:prstDash val="solid"/>
+          </a:ln>
+        </p:spPr>
+        <p:style>
+          <a:lnRef idx="2">
+            <a:schemeClr val="accent1">
+              <a:shade val="50000"/>
+            </a:schemeClr>
+          </a:lnRef>
+          <a:fillRef idx="1">
+            <a:schemeClr val="accent1"/>
+          </a:fillRef>
+          <a:effectRef idx="0">
+            <a:schemeClr val="accent1"/>
+          </a:effectRef>
+          <a:fontRef idx="minor">
+            <a:schemeClr val="lt1"/>
+          </a:fontRef>
+        </p:style>
+        <p:txBody>
+          <a:bodyPr rtlCol="0" anchor="ctr"/>
+          <a:lstStyle/>
+          <a:p>
+            <a:pPr algn="ctr"/>
+            <a:endParaRPr lang="en-GB"/>
+          </a:p>
+        </p:txBody>
+      </p:sp>
+      <p:pic>
+        <p:nvPicPr>
+          <p:cNvPr id="50" name="Picture 49"/>
+          <p:cNvPicPr>
+            <a:picLocks noChangeAspect="1"/>
+          </p:cNvPicPr>
+          <p:nvPr/>
+        </p:nvPicPr>
+        <p:blipFill>
+          <a:blip r:embed="rId5">
+            <a:extLst>
+              <a:ext uri="{28A0092B-C50C-407E-A947-70E740481C1C}">
+                <a14:useLocalDpi xmlns:a14="http://schemas.microsoft.com/office/drawing/2010/main" val="0"/>
+              </a:ext>
+            </a:extLst>
+          </a:blip>
+          <a:stretch>
+            <a:fillRect/>
+          </a:stretch>
+        </p:blipFill>
+        <p:spPr>
+          <a:xfrm>
+            <a:off x="736257" y="1184653"/>
+            <a:ext cx="569784" cy="569784"/>
+          </a:xfrm>
+          <a:prstGeom prst="rect">
+            <a:avLst/>
+          </a:prstGeom>
+        </p:spPr>
+      </p:pic>
+      <p:pic>
+        <p:nvPicPr>
+          <p:cNvPr id="51" name="Picture 50"/>
+          <p:cNvPicPr>
+            <a:picLocks noChangeAspect="1"/>
+          </p:cNvPicPr>
+          <p:nvPr/>
+        </p:nvPicPr>
+        <p:blipFill>
+          <a:blip r:embed="rId9">
+            <a:extLst>
+              <a:ext uri="{28A0092B-C50C-407E-A947-70E740481C1C}">
+                <a14:useLocalDpi xmlns:a14="http://schemas.microsoft.com/office/drawing/2010/main" val="0"/>
+              </a:ext>
+            </a:extLst>
+          </a:blip>
+          <a:stretch>
+            <a:fillRect/>
+          </a:stretch>
+        </p:blipFill>
+        <p:spPr>
+          <a:xfrm>
+            <a:off x="849699" y="935629"/>
+            <a:ext cx="952500" cy="952500"/>
+          </a:xfrm>
+          <a:prstGeom prst="rect">
+            <a:avLst/>
+          </a:prstGeom>
+        </p:spPr>
+      </p:pic>
+    </p:spTree>
+    <p:extLst>
+      <p:ext uri="{BB962C8B-B14F-4D97-AF65-F5344CB8AC3E}">
+        <p14:creationId xmlns:p14="http://schemas.microsoft.com/office/powerpoint/2010/main" val="3828661125"/>
+      </p:ext>
+    </p:extLst>
+  </p:cSld>
+  <p:clrMapOvr>
+    <a:masterClrMapping/>
+  </p:clrMapOvr>
+</p:sld>
+</file>
+
 <file path=ppt/slides/slide3.xml><?xml version="1.0" encoding="utf-8"?>
 <p:sld xmlns:a="http://schemas.openxmlformats.org/drawingml/2006/main" xmlns:r="http://schemas.openxmlformats.org/officeDocument/2006/relationships" xmlns:p="http://schemas.openxmlformats.org/presentationml/2006/main">
   <p:cSld>
@@ -14751,6 +16702,176 @@
     <p:extLst>
       <p:ext uri="{BB962C8B-B14F-4D97-AF65-F5344CB8AC3E}">
         <p14:creationId xmlns:p14="http://schemas.microsoft.com/office/powerpoint/2010/main" val="2791895865"/>
+      </p:ext>
+    </p:extLst>
+  </p:cSld>
+  <p:clrMapOvr>
+    <a:masterClrMapping/>
+  </p:clrMapOvr>
+</p:sld>
+</file>
+
+<file path=ppt/slides/slide30.xml><?xml version="1.0" encoding="utf-8"?>
+<p:sld xmlns:a="http://schemas.openxmlformats.org/drawingml/2006/main" xmlns:r="http://schemas.openxmlformats.org/officeDocument/2006/relationships" xmlns:p="http://schemas.openxmlformats.org/presentationml/2006/main">
+  <p:cSld>
+    <p:spTree>
+      <p:nvGrpSpPr>
+        <p:cNvPr id="1" name=""/>
+        <p:cNvGrpSpPr/>
+        <p:nvPr/>
+      </p:nvGrpSpPr>
+      <p:grpSpPr>
+        <a:xfrm>
+          <a:off x="0" y="0"/>
+          <a:ext cx="0" cy="0"/>
+          <a:chOff x="0" y="0"/>
+          <a:chExt cx="0" cy="0"/>
+        </a:xfrm>
+      </p:grpSpPr>
+      <p:pic>
+        <p:nvPicPr>
+          <p:cNvPr id="6" name="Picture 5"/>
+          <p:cNvPicPr>
+            <a:picLocks noChangeAspect="1"/>
+          </p:cNvPicPr>
+          <p:nvPr/>
+        </p:nvPicPr>
+        <p:blipFill>
+          <a:blip r:embed="rId2"/>
+          <a:stretch>
+            <a:fillRect/>
+          </a:stretch>
+        </p:blipFill>
+        <p:spPr>
+          <a:xfrm rot="8146962">
+            <a:off x="2084949" y="2898581"/>
+            <a:ext cx="1079500" cy="1092200"/>
+          </a:xfrm>
+          <a:prstGeom prst="rect">
+            <a:avLst/>
+          </a:prstGeom>
+        </p:spPr>
+      </p:pic>
+      <p:pic>
+        <p:nvPicPr>
+          <p:cNvPr id="7" name="Picture 6"/>
+          <p:cNvPicPr>
+            <a:picLocks noChangeAspect="1"/>
+          </p:cNvPicPr>
+          <p:nvPr/>
+        </p:nvPicPr>
+        <p:blipFill>
+          <a:blip r:embed="rId2"/>
+          <a:stretch>
+            <a:fillRect/>
+          </a:stretch>
+        </p:blipFill>
+        <p:spPr>
+          <a:xfrm rot="8146962">
+            <a:off x="7160400" y="2941221"/>
+            <a:ext cx="1079500" cy="1092200"/>
+          </a:xfrm>
+          <a:prstGeom prst="rect">
+            <a:avLst/>
+          </a:prstGeom>
+        </p:spPr>
+      </p:pic>
+      <p:sp>
+        <p:nvSpPr>
+          <p:cNvPr id="8" name="Oval 7"/>
+          <p:cNvSpPr/>
+          <p:nvPr/>
+        </p:nvSpPr>
+        <p:spPr>
+          <a:xfrm>
+            <a:off x="3527663" y="3151661"/>
+            <a:ext cx="548749" cy="564478"/>
+          </a:xfrm>
+          <a:prstGeom prst="ellipse">
+            <a:avLst/>
+          </a:prstGeom>
+          <a:solidFill>
+            <a:schemeClr val="bg1"/>
+          </a:solidFill>
+          <a:ln w="254000" cmpd="sng">
+            <a:solidFill>
+              <a:schemeClr val="tx1"/>
+            </a:solidFill>
+          </a:ln>
+        </p:spPr>
+        <p:style>
+          <a:lnRef idx="1">
+            <a:schemeClr val="accent1"/>
+          </a:lnRef>
+          <a:fillRef idx="3">
+            <a:schemeClr val="accent1"/>
+          </a:fillRef>
+          <a:effectRef idx="2">
+            <a:schemeClr val="accent1"/>
+          </a:effectRef>
+          <a:fontRef idx="minor">
+            <a:schemeClr val="lt1"/>
+          </a:fontRef>
+        </p:style>
+        <p:txBody>
+          <a:bodyPr rtlCol="0" anchor="ctr"/>
+          <a:lstStyle/>
+          <a:p>
+            <a:pPr algn="ctr"/>
+            <a:endParaRPr lang="en-US"/>
+          </a:p>
+        </p:txBody>
+      </p:sp>
+      <p:sp>
+        <p:nvSpPr>
+          <p:cNvPr id="9" name="Oval 8"/>
+          <p:cNvSpPr/>
+          <p:nvPr/>
+        </p:nvSpPr>
+        <p:spPr>
+          <a:xfrm>
+            <a:off x="6204305" y="3178622"/>
+            <a:ext cx="548749" cy="564478"/>
+          </a:xfrm>
+          <a:prstGeom prst="ellipse">
+            <a:avLst/>
+          </a:prstGeom>
+          <a:solidFill>
+            <a:schemeClr val="bg1"/>
+          </a:solidFill>
+          <a:ln w="254000" cmpd="sng">
+            <a:solidFill>
+              <a:schemeClr val="tx1"/>
+            </a:solidFill>
+          </a:ln>
+        </p:spPr>
+        <p:style>
+          <a:lnRef idx="1">
+            <a:schemeClr val="accent1"/>
+          </a:lnRef>
+          <a:fillRef idx="3">
+            <a:schemeClr val="accent1"/>
+          </a:fillRef>
+          <a:effectRef idx="2">
+            <a:schemeClr val="accent1"/>
+          </a:effectRef>
+          <a:fontRef idx="minor">
+            <a:schemeClr val="lt1"/>
+          </a:fontRef>
+        </p:style>
+        <p:txBody>
+          <a:bodyPr rtlCol="0" anchor="ctr"/>
+          <a:lstStyle/>
+          <a:p>
+            <a:pPr algn="ctr"/>
+            <a:endParaRPr lang="en-US"/>
+          </a:p>
+        </p:txBody>
+      </p:sp>
+    </p:spTree>
+    <p:extLst>
+      <p:ext uri="{BB962C8B-B14F-4D97-AF65-F5344CB8AC3E}">
+        <p14:creationId xmlns:p14="http://schemas.microsoft.com/office/powerpoint/2010/main" val="2101550064"/>
       </p:ext>
     </p:extLst>
   </p:cSld>
@@ -16453,7 +18574,7 @@
   <a:extraClrSchemeLst/>
   <a:extLst>
     <a:ext uri="{05A4C25C-085E-4340-85A3-A5531E510DB2}">
-      <thm15:themeFamily xmlns:thm15="http://schemas.microsoft.com/office/thememl/2012/main" name="Office Theme" id="{62F939B6-93AF-4DB8-9C6B-D6C7DFDC589F}" vid="{4A3C46E8-61CC-4603-A589-7422A47A8E4A}"/>
+      <thm15:themeFamily xmlns:thm15="http://schemas.microsoft.com/office/thememl/2012/main" xmlns="" name="Office Theme" id="{62F939B6-93AF-4DB8-9C6B-D6C7DFDC589F}" vid="{4A3C46E8-61CC-4603-A589-7422A47A8E4A}"/>
     </a:ext>
   </a:extLst>
 </a:theme>

--- a/Reitti/Pictures/Pictures.pptx
+++ b/Reitti/Pictures/Pictures.pptx
@@ -135,7 +135,7 @@
   </p:defaultTextStyle>
   <p:extLst>
     <p:ext uri="{EFAFB233-063F-42B5-8137-9DF3F51BA10A}">
-      <p15:sldGuideLst xmlns:p15="http://schemas.microsoft.com/office/powerpoint/2012/main" xmlns="">
+      <p15:sldGuideLst xmlns="" xmlns:p15="http://schemas.microsoft.com/office/powerpoint/2012/main">
         <p15:guide id="1" orient="horz" pos="2160" userDrawn="1">
           <p15:clr>
             <a:srgbClr val="A4A3A4"/>
@@ -283,7 +283,7 @@
           <a:p>
             <a:fld id="{447593BF-50A8-4560-8C02-A22D325087EC}" type="datetimeFigureOut">
               <a:rPr lang="en-GB" smtClean="0"/>
-              <a:t>27/6/15</a:t>
+              <a:t>3/7/15</a:t>
             </a:fld>
             <a:endParaRPr lang="en-GB"/>
           </a:p>
@@ -453,7 +453,7 @@
           <a:p>
             <a:fld id="{447593BF-50A8-4560-8C02-A22D325087EC}" type="datetimeFigureOut">
               <a:rPr lang="en-GB" smtClean="0"/>
-              <a:t>27/6/15</a:t>
+              <a:t>3/7/15</a:t>
             </a:fld>
             <a:endParaRPr lang="en-GB"/>
           </a:p>
@@ -633,7 +633,7 @@
           <a:p>
             <a:fld id="{447593BF-50A8-4560-8C02-A22D325087EC}" type="datetimeFigureOut">
               <a:rPr lang="en-GB" smtClean="0"/>
-              <a:t>27/6/15</a:t>
+              <a:t>3/7/15</a:t>
             </a:fld>
             <a:endParaRPr lang="en-GB"/>
           </a:p>
@@ -803,7 +803,7 @@
           <a:p>
             <a:fld id="{447593BF-50A8-4560-8C02-A22D325087EC}" type="datetimeFigureOut">
               <a:rPr lang="en-GB" smtClean="0"/>
-              <a:t>27/6/15</a:t>
+              <a:t>3/7/15</a:t>
             </a:fld>
             <a:endParaRPr lang="en-GB"/>
           </a:p>
@@ -1049,7 +1049,7 @@
           <a:p>
             <a:fld id="{447593BF-50A8-4560-8C02-A22D325087EC}" type="datetimeFigureOut">
               <a:rPr lang="en-GB" smtClean="0"/>
-              <a:t>27/6/15</a:t>
+              <a:t>3/7/15</a:t>
             </a:fld>
             <a:endParaRPr lang="en-GB"/>
           </a:p>
@@ -1281,7 +1281,7 @@
           <a:p>
             <a:fld id="{447593BF-50A8-4560-8C02-A22D325087EC}" type="datetimeFigureOut">
               <a:rPr lang="en-GB" smtClean="0"/>
-              <a:t>27/6/15</a:t>
+              <a:t>3/7/15</a:t>
             </a:fld>
             <a:endParaRPr lang="en-GB"/>
           </a:p>
@@ -1648,7 +1648,7 @@
           <a:p>
             <a:fld id="{447593BF-50A8-4560-8C02-A22D325087EC}" type="datetimeFigureOut">
               <a:rPr lang="en-GB" smtClean="0"/>
-              <a:t>27/6/15</a:t>
+              <a:t>3/7/15</a:t>
             </a:fld>
             <a:endParaRPr lang="en-GB"/>
           </a:p>
@@ -1766,7 +1766,7 @@
           <a:p>
             <a:fld id="{447593BF-50A8-4560-8C02-A22D325087EC}" type="datetimeFigureOut">
               <a:rPr lang="en-GB" smtClean="0"/>
-              <a:t>27/6/15</a:t>
+              <a:t>3/7/15</a:t>
             </a:fld>
             <a:endParaRPr lang="en-GB"/>
           </a:p>
@@ -1861,7 +1861,7 @@
           <a:p>
             <a:fld id="{447593BF-50A8-4560-8C02-A22D325087EC}" type="datetimeFigureOut">
               <a:rPr lang="en-GB" smtClean="0"/>
-              <a:t>27/6/15</a:t>
+              <a:t>3/7/15</a:t>
             </a:fld>
             <a:endParaRPr lang="en-GB"/>
           </a:p>
@@ -2138,7 +2138,7 @@
           <a:p>
             <a:fld id="{447593BF-50A8-4560-8C02-A22D325087EC}" type="datetimeFigureOut">
               <a:rPr lang="en-GB" smtClean="0"/>
-              <a:t>27/6/15</a:t>
+              <a:t>3/7/15</a:t>
             </a:fld>
             <a:endParaRPr lang="en-GB"/>
           </a:p>
@@ -2391,7 +2391,7 @@
           <a:p>
             <a:fld id="{447593BF-50A8-4560-8C02-A22D325087EC}" type="datetimeFigureOut">
               <a:rPr lang="en-GB" smtClean="0"/>
-              <a:t>27/6/15</a:t>
+              <a:t>3/7/15</a:t>
             </a:fld>
             <a:endParaRPr lang="en-GB"/>
           </a:p>
@@ -2604,7 +2604,7 @@
           <a:p>
             <a:fld id="{447593BF-50A8-4560-8C02-A22D325087EC}" type="datetimeFigureOut">
               <a:rPr lang="en-GB" smtClean="0"/>
-              <a:t>27/6/15</a:t>
+              <a:t>3/7/15</a:t>
             </a:fld>
             <a:endParaRPr lang="en-GB"/>
           </a:p>
@@ -9991,6 +9991,85 @@
           </a:p>
         </p:txBody>
       </p:sp>
+      <p:pic>
+        <p:nvPicPr>
+          <p:cNvPr id="2" name="Picture 1"/>
+          <p:cNvPicPr>
+            <a:picLocks noChangeAspect="1"/>
+          </p:cNvPicPr>
+          <p:nvPr/>
+        </p:nvPicPr>
+        <p:blipFill>
+          <a:blip r:embed="rId5"/>
+          <a:stretch>
+            <a:fillRect/>
+          </a:stretch>
+        </p:blipFill>
+        <p:spPr>
+          <a:xfrm>
+            <a:off x="2709694" y="3136786"/>
+            <a:ext cx="1137492" cy="1156293"/>
+          </a:xfrm>
+          <a:prstGeom prst="roundRect">
+            <a:avLst/>
+          </a:prstGeom>
+        </p:spPr>
+      </p:pic>
+      <p:pic>
+        <p:nvPicPr>
+          <p:cNvPr id="11" name="Picture 10"/>
+          <p:cNvPicPr>
+            <a:picLocks noChangeAspect="1"/>
+          </p:cNvPicPr>
+          <p:nvPr/>
+        </p:nvPicPr>
+        <p:blipFill>
+          <a:blip r:embed="rId5"/>
+          <a:stretch>
+            <a:fillRect/>
+          </a:stretch>
+        </p:blipFill>
+        <p:spPr>
+          <a:xfrm>
+            <a:off x="4551402" y="3165896"/>
+            <a:ext cx="1137492" cy="1156293"/>
+          </a:xfrm>
+          <a:prstGeom prst="roundRect">
+            <a:avLst/>
+          </a:prstGeom>
+        </p:spPr>
+      </p:pic>
+      <p:pic>
+        <p:nvPicPr>
+          <p:cNvPr id="4" name="Picture 3"/>
+          <p:cNvPicPr>
+            <a:picLocks noChangeAspect="1"/>
+          </p:cNvPicPr>
+          <p:nvPr/>
+        </p:nvPicPr>
+        <p:blipFill>
+          <a:blip r:embed="rId6"/>
+          <a:stretch>
+            <a:fillRect/>
+          </a:stretch>
+        </p:blipFill>
+        <p:spPr>
+          <a:xfrm>
+            <a:off x="2894652" y="1065516"/>
+            <a:ext cx="1396439" cy="1419520"/>
+          </a:xfrm>
+          <a:prstGeom prst="roundRect">
+            <a:avLst/>
+          </a:prstGeom>
+          <a:ln w="9525" cmpd="sng">
+            <a:solidFill>
+              <a:schemeClr val="bg1">
+                <a:lumMod val="50000"/>
+              </a:schemeClr>
+            </a:solidFill>
+          </a:ln>
+        </p:spPr>
+      </p:pic>
     </p:spTree>
     <p:extLst>
       <p:ext uri="{BB962C8B-B14F-4D97-AF65-F5344CB8AC3E}">
@@ -18574,7 +18653,7 @@
   <a:extraClrSchemeLst/>
   <a:extLst>
     <a:ext uri="{05A4C25C-085E-4340-85A3-A5531E510DB2}">
-      <thm15:themeFamily xmlns:thm15="http://schemas.microsoft.com/office/thememl/2012/main" xmlns="" name="Office Theme" id="{62F939B6-93AF-4DB8-9C6B-D6C7DFDC589F}" vid="{4A3C46E8-61CC-4603-A589-7422A47A8E4A}"/>
+      <thm15:themeFamily xmlns="" xmlns:thm15="http://schemas.microsoft.com/office/thememl/2012/main" name="Office Theme" id="{62F939B6-93AF-4DB8-9C6B-D6C7DFDC589F}" vid="{4A3C46E8-61CC-4603-A589-7422A47A8E4A}"/>
     </a:ext>
   </a:extLst>
 </a:theme>
